--- a/08.构造函数/08.构造函数.pptx
+++ b/08.构造函数/08.构造函数.pptx
@@ -3,49 +3,49 @@
 <p:presentation xmlns:a="http://schemas.openxmlformats.org/drawingml/2006/main" xmlns:r="http://schemas.openxmlformats.org/officeDocument/2006/relationships" xmlns:p="http://schemas.openxmlformats.org/presentationml/2006/main">
   <p:sldMasterIdLst>
     <p:sldMasterId id="2147483648" r:id="rId1"/>
-    <p:sldMasterId id="2147483652" r:id="rId3"/>
-    <p:sldMasterId id="2147483656" r:id="rId4"/>
-    <p:sldMasterId id="2147483660" r:id="rId5"/>
-    <p:sldMasterId id="2147483664" r:id="rId6"/>
-    <p:sldMasterId id="2147483668" r:id="rId7"/>
+    <p:sldMasterId id="2147483652" r:id="rId2"/>
+    <p:sldMasterId id="2147483656" r:id="rId3"/>
+    <p:sldMasterId id="2147483660" r:id="rId4"/>
+    <p:sldMasterId id="2147483664" r:id="rId5"/>
+    <p:sldMasterId id="2147483668" r:id="rId6"/>
   </p:sldMasterIdLst>
   <p:notesMasterIdLst>
-    <p:notesMasterId r:id="rId9"/>
+    <p:notesMasterId r:id="rId32"/>
   </p:notesMasterIdLst>
   <p:handoutMasterIdLst>
-    <p:handoutMasterId r:id="rId34"/>
+    <p:handoutMasterId r:id="rId33"/>
   </p:handoutMasterIdLst>
   <p:sldIdLst>
-    <p:sldId id="284" r:id="rId8"/>
-    <p:sldId id="288" r:id="rId10"/>
-    <p:sldId id="995" r:id="rId11"/>
-    <p:sldId id="945" r:id="rId12"/>
-    <p:sldId id="946" r:id="rId13"/>
-    <p:sldId id="1001" r:id="rId14"/>
-    <p:sldId id="1002" r:id="rId15"/>
-    <p:sldId id="1003" r:id="rId16"/>
-    <p:sldId id="998" r:id="rId17"/>
-    <p:sldId id="1005" r:id="rId18"/>
-    <p:sldId id="1006" r:id="rId19"/>
-    <p:sldId id="1008" r:id="rId20"/>
-    <p:sldId id="1007" r:id="rId21"/>
-    <p:sldId id="1009" r:id="rId22"/>
-    <p:sldId id="1010" r:id="rId23"/>
-    <p:sldId id="948" r:id="rId24"/>
-    <p:sldId id="1012" r:id="rId25"/>
-    <p:sldId id="875" r:id="rId26"/>
-    <p:sldId id="972" r:id="rId27"/>
-    <p:sldId id="1013" r:id="rId28"/>
-    <p:sldId id="1015" r:id="rId29"/>
-    <p:sldId id="1016" r:id="rId30"/>
-    <p:sldId id="966" r:id="rId31"/>
-    <p:sldId id="1023" r:id="rId32"/>
-    <p:sldId id="862" r:id="rId33"/>
+    <p:sldId id="284" r:id="rId7"/>
+    <p:sldId id="288" r:id="rId8"/>
+    <p:sldId id="995" r:id="rId9"/>
+    <p:sldId id="945" r:id="rId10"/>
+    <p:sldId id="946" r:id="rId11"/>
+    <p:sldId id="1001" r:id="rId12"/>
+    <p:sldId id="1002" r:id="rId13"/>
+    <p:sldId id="1003" r:id="rId14"/>
+    <p:sldId id="998" r:id="rId15"/>
+    <p:sldId id="1005" r:id="rId16"/>
+    <p:sldId id="1006" r:id="rId17"/>
+    <p:sldId id="1008" r:id="rId18"/>
+    <p:sldId id="1007" r:id="rId19"/>
+    <p:sldId id="1009" r:id="rId20"/>
+    <p:sldId id="1010" r:id="rId21"/>
+    <p:sldId id="948" r:id="rId22"/>
+    <p:sldId id="1012" r:id="rId23"/>
+    <p:sldId id="875" r:id="rId24"/>
+    <p:sldId id="972" r:id="rId25"/>
+    <p:sldId id="1013" r:id="rId26"/>
+    <p:sldId id="1015" r:id="rId27"/>
+    <p:sldId id="1016" r:id="rId28"/>
+    <p:sldId id="966" r:id="rId29"/>
+    <p:sldId id="1023" r:id="rId30"/>
+    <p:sldId id="862" r:id="rId31"/>
   </p:sldIdLst>
   <p:sldSz cx="12192000" cy="6858000"/>
   <p:notesSz cx="6858000" cy="9144000"/>
   <p:custDataLst>
-    <p:tags r:id="rId38"/>
+    <p:tags r:id="rId34"/>
   </p:custDataLst>
   <p:defaultTextStyle>
     <a:defPPr>
@@ -142,6 +142,22 @@
       </a:defRPr>
     </a:lvl9pPr>
   </p:defaultTextStyle>
+  <p:extLst>
+    <p:ext uri="{EFAFB233-063F-42B5-8137-9DF3F51BA10A}">
+      <p15:sldGuideLst xmlns:p15="http://schemas.microsoft.com/office/powerpoint/2012/main">
+        <p15:guide id="1" orient="horz" pos="2125">
+          <p15:clr>
+            <a:srgbClr val="A4A3A4"/>
+          </p15:clr>
+        </p15:guide>
+        <p15:guide id="2" pos="3776">
+          <p15:clr>
+            <a:srgbClr val="A4A3A4"/>
+          </p15:clr>
+        </p15:guide>
+      </p15:sldGuideLst>
+    </p:ext>
+  </p:extLst>
 </p:presentation>
 </file>
 
@@ -227,6 +243,7 @@
           <a:p>
             <a:fld id="{0F9B84EA-7D68-4D60-9CB1-D50884785D1C}" type="datetimeFigureOut">
               <a:rPr lang="zh-CN" altLang="en-US" smtClean="0"/>
+              <a:t>2020/3/25</a:t>
             </a:fld>
             <a:endParaRPr lang="zh-CN" altLang="en-US"/>
           </a:p>
@@ -292,6 +309,7 @@
           <a:p>
             <a:fld id="{8D4E0FC9-F1F8-4FAE-9988-3BA365CFD46F}" type="slidenum">
               <a:rPr lang="zh-CN" altLang="en-US" smtClean="0"/>
+              <a:t>‹#›</a:t>
             </a:fld>
             <a:endParaRPr lang="zh-CN" altLang="en-US"/>
           </a:p>
@@ -385,6 +403,7 @@
           <a:p>
             <a:fld id="{684D3FB2-7CB8-4067-B1A5-8C2CFD21EA41}" type="datetimeFigureOut">
               <a:rPr lang="zh-CN" altLang="en-US" smtClean="0"/>
+              <a:t>2020/3/25</a:t>
             </a:fld>
             <a:endParaRPr lang="zh-CN" altLang="en-US"/>
           </a:p>
@@ -453,7 +472,6 @@
               <a:rPr lang="zh-CN" altLang="en-US"/>
               <a:t>单击此处编辑母版文本样式</a:t>
             </a:r>
-            <a:endParaRPr lang="zh-CN" altLang="en-US"/>
           </a:p>
           <a:p>
             <a:pPr lvl="1"/>
@@ -461,7 +479,6 @@
               <a:rPr lang="zh-CN" altLang="en-US"/>
               <a:t>第二级</a:t>
             </a:r>
-            <a:endParaRPr lang="zh-CN" altLang="en-US"/>
           </a:p>
           <a:p>
             <a:pPr lvl="2"/>
@@ -469,7 +486,6 @@
               <a:rPr lang="zh-CN" altLang="en-US"/>
               <a:t>第三级</a:t>
             </a:r>
-            <a:endParaRPr lang="zh-CN" altLang="en-US"/>
           </a:p>
           <a:p>
             <a:pPr lvl="3"/>
@@ -477,7 +493,6 @@
               <a:rPr lang="zh-CN" altLang="en-US"/>
               <a:t>第四级</a:t>
             </a:r>
-            <a:endParaRPr lang="zh-CN" altLang="en-US"/>
           </a:p>
           <a:p>
             <a:pPr lvl="4"/>
@@ -485,7 +500,6 @@
               <a:rPr lang="zh-CN" altLang="en-US"/>
               <a:t>第五级</a:t>
             </a:r>
-            <a:endParaRPr lang="zh-CN" altLang="en-US"/>
           </a:p>
         </p:txBody>
       </p:sp>
@@ -549,6 +563,7 @@
           <a:p>
             <a:fld id="{82D80927-B3A3-4EAB-8C66-CA304D1796CA}" type="slidenum">
               <a:rPr lang="zh-CN" altLang="en-US" smtClean="0"/>
+              <a:t>‹#›</a:t>
             </a:fld>
             <a:endParaRPr lang="zh-CN" altLang="en-US"/>
           </a:p>
@@ -661,11 +676,20 @@
         <p:cNvGrpSpPr/>
         <p:nvPr/>
       </p:nvGrpSpPr>
-      <p:grpSpPr/>
+      <p:grpSpPr>
+        <a:xfrm>
+          <a:off x="0" y="0"/>
+          <a:ext cx="0" cy="0"/>
+          <a:chOff x="0" y="0"/>
+          <a:chExt cx="0" cy="0"/>
+        </a:xfrm>
+      </p:grpSpPr>
       <p:sp>
         <p:nvSpPr>
           <p:cNvPr id="2" name="幻灯片图像占位符 1"/>
-          <p:cNvSpPr/>
+          <p:cNvSpPr>
+            <a:spLocks noGrp="1" noRot="1" noChangeAspect="1"/>
+          </p:cNvSpPr>
           <p:nvPr>
             <p:ph type="sldImg" idx="2"/>
           </p:nvPr>
@@ -675,7 +699,9 @@
       <p:sp>
         <p:nvSpPr>
           <p:cNvPr id="3" name="文本占位符 2"/>
-          <p:cNvSpPr/>
+          <p:cNvSpPr>
+            <a:spLocks noGrp="1"/>
+          </p:cNvSpPr>
           <p:nvPr>
             <p:ph type="body" idx="3"/>
           </p:nvPr>
@@ -683,6 +709,7 @@
         <p:spPr/>
         <p:txBody>
           <a:bodyPr/>
+          <a:lstStyle/>
           <a:p>
             <a:endParaRPr lang="zh-CN" altLang="en-US"/>
           </a:p>
@@ -705,11 +732,20 @@
         <p:cNvGrpSpPr/>
         <p:nvPr/>
       </p:nvGrpSpPr>
-      <p:grpSpPr/>
+      <p:grpSpPr>
+        <a:xfrm>
+          <a:off x="0" y="0"/>
+          <a:ext cx="0" cy="0"/>
+          <a:chOff x="0" y="0"/>
+          <a:chExt cx="0" cy="0"/>
+        </a:xfrm>
+      </p:grpSpPr>
       <p:sp>
         <p:nvSpPr>
           <p:cNvPr id="2" name="幻灯片图像占位符 1"/>
-          <p:cNvSpPr/>
+          <p:cNvSpPr>
+            <a:spLocks noGrp="1" noRot="1" noChangeAspect="1"/>
+          </p:cNvSpPr>
           <p:nvPr>
             <p:ph type="sldImg" idx="2"/>
           </p:nvPr>
@@ -719,7 +755,9 @@
       <p:sp>
         <p:nvSpPr>
           <p:cNvPr id="3" name="文本占位符 2"/>
-          <p:cNvSpPr/>
+          <p:cNvSpPr>
+            <a:spLocks noGrp="1"/>
+          </p:cNvSpPr>
           <p:nvPr>
             <p:ph type="body" idx="3"/>
           </p:nvPr>
@@ -727,6 +765,7 @@
         <p:spPr/>
         <p:txBody>
           <a:bodyPr/>
+          <a:lstStyle/>
           <a:p>
             <a:endParaRPr lang="zh-CN" altLang="en-US"/>
           </a:p>
@@ -749,11 +788,20 @@
         <p:cNvGrpSpPr/>
         <p:nvPr/>
       </p:nvGrpSpPr>
-      <p:grpSpPr/>
+      <p:grpSpPr>
+        <a:xfrm>
+          <a:off x="0" y="0"/>
+          <a:ext cx="0" cy="0"/>
+          <a:chOff x="0" y="0"/>
+          <a:chExt cx="0" cy="0"/>
+        </a:xfrm>
+      </p:grpSpPr>
       <p:sp>
         <p:nvSpPr>
           <p:cNvPr id="2" name="幻灯片图像占位符 1"/>
-          <p:cNvSpPr/>
+          <p:cNvSpPr>
+            <a:spLocks noGrp="1" noRot="1" noChangeAspect="1"/>
+          </p:cNvSpPr>
           <p:nvPr>
             <p:ph type="sldImg" idx="2"/>
           </p:nvPr>
@@ -763,7 +811,9 @@
       <p:sp>
         <p:nvSpPr>
           <p:cNvPr id="3" name="文本占位符 2"/>
-          <p:cNvSpPr/>
+          <p:cNvSpPr>
+            <a:spLocks noGrp="1"/>
+          </p:cNvSpPr>
           <p:nvPr>
             <p:ph type="body" idx="3"/>
           </p:nvPr>
@@ -771,54 +821,48 @@
         <p:spPr/>
         <p:txBody>
           <a:bodyPr/>
+          <a:lstStyle/>
           <a:p>
             <a:r>
               <a:rPr lang="zh-CN" altLang="en-US"/>
               <a:t>function Person(name, age) {</a:t>
             </a:r>
-            <a:endParaRPr lang="zh-CN" altLang="en-US"/>
           </a:p>
           <a:p>
             <a:r>
               <a:rPr lang="zh-CN" altLang="en-US"/>
               <a:t>            this.name = name;</a:t>
             </a:r>
-            <a:endParaRPr lang="zh-CN" altLang="en-US"/>
           </a:p>
           <a:p>
             <a:r>
               <a:rPr lang="zh-CN" altLang="en-US"/>
               <a:t>            this.age = age;</a:t>
             </a:r>
-            <a:endParaRPr lang="zh-CN" altLang="en-US"/>
           </a:p>
           <a:p>
             <a:r>
               <a:rPr lang="zh-CN" altLang="en-US"/>
               <a:t>            this.sayHello = function() {</a:t>
             </a:r>
-            <a:endParaRPr lang="zh-CN" altLang="en-US"/>
           </a:p>
           <a:p>
             <a:r>
               <a:rPr lang="zh-CN" altLang="en-US"/>
               <a:t>                console.log(this.name + "say hello");</a:t>
             </a:r>
-            <a:endParaRPr lang="zh-CN" altLang="en-US"/>
           </a:p>
           <a:p>
             <a:r>
               <a:rPr lang="zh-CN" altLang="en-US"/>
               <a:t>            }</a:t>
             </a:r>
-            <a:endParaRPr lang="zh-CN" altLang="en-US"/>
           </a:p>
           <a:p>
             <a:r>
               <a:rPr lang="zh-CN" altLang="en-US"/>
               <a:t>        }</a:t>
             </a:r>
-            <a:endParaRPr lang="zh-CN" altLang="en-US"/>
           </a:p>
           <a:p>
             <a:endParaRPr lang="zh-CN" altLang="en-US"/>
@@ -828,14 +872,12 @@
               <a:rPr lang="zh-CN" altLang="en-US"/>
               <a:t>        var boy = new Person("bella", 23);</a:t>
             </a:r>
-            <a:endParaRPr lang="zh-CN" altLang="en-US"/>
           </a:p>
           <a:p>
             <a:r>
               <a:rPr lang="zh-CN" altLang="en-US"/>
               <a:t>        var girl = new Person("Lucy", 20);</a:t>
             </a:r>
-            <a:endParaRPr lang="zh-CN" altLang="en-US"/>
           </a:p>
         </p:txBody>
       </p:sp>
@@ -856,11 +898,20 @@
         <p:cNvGrpSpPr/>
         <p:nvPr/>
       </p:nvGrpSpPr>
-      <p:grpSpPr/>
+      <p:grpSpPr>
+        <a:xfrm>
+          <a:off x="0" y="0"/>
+          <a:ext cx="0" cy="0"/>
+          <a:chOff x="0" y="0"/>
+          <a:chExt cx="0" cy="0"/>
+        </a:xfrm>
+      </p:grpSpPr>
       <p:sp>
         <p:nvSpPr>
           <p:cNvPr id="2" name="幻灯片图像占位符 1"/>
-          <p:cNvSpPr/>
+          <p:cNvSpPr>
+            <a:spLocks noGrp="1" noRot="1" noChangeAspect="1"/>
+          </p:cNvSpPr>
           <p:nvPr>
             <p:ph type="sldImg" idx="2"/>
           </p:nvPr>
@@ -870,7 +921,9 @@
       <p:sp>
         <p:nvSpPr>
           <p:cNvPr id="3" name="文本占位符 2"/>
-          <p:cNvSpPr/>
+          <p:cNvSpPr>
+            <a:spLocks noGrp="1"/>
+          </p:cNvSpPr>
           <p:nvPr>
             <p:ph type="body" idx="3"/>
           </p:nvPr>
@@ -878,6 +931,7 @@
         <p:spPr/>
         <p:txBody>
           <a:bodyPr/>
+          <a:lstStyle/>
           <a:p>
             <a:endParaRPr lang="zh-CN" altLang="en-US"/>
           </a:p>
@@ -900,11 +954,20 @@
         <p:cNvGrpSpPr/>
         <p:nvPr/>
       </p:nvGrpSpPr>
-      <p:grpSpPr/>
+      <p:grpSpPr>
+        <a:xfrm>
+          <a:off x="0" y="0"/>
+          <a:ext cx="0" cy="0"/>
+          <a:chOff x="0" y="0"/>
+          <a:chExt cx="0" cy="0"/>
+        </a:xfrm>
+      </p:grpSpPr>
       <p:sp>
         <p:nvSpPr>
           <p:cNvPr id="2" name="幻灯片图像占位符 1"/>
-          <p:cNvSpPr/>
+          <p:cNvSpPr>
+            <a:spLocks noGrp="1" noRot="1" noChangeAspect="1"/>
+          </p:cNvSpPr>
           <p:nvPr>
             <p:ph type="sldImg" idx="2"/>
           </p:nvPr>
@@ -914,7 +977,9 @@
       <p:sp>
         <p:nvSpPr>
           <p:cNvPr id="3" name="文本占位符 2"/>
-          <p:cNvSpPr/>
+          <p:cNvSpPr>
+            <a:spLocks noGrp="1"/>
+          </p:cNvSpPr>
           <p:nvPr>
             <p:ph type="body" idx="3"/>
           </p:nvPr>
@@ -922,131 +987,114 @@
         <p:spPr/>
         <p:txBody>
           <a:bodyPr/>
+          <a:lstStyle/>
           <a:p>
             <a:r>
               <a:rPr lang="zh-CN" altLang="en-US"/>
               <a:t>   // 将构造函数以参数形式传入 </a:t>
             </a:r>
-            <a:endParaRPr lang="zh-CN" altLang="en-US"/>
           </a:p>
           <a:p>
             <a:r>
               <a:rPr lang="zh-CN" altLang="en-US"/>
               <a:t>        function New(func) {</a:t>
             </a:r>
-            <a:endParaRPr lang="zh-CN" altLang="en-US"/>
           </a:p>
           <a:p>
             <a:r>
               <a:rPr lang="zh-CN" altLang="en-US"/>
               <a:t>            // 声明一个中间对象，该对象为最终返回的实例 </a:t>
             </a:r>
-            <a:endParaRPr lang="zh-CN" altLang="en-US"/>
           </a:p>
           <a:p>
             <a:r>
               <a:rPr lang="zh-CN" altLang="en-US"/>
               <a:t>            var res = {};</a:t>
             </a:r>
-            <a:endParaRPr lang="zh-CN" altLang="en-US"/>
           </a:p>
           <a:p>
             <a:r>
               <a:rPr lang="zh-CN" altLang="en-US"/>
               <a:t>            if(func.prototype !== null) {</a:t>
             </a:r>
-            <a:endParaRPr lang="zh-CN" altLang="en-US"/>
           </a:p>
           <a:p>
             <a:r>
               <a:rPr lang="zh-CN" altLang="en-US"/>
               <a:t>                // 将实例的原型指向构造函数的原型</a:t>
             </a:r>
-            <a:endParaRPr lang="zh-CN" altLang="en-US"/>
           </a:p>
           <a:p>
             <a:r>
               <a:rPr lang="zh-CN" altLang="en-US"/>
               <a:t>                res.__proto__ = func.prototype;</a:t>
             </a:r>
-            <a:endParaRPr lang="zh-CN" altLang="en-US"/>
           </a:p>
           <a:p>
             <a:r>
               <a:rPr lang="zh-CN" altLang="en-US"/>
               <a:t>            }</a:t>
             </a:r>
-            <a:endParaRPr lang="zh-CN" altLang="en-US"/>
           </a:p>
           <a:p>
             <a:r>
               <a:rPr lang="zh-CN" altLang="en-US"/>
               <a:t>            // ret为构造函数执行的结果，这里通过apply</a:t>
             </a:r>
-            <a:endParaRPr lang="zh-CN" altLang="en-US"/>
           </a:p>
           <a:p>
             <a:r>
               <a:rPr lang="zh-CN" altLang="en-US"/>
               <a:t>            //将构造函数内部的 this 指向修改为指向 res，即为实例对象</a:t>
             </a:r>
-            <a:endParaRPr lang="zh-CN" altLang="en-US"/>
           </a:p>
           <a:p>
             <a:r>
               <a:rPr lang="zh-CN" altLang="en-US"/>
               <a:t>            var ret = func.apply(res, Array.prototype.slice.call(arguments, 1));</a:t>
             </a:r>
-            <a:endParaRPr lang="zh-CN" altLang="en-US"/>
           </a:p>
           <a:p>
             <a:r>
               <a:rPr lang="zh-CN" altLang="en-US"/>
               <a:t>            // 当我们在构造函数中明确指定了返回对象时，那么new的执行结果就是该返回对象 </a:t>
             </a:r>
-            <a:endParaRPr lang="zh-CN" altLang="en-US"/>
           </a:p>
           <a:p>
             <a:r>
               <a:rPr lang="zh-CN" altLang="en-US"/>
               <a:t>            if((typeof ret === "object" || typeof ret === "function") &amp;&amp; ret !== null) {</a:t>
             </a:r>
-            <a:endParaRPr lang="zh-CN" altLang="en-US"/>
           </a:p>
           <a:p>
             <a:r>
               <a:rPr lang="zh-CN" altLang="en-US"/>
               <a:t>                return ret;</a:t>
             </a:r>
-            <a:endParaRPr lang="zh-CN" altLang="en-US"/>
           </a:p>
           <a:p>
             <a:r>
               <a:rPr lang="zh-CN" altLang="en-US"/>
               <a:t>            }</a:t>
             </a:r>
-            <a:endParaRPr lang="zh-CN" altLang="en-US"/>
           </a:p>
           <a:p>
             <a:r>
               <a:rPr lang="zh-CN" altLang="en-US"/>
               <a:t>            // 如果没有明确指定返回对象，则默认返回res，这个res就是实例对象</a:t>
             </a:r>
-            <a:endParaRPr lang="zh-CN" altLang="en-US"/>
           </a:p>
           <a:p>
             <a:r>
               <a:rPr lang="zh-CN" altLang="en-US"/>
               <a:t>            return res;</a:t>
             </a:r>
-            <a:endParaRPr lang="zh-CN" altLang="en-US"/>
           </a:p>
           <a:p>
             <a:r>
               <a:rPr lang="zh-CN" altLang="en-US"/>
               <a:t>        }</a:t>
             </a:r>
-            <a:endParaRPr lang="zh-CN" altLang="en-US"/>
           </a:p>
         </p:txBody>
       </p:sp>
@@ -1067,11 +1115,20 @@
         <p:cNvGrpSpPr/>
         <p:nvPr/>
       </p:nvGrpSpPr>
-      <p:grpSpPr/>
+      <p:grpSpPr>
+        <a:xfrm>
+          <a:off x="0" y="0"/>
+          <a:ext cx="0" cy="0"/>
+          <a:chOff x="0" y="0"/>
+          <a:chExt cx="0" cy="0"/>
+        </a:xfrm>
+      </p:grpSpPr>
       <p:sp>
         <p:nvSpPr>
           <p:cNvPr id="2" name="幻灯片图像占位符 1"/>
-          <p:cNvSpPr/>
+          <p:cNvSpPr>
+            <a:spLocks noGrp="1" noRot="1" noChangeAspect="1"/>
+          </p:cNvSpPr>
           <p:nvPr>
             <p:ph type="sldImg" idx="2"/>
           </p:nvPr>
@@ -1081,7 +1138,9 @@
       <p:sp>
         <p:nvSpPr>
           <p:cNvPr id="3" name="文本占位符 2"/>
-          <p:cNvSpPr/>
+          <p:cNvSpPr>
+            <a:spLocks noGrp="1"/>
+          </p:cNvSpPr>
           <p:nvPr>
             <p:ph type="body" idx="3"/>
           </p:nvPr>
@@ -1089,6 +1148,7 @@
         <p:spPr/>
         <p:txBody>
           <a:bodyPr/>
+          <a:lstStyle/>
           <a:p>
             <a:endParaRPr lang="zh-CN" altLang="en-US"/>
           </a:p>
@@ -1111,11 +1171,20 @@
         <p:cNvGrpSpPr/>
         <p:nvPr/>
       </p:nvGrpSpPr>
-      <p:grpSpPr/>
+      <p:grpSpPr>
+        <a:xfrm>
+          <a:off x="0" y="0"/>
+          <a:ext cx="0" cy="0"/>
+          <a:chOff x="0" y="0"/>
+          <a:chExt cx="0" cy="0"/>
+        </a:xfrm>
+      </p:grpSpPr>
       <p:sp>
         <p:nvSpPr>
           <p:cNvPr id="2" name="幻灯片图像占位符 1"/>
-          <p:cNvSpPr/>
+          <p:cNvSpPr>
+            <a:spLocks noGrp="1" noRot="1" noChangeAspect="1"/>
+          </p:cNvSpPr>
           <p:nvPr>
             <p:ph type="sldImg" idx="2"/>
           </p:nvPr>
@@ -1125,7 +1194,9 @@
       <p:sp>
         <p:nvSpPr>
           <p:cNvPr id="3" name="文本占位符 2"/>
-          <p:cNvSpPr/>
+          <p:cNvSpPr>
+            <a:spLocks noGrp="1"/>
+          </p:cNvSpPr>
           <p:nvPr>
             <p:ph type="body" idx="3"/>
           </p:nvPr>
@@ -1133,6 +1204,7 @@
         <p:spPr/>
         <p:txBody>
           <a:bodyPr/>
+          <a:lstStyle/>
           <a:p>
             <a:endParaRPr lang="zh-CN" altLang="en-US"/>
           </a:p>
@@ -1155,11 +1227,20 @@
         <p:cNvGrpSpPr/>
         <p:nvPr/>
       </p:nvGrpSpPr>
-      <p:grpSpPr/>
+      <p:grpSpPr>
+        <a:xfrm>
+          <a:off x="0" y="0"/>
+          <a:ext cx="0" cy="0"/>
+          <a:chOff x="0" y="0"/>
+          <a:chExt cx="0" cy="0"/>
+        </a:xfrm>
+      </p:grpSpPr>
       <p:sp>
         <p:nvSpPr>
           <p:cNvPr id="2" name="幻灯片图像占位符 1"/>
-          <p:cNvSpPr/>
+          <p:cNvSpPr>
+            <a:spLocks noGrp="1" noRot="1" noChangeAspect="1"/>
+          </p:cNvSpPr>
           <p:nvPr>
             <p:ph type="sldImg" idx="2"/>
           </p:nvPr>
@@ -1169,7 +1250,9 @@
       <p:sp>
         <p:nvSpPr>
           <p:cNvPr id="3" name="文本占位符 2"/>
-          <p:cNvSpPr/>
+          <p:cNvSpPr>
+            <a:spLocks noGrp="1"/>
+          </p:cNvSpPr>
           <p:nvPr>
             <p:ph type="body" idx="3"/>
           </p:nvPr>
@@ -1177,6 +1260,7 @@
         <p:spPr/>
         <p:txBody>
           <a:bodyPr/>
+          <a:lstStyle/>
           <a:p>
             <a:endParaRPr lang="zh-CN" altLang="en-US"/>
           </a:p>
@@ -1199,11 +1283,20 @@
         <p:cNvGrpSpPr/>
         <p:nvPr/>
       </p:nvGrpSpPr>
-      <p:grpSpPr/>
+      <p:grpSpPr>
+        <a:xfrm>
+          <a:off x="0" y="0"/>
+          <a:ext cx="0" cy="0"/>
+          <a:chOff x="0" y="0"/>
+          <a:chExt cx="0" cy="0"/>
+        </a:xfrm>
+      </p:grpSpPr>
       <p:sp>
         <p:nvSpPr>
           <p:cNvPr id="2" name="幻灯片图像占位符 1"/>
-          <p:cNvSpPr/>
+          <p:cNvSpPr>
+            <a:spLocks noGrp="1" noRot="1" noChangeAspect="1"/>
+          </p:cNvSpPr>
           <p:nvPr>
             <p:ph type="sldImg" idx="2"/>
           </p:nvPr>
@@ -1213,7 +1306,9 @@
       <p:sp>
         <p:nvSpPr>
           <p:cNvPr id="3" name="文本占位符 2"/>
-          <p:cNvSpPr/>
+          <p:cNvSpPr>
+            <a:spLocks noGrp="1"/>
+          </p:cNvSpPr>
           <p:nvPr>
             <p:ph type="body" idx="3"/>
           </p:nvPr>
@@ -1221,6 +1316,7 @@
         <p:spPr/>
         <p:txBody>
           <a:bodyPr/>
+          <a:lstStyle/>
           <a:p>
             <a:endParaRPr lang="zh-CN" altLang="en-US"/>
           </a:p>
@@ -1243,11 +1339,20 @@
         <p:cNvGrpSpPr/>
         <p:nvPr/>
       </p:nvGrpSpPr>
-      <p:grpSpPr/>
+      <p:grpSpPr>
+        <a:xfrm>
+          <a:off x="0" y="0"/>
+          <a:ext cx="0" cy="0"/>
+          <a:chOff x="0" y="0"/>
+          <a:chExt cx="0" cy="0"/>
+        </a:xfrm>
+      </p:grpSpPr>
       <p:sp>
         <p:nvSpPr>
           <p:cNvPr id="2" name="幻灯片图像占位符 1"/>
-          <p:cNvSpPr/>
+          <p:cNvSpPr>
+            <a:spLocks noGrp="1" noRot="1" noChangeAspect="1"/>
+          </p:cNvSpPr>
           <p:nvPr>
             <p:ph type="sldImg" idx="2"/>
           </p:nvPr>
@@ -1257,7 +1362,9 @@
       <p:sp>
         <p:nvSpPr>
           <p:cNvPr id="3" name="文本占位符 2"/>
-          <p:cNvSpPr/>
+          <p:cNvSpPr>
+            <a:spLocks noGrp="1"/>
+          </p:cNvSpPr>
           <p:nvPr>
             <p:ph type="body" idx="3"/>
           </p:nvPr>
@@ -1265,6 +1372,7 @@
         <p:spPr/>
         <p:txBody>
           <a:bodyPr/>
+          <a:lstStyle/>
           <a:p>
             <a:endParaRPr lang="zh-CN" altLang="en-US"/>
           </a:p>
@@ -1287,11 +1395,20 @@
         <p:cNvGrpSpPr/>
         <p:nvPr/>
       </p:nvGrpSpPr>
-      <p:grpSpPr/>
+      <p:grpSpPr>
+        <a:xfrm>
+          <a:off x="0" y="0"/>
+          <a:ext cx="0" cy="0"/>
+          <a:chOff x="0" y="0"/>
+          <a:chExt cx="0" cy="0"/>
+        </a:xfrm>
+      </p:grpSpPr>
       <p:sp>
         <p:nvSpPr>
           <p:cNvPr id="2" name="幻灯片图像占位符 1"/>
-          <p:cNvSpPr/>
+          <p:cNvSpPr>
+            <a:spLocks noGrp="1" noRot="1" noChangeAspect="1"/>
+          </p:cNvSpPr>
           <p:nvPr>
             <p:ph type="sldImg" idx="2"/>
           </p:nvPr>
@@ -1301,7 +1418,9 @@
       <p:sp>
         <p:nvSpPr>
           <p:cNvPr id="3" name="文本占位符 2"/>
-          <p:cNvSpPr/>
+          <p:cNvSpPr>
+            <a:spLocks noGrp="1"/>
+          </p:cNvSpPr>
           <p:nvPr>
             <p:ph type="body" idx="3"/>
           </p:nvPr>
@@ -1309,6 +1428,7 @@
         <p:spPr/>
         <p:txBody>
           <a:bodyPr/>
+          <a:lstStyle/>
           <a:p>
             <a:endParaRPr lang="zh-CN" altLang="en-US"/>
           </a:p>
@@ -1331,11 +1451,20 @@
         <p:cNvGrpSpPr/>
         <p:nvPr/>
       </p:nvGrpSpPr>
-      <p:grpSpPr/>
+      <p:grpSpPr>
+        <a:xfrm>
+          <a:off x="0" y="0"/>
+          <a:ext cx="0" cy="0"/>
+          <a:chOff x="0" y="0"/>
+          <a:chExt cx="0" cy="0"/>
+        </a:xfrm>
+      </p:grpSpPr>
       <p:sp>
         <p:nvSpPr>
           <p:cNvPr id="2" name="幻灯片图像占位符 1"/>
-          <p:cNvSpPr/>
+          <p:cNvSpPr>
+            <a:spLocks noGrp="1" noRot="1" noChangeAspect="1"/>
+          </p:cNvSpPr>
           <p:nvPr>
             <p:ph type="sldImg" idx="2"/>
           </p:nvPr>
@@ -1345,7 +1474,9 @@
       <p:sp>
         <p:nvSpPr>
           <p:cNvPr id="3" name="文本占位符 2"/>
-          <p:cNvSpPr/>
+          <p:cNvSpPr>
+            <a:spLocks noGrp="1"/>
+          </p:cNvSpPr>
           <p:nvPr>
             <p:ph type="body" idx="3"/>
           </p:nvPr>
@@ -1353,6 +1484,7 @@
         <p:spPr/>
         <p:txBody>
           <a:bodyPr/>
+          <a:lstStyle/>
           <a:p>
             <a:endParaRPr lang="zh-CN" altLang="en-US"/>
           </a:p>
@@ -1375,11 +1507,20 @@
         <p:cNvGrpSpPr/>
         <p:nvPr/>
       </p:nvGrpSpPr>
-      <p:grpSpPr/>
+      <p:grpSpPr>
+        <a:xfrm>
+          <a:off x="0" y="0"/>
+          <a:ext cx="0" cy="0"/>
+          <a:chOff x="0" y="0"/>
+          <a:chExt cx="0" cy="0"/>
+        </a:xfrm>
+      </p:grpSpPr>
       <p:sp>
         <p:nvSpPr>
           <p:cNvPr id="2" name="幻灯片图像占位符 1"/>
-          <p:cNvSpPr/>
+          <p:cNvSpPr>
+            <a:spLocks noGrp="1" noRot="1" noChangeAspect="1"/>
+          </p:cNvSpPr>
           <p:nvPr>
             <p:ph type="sldImg" idx="2"/>
           </p:nvPr>
@@ -1389,7 +1530,9 @@
       <p:sp>
         <p:nvSpPr>
           <p:cNvPr id="3" name="文本占位符 2"/>
-          <p:cNvSpPr/>
+          <p:cNvSpPr>
+            <a:spLocks noGrp="1"/>
+          </p:cNvSpPr>
           <p:nvPr>
             <p:ph type="body" idx="3"/>
           </p:nvPr>
@@ -1397,6 +1540,7 @@
         <p:spPr/>
         <p:txBody>
           <a:bodyPr/>
+          <a:lstStyle/>
           <a:p>
             <a:endParaRPr lang="zh-CN" altLang="en-US"/>
           </a:p>
@@ -1419,11 +1563,20 @@
         <p:cNvGrpSpPr/>
         <p:nvPr/>
       </p:nvGrpSpPr>
-      <p:grpSpPr/>
+      <p:grpSpPr>
+        <a:xfrm>
+          <a:off x="0" y="0"/>
+          <a:ext cx="0" cy="0"/>
+          <a:chOff x="0" y="0"/>
+          <a:chExt cx="0" cy="0"/>
+        </a:xfrm>
+      </p:grpSpPr>
       <p:sp>
         <p:nvSpPr>
           <p:cNvPr id="2" name="幻灯片图像占位符 1"/>
-          <p:cNvSpPr/>
+          <p:cNvSpPr>
+            <a:spLocks noGrp="1" noRot="1" noChangeAspect="1"/>
+          </p:cNvSpPr>
           <p:nvPr>
             <p:ph type="sldImg" idx="2"/>
           </p:nvPr>
@@ -1433,7 +1586,9 @@
       <p:sp>
         <p:nvSpPr>
           <p:cNvPr id="3" name="文本占位符 2"/>
-          <p:cNvSpPr/>
+          <p:cNvSpPr>
+            <a:spLocks noGrp="1"/>
+          </p:cNvSpPr>
           <p:nvPr>
             <p:ph type="body" idx="3"/>
           </p:nvPr>
@@ -1441,6 +1596,7 @@
         <p:spPr/>
         <p:txBody>
           <a:bodyPr/>
+          <a:lstStyle/>
           <a:p>
             <a:endParaRPr lang="zh-CN" altLang="en-US"/>
           </a:p>
@@ -1514,7 +1670,6 @@
               <a:rPr lang="zh-CN" altLang="en-US"/>
               <a:t>单击此处编辑标题样式</a:t>
             </a:r>
-            <a:endParaRPr lang="zh-CN" altLang="en-US"/>
           </a:p>
         </p:txBody>
       </p:sp>
@@ -1568,7 +1723,6 @@
               <a:rPr lang="zh-CN" altLang="en-US"/>
               <a:t>单击此处编辑母版文本样式</a:t>
             </a:r>
-            <a:endParaRPr lang="zh-CN" altLang="en-US"/>
           </a:p>
           <a:p>
             <a:pPr lvl="1"/>
@@ -1576,7 +1730,6 @@
               <a:rPr lang="zh-CN" altLang="en-US"/>
               <a:t>第二级</a:t>
             </a:r>
-            <a:endParaRPr lang="zh-CN" altLang="en-US"/>
           </a:p>
           <a:p>
             <a:pPr lvl="2"/>
@@ -1584,7 +1737,6 @@
               <a:rPr lang="zh-CN" altLang="en-US"/>
               <a:t>第三级</a:t>
             </a:r>
-            <a:endParaRPr lang="zh-CN" altLang="en-US"/>
           </a:p>
           <a:p>
             <a:pPr lvl="3"/>
@@ -1592,7 +1744,6 @@
               <a:rPr lang="zh-CN" altLang="en-US"/>
               <a:t>第四级</a:t>
             </a:r>
-            <a:endParaRPr lang="zh-CN" altLang="en-US"/>
           </a:p>
           <a:p>
             <a:pPr lvl="4"/>
@@ -1600,7 +1751,6 @@
               <a:rPr lang="zh-CN" altLang="en-US"/>
               <a:t>第五级</a:t>
             </a:r>
-            <a:endParaRPr lang="zh-CN" altLang="en-US"/>
           </a:p>
         </p:txBody>
       </p:sp>
@@ -1726,7 +1876,6 @@
               <a:rPr lang="zh-CN" altLang="en-US"/>
               <a:t>单击此处编辑标题样式</a:t>
             </a:r>
-            <a:endParaRPr lang="zh-CN" altLang="en-US"/>
           </a:p>
         </p:txBody>
       </p:sp>
@@ -1780,7 +1929,6 @@
               <a:rPr lang="zh-CN" altLang="en-US"/>
               <a:t>单击此处编辑母版文本样式</a:t>
             </a:r>
-            <a:endParaRPr lang="zh-CN" altLang="en-US"/>
           </a:p>
           <a:p>
             <a:pPr lvl="1"/>
@@ -1788,7 +1936,6 @@
               <a:rPr lang="zh-CN" altLang="en-US"/>
               <a:t>第二级</a:t>
             </a:r>
-            <a:endParaRPr lang="zh-CN" altLang="en-US"/>
           </a:p>
           <a:p>
             <a:pPr lvl="2"/>
@@ -1796,7 +1943,6 @@
               <a:rPr lang="zh-CN" altLang="en-US"/>
               <a:t>第三级</a:t>
             </a:r>
-            <a:endParaRPr lang="zh-CN" altLang="en-US"/>
           </a:p>
           <a:p>
             <a:pPr lvl="3"/>
@@ -1804,7 +1950,6 @@
               <a:rPr lang="zh-CN" altLang="en-US"/>
               <a:t>第四级</a:t>
             </a:r>
-            <a:endParaRPr lang="zh-CN" altLang="en-US"/>
           </a:p>
           <a:p>
             <a:pPr lvl="4"/>
@@ -1812,7 +1957,6 @@
               <a:rPr lang="zh-CN" altLang="en-US"/>
               <a:t>第五级</a:t>
             </a:r>
-            <a:endParaRPr lang="zh-CN" altLang="en-US"/>
           </a:p>
         </p:txBody>
       </p:sp>
@@ -1960,7 +2104,6 @@
               <a:rPr lang="zh-CN" altLang="en-US" dirty="0"/>
               <a:t>单击此处编辑母版文本样式</a:t>
             </a:r>
-            <a:endParaRPr lang="zh-CN" altLang="en-US" dirty="0"/>
           </a:p>
           <a:p>
             <a:pPr lvl="1"/>
@@ -1968,7 +2111,6 @@
               <a:rPr lang="zh-CN" altLang="en-US" dirty="0"/>
               <a:t>第二级</a:t>
             </a:r>
-            <a:endParaRPr lang="zh-CN" altLang="en-US" dirty="0"/>
           </a:p>
           <a:p>
             <a:pPr lvl="2"/>
@@ -1976,7 +2118,6 @@
               <a:rPr lang="zh-CN" altLang="en-US" dirty="0"/>
               <a:t>第三级</a:t>
             </a:r>
-            <a:endParaRPr lang="zh-CN" altLang="en-US" dirty="0"/>
           </a:p>
           <a:p>
             <a:pPr lvl="3"/>
@@ -1984,7 +2125,6 @@
               <a:rPr lang="zh-CN" altLang="en-US" dirty="0"/>
               <a:t>第四级</a:t>
             </a:r>
-            <a:endParaRPr lang="zh-CN" altLang="en-US" dirty="0"/>
           </a:p>
         </p:txBody>
       </p:sp>
@@ -2046,7 +2186,6 @@
               <a:rPr lang="zh-CN" altLang="en-US" dirty="0"/>
               <a:t>单击此处编辑母版文本样式</a:t>
             </a:r>
-            <a:endParaRPr lang="zh-CN" altLang="en-US" dirty="0"/>
           </a:p>
         </p:txBody>
       </p:sp>
@@ -2107,6 +2246,7 @@
             </a:pPr>
             <a:fld id="{4BCD4F28-99F7-483B-9A2D-5E3B2E8C9EEF}" type="slidenum">
               <a:rPr lang="zh-CN" altLang="zh-CN"/>
+              <a:t>‹#›</a:t>
             </a:fld>
             <a:endParaRPr lang="zh-CN" altLang="zh-CN" sz="3200" b="0"/>
           </a:p>
@@ -2180,7 +2320,6 @@
               <a:rPr lang="zh-CN" altLang="en-US"/>
               <a:t>单击此处编辑标题样式</a:t>
             </a:r>
-            <a:endParaRPr lang="zh-CN" altLang="en-US"/>
           </a:p>
         </p:txBody>
       </p:sp>
@@ -2234,7 +2373,6 @@
               <a:rPr lang="zh-CN" altLang="en-US"/>
               <a:t>单击此处编辑母版文本样式</a:t>
             </a:r>
-            <a:endParaRPr lang="zh-CN" altLang="en-US"/>
           </a:p>
           <a:p>
             <a:pPr lvl="1"/>
@@ -2242,7 +2380,6 @@
               <a:rPr lang="zh-CN" altLang="en-US"/>
               <a:t>第二级</a:t>
             </a:r>
-            <a:endParaRPr lang="zh-CN" altLang="en-US"/>
           </a:p>
           <a:p>
             <a:pPr lvl="2"/>
@@ -2250,7 +2387,6 @@
               <a:rPr lang="zh-CN" altLang="en-US"/>
               <a:t>第三级</a:t>
             </a:r>
-            <a:endParaRPr lang="zh-CN" altLang="en-US"/>
           </a:p>
           <a:p>
             <a:pPr lvl="3"/>
@@ -2258,7 +2394,6 @@
               <a:rPr lang="zh-CN" altLang="en-US"/>
               <a:t>第四级</a:t>
             </a:r>
-            <a:endParaRPr lang="zh-CN" altLang="en-US"/>
           </a:p>
           <a:p>
             <a:pPr lvl="4"/>
@@ -2266,7 +2401,6 @@
               <a:rPr lang="zh-CN" altLang="en-US"/>
               <a:t>第五级</a:t>
             </a:r>
-            <a:endParaRPr lang="zh-CN" altLang="en-US"/>
           </a:p>
         </p:txBody>
       </p:sp>
@@ -2414,7 +2548,6 @@
               <a:rPr lang="zh-CN" altLang="en-US" dirty="0"/>
               <a:t>单击此处编辑母版文本样式</a:t>
             </a:r>
-            <a:endParaRPr lang="zh-CN" altLang="en-US" dirty="0"/>
           </a:p>
           <a:p>
             <a:pPr lvl="1"/>
@@ -2422,7 +2555,6 @@
               <a:rPr lang="zh-CN" altLang="en-US" dirty="0"/>
               <a:t>第二级</a:t>
             </a:r>
-            <a:endParaRPr lang="zh-CN" altLang="en-US" dirty="0"/>
           </a:p>
           <a:p>
             <a:pPr lvl="2"/>
@@ -2430,7 +2562,6 @@
               <a:rPr lang="zh-CN" altLang="en-US" dirty="0"/>
               <a:t>第三级</a:t>
             </a:r>
-            <a:endParaRPr lang="zh-CN" altLang="en-US" dirty="0"/>
           </a:p>
           <a:p>
             <a:pPr lvl="3"/>
@@ -2438,7 +2569,6 @@
               <a:rPr lang="zh-CN" altLang="en-US" dirty="0"/>
               <a:t>第四级</a:t>
             </a:r>
-            <a:endParaRPr lang="zh-CN" altLang="en-US" dirty="0"/>
           </a:p>
         </p:txBody>
       </p:sp>
@@ -2500,7 +2630,6 @@
               <a:rPr lang="zh-CN" altLang="en-US" dirty="0"/>
               <a:t>单击此处编辑母版文本样式</a:t>
             </a:r>
-            <a:endParaRPr lang="zh-CN" altLang="en-US" dirty="0"/>
           </a:p>
         </p:txBody>
       </p:sp>
@@ -2561,6 +2690,7 @@
             </a:pPr>
             <a:fld id="{4BCD4F28-99F7-483B-9A2D-5E3B2E8C9EEF}" type="slidenum">
               <a:rPr lang="zh-CN" altLang="zh-CN"/>
+              <a:t>‹#›</a:t>
             </a:fld>
             <a:endParaRPr lang="zh-CN" altLang="zh-CN" sz="3200" b="0"/>
           </a:p>
@@ -2634,7 +2764,6 @@
               <a:rPr lang="zh-CN" altLang="en-US"/>
               <a:t>单击此处编辑标题样式</a:t>
             </a:r>
-            <a:endParaRPr lang="zh-CN" altLang="en-US"/>
           </a:p>
         </p:txBody>
       </p:sp>
@@ -2688,7 +2817,6 @@
               <a:rPr lang="zh-CN" altLang="en-US"/>
               <a:t>单击此处编辑母版文本样式</a:t>
             </a:r>
-            <a:endParaRPr lang="zh-CN" altLang="en-US"/>
           </a:p>
           <a:p>
             <a:pPr lvl="1"/>
@@ -2696,7 +2824,6 @@
               <a:rPr lang="zh-CN" altLang="en-US"/>
               <a:t>第二级</a:t>
             </a:r>
-            <a:endParaRPr lang="zh-CN" altLang="en-US"/>
           </a:p>
           <a:p>
             <a:pPr lvl="2"/>
@@ -2704,7 +2831,6 @@
               <a:rPr lang="zh-CN" altLang="en-US"/>
               <a:t>第三级</a:t>
             </a:r>
-            <a:endParaRPr lang="zh-CN" altLang="en-US"/>
           </a:p>
           <a:p>
             <a:pPr lvl="3"/>
@@ -2712,7 +2838,6 @@
               <a:rPr lang="zh-CN" altLang="en-US"/>
               <a:t>第四级</a:t>
             </a:r>
-            <a:endParaRPr lang="zh-CN" altLang="en-US"/>
           </a:p>
           <a:p>
             <a:pPr lvl="4"/>
@@ -2720,7 +2845,6 @@
               <a:rPr lang="zh-CN" altLang="en-US"/>
               <a:t>第五级</a:t>
             </a:r>
-            <a:endParaRPr lang="zh-CN" altLang="en-US"/>
           </a:p>
         </p:txBody>
       </p:sp>
@@ -2868,7 +2992,6 @@
               <a:rPr lang="zh-CN" altLang="en-US" dirty="0"/>
               <a:t>单击此处编辑母版文本样式</a:t>
             </a:r>
-            <a:endParaRPr lang="zh-CN" altLang="en-US" dirty="0"/>
           </a:p>
           <a:p>
             <a:pPr lvl="1"/>
@@ -2876,7 +2999,6 @@
               <a:rPr lang="zh-CN" altLang="en-US" dirty="0"/>
               <a:t>第二级</a:t>
             </a:r>
-            <a:endParaRPr lang="zh-CN" altLang="en-US" dirty="0"/>
           </a:p>
           <a:p>
             <a:pPr lvl="2"/>
@@ -2884,7 +3006,6 @@
               <a:rPr lang="zh-CN" altLang="en-US" dirty="0"/>
               <a:t>第三级</a:t>
             </a:r>
-            <a:endParaRPr lang="zh-CN" altLang="en-US" dirty="0"/>
           </a:p>
           <a:p>
             <a:pPr lvl="3"/>
@@ -2892,7 +3013,6 @@
               <a:rPr lang="zh-CN" altLang="en-US" dirty="0"/>
               <a:t>第四级</a:t>
             </a:r>
-            <a:endParaRPr lang="zh-CN" altLang="en-US" dirty="0"/>
           </a:p>
         </p:txBody>
       </p:sp>
@@ -2954,7 +3074,6 @@
               <a:rPr lang="zh-CN" altLang="en-US" dirty="0"/>
               <a:t>单击此处编辑母版文本样式</a:t>
             </a:r>
-            <a:endParaRPr lang="zh-CN" altLang="en-US" dirty="0"/>
           </a:p>
         </p:txBody>
       </p:sp>
@@ -3015,6 +3134,7 @@
             </a:pPr>
             <a:fld id="{4BCD4F28-99F7-483B-9A2D-5E3B2E8C9EEF}" type="slidenum">
               <a:rPr lang="zh-CN" altLang="zh-CN"/>
+              <a:t>‹#›</a:t>
             </a:fld>
             <a:endParaRPr lang="zh-CN" altLang="zh-CN" sz="3200" b="0"/>
           </a:p>
@@ -3110,7 +3230,6 @@
               <a:rPr lang="zh-CN" altLang="en-US" dirty="0"/>
               <a:t>单击此处编辑母版文本样式</a:t>
             </a:r>
-            <a:endParaRPr lang="zh-CN" altLang="en-US" dirty="0"/>
           </a:p>
           <a:p>
             <a:pPr lvl="1"/>
@@ -3118,7 +3237,6 @@
               <a:rPr lang="zh-CN" altLang="en-US" dirty="0"/>
               <a:t>第二级</a:t>
             </a:r>
-            <a:endParaRPr lang="zh-CN" altLang="en-US" dirty="0"/>
           </a:p>
           <a:p>
             <a:pPr lvl="2"/>
@@ -3126,7 +3244,6 @@
               <a:rPr lang="zh-CN" altLang="en-US" dirty="0"/>
               <a:t>第三级</a:t>
             </a:r>
-            <a:endParaRPr lang="zh-CN" altLang="en-US" dirty="0"/>
           </a:p>
           <a:p>
             <a:pPr lvl="3"/>
@@ -3134,7 +3251,6 @@
               <a:rPr lang="zh-CN" altLang="en-US" dirty="0"/>
               <a:t>第四级</a:t>
             </a:r>
-            <a:endParaRPr lang="zh-CN" altLang="en-US" dirty="0"/>
           </a:p>
         </p:txBody>
       </p:sp>
@@ -3196,7 +3312,6 @@
               <a:rPr lang="zh-CN" altLang="en-US" dirty="0"/>
               <a:t>单击此处编辑母版文本样式</a:t>
             </a:r>
-            <a:endParaRPr lang="zh-CN" altLang="en-US" dirty="0"/>
           </a:p>
         </p:txBody>
       </p:sp>
@@ -3257,6 +3372,7 @@
             </a:pPr>
             <a:fld id="{4BCD4F28-99F7-483B-9A2D-5E3B2E8C9EEF}" type="slidenum">
               <a:rPr lang="zh-CN" altLang="zh-CN"/>
+              <a:t>‹#›</a:t>
             </a:fld>
             <a:endParaRPr lang="zh-CN" altLang="zh-CN" sz="3200" b="0"/>
           </a:p>
@@ -3368,7 +3484,6 @@
               <a:rPr lang="zh-CN" altLang="en-US" dirty="0"/>
               <a:t> 单击此处编辑母版文本样式</a:t>
             </a:r>
-            <a:endParaRPr lang="zh-CN" altLang="en-US" dirty="0"/>
           </a:p>
           <a:p>
             <a:pPr lvl="1"/>
@@ -3376,7 +3491,6 @@
               <a:rPr lang="zh-CN" altLang="en-US" dirty="0"/>
               <a:t> 第二级</a:t>
             </a:r>
-            <a:endParaRPr lang="zh-CN" altLang="en-US" dirty="0"/>
           </a:p>
           <a:p>
             <a:pPr lvl="2"/>
@@ -3384,7 +3498,6 @@
               <a:rPr lang="zh-CN" altLang="en-US" dirty="0"/>
               <a:t>第三级</a:t>
             </a:r>
-            <a:endParaRPr lang="zh-CN" altLang="en-US" dirty="0"/>
           </a:p>
           <a:p>
             <a:pPr lvl="3"/>
@@ -3392,7 +3505,6 @@
               <a:rPr lang="zh-CN" altLang="en-US" dirty="0"/>
               <a:t>第四级</a:t>
             </a:r>
-            <a:endParaRPr lang="zh-CN" altLang="en-US" dirty="0"/>
           </a:p>
         </p:txBody>
       </p:sp>
@@ -3456,7 +3568,6 @@
               <a:rPr lang="zh-CN" altLang="en-US" dirty="0"/>
               <a:t>单击此处编辑母版文本样式</a:t>
             </a:r>
-            <a:endParaRPr lang="zh-CN" altLang="en-US" dirty="0"/>
           </a:p>
         </p:txBody>
       </p:sp>
@@ -3509,6 +3620,7 @@
             </a:pPr>
             <a:fld id="{4BCD4F28-99F7-483B-9A2D-5E3B2E8C9EEF}" type="slidenum">
               <a:rPr lang="zh-CN" altLang="zh-CN"/>
+              <a:t>‹#›</a:t>
             </a:fld>
             <a:endParaRPr lang="zh-CN" altLang="zh-CN" sz="3200" b="0"/>
           </a:p>
@@ -3567,6 +3679,7 @@
           <a:p>
             <a:fld id="{82F288E0-7875-42C4-84C8-98DBBD3BF4D2}" type="datetimeFigureOut">
               <a:rPr lang="zh-CN" altLang="en-US" smtClean="0"/>
+              <a:t>2020/3/25</a:t>
             </a:fld>
             <a:endParaRPr lang="zh-CN" altLang="en-US"/>
           </a:p>
@@ -3622,6 +3735,7 @@
             </a:pPr>
             <a:fld id="{2A4DE254-CAD5-4B8E-9712-9468A839C993}" type="slidenum">
               <a:rPr lang="zh-CN" altLang="zh-CN"/>
+              <a:t>‹#›</a:t>
             </a:fld>
             <a:endParaRPr lang="zh-CN" altLang="zh-CN"/>
           </a:p>
@@ -3695,7 +3809,6 @@
               <a:rPr lang="zh-CN" altLang="en-US"/>
               <a:t>单击此处编辑标题样式</a:t>
             </a:r>
-            <a:endParaRPr lang="zh-CN" altLang="en-US"/>
           </a:p>
         </p:txBody>
       </p:sp>
@@ -3749,7 +3862,6 @@
               <a:rPr lang="zh-CN" altLang="en-US"/>
               <a:t>单击此处编辑母版文本样式</a:t>
             </a:r>
-            <a:endParaRPr lang="zh-CN" altLang="en-US"/>
           </a:p>
           <a:p>
             <a:pPr lvl="1"/>
@@ -3757,7 +3869,6 @@
               <a:rPr lang="zh-CN" altLang="en-US"/>
               <a:t>第二级</a:t>
             </a:r>
-            <a:endParaRPr lang="zh-CN" altLang="en-US"/>
           </a:p>
           <a:p>
             <a:pPr lvl="2"/>
@@ -3765,7 +3876,6 @@
               <a:rPr lang="zh-CN" altLang="en-US"/>
               <a:t>第三级</a:t>
             </a:r>
-            <a:endParaRPr lang="zh-CN" altLang="en-US"/>
           </a:p>
           <a:p>
             <a:pPr lvl="3"/>
@@ -3773,7 +3883,6 @@
               <a:rPr lang="zh-CN" altLang="en-US"/>
               <a:t>第四级</a:t>
             </a:r>
-            <a:endParaRPr lang="zh-CN" altLang="en-US"/>
           </a:p>
           <a:p>
             <a:pPr lvl="4"/>
@@ -3781,7 +3890,6 @@
               <a:rPr lang="zh-CN" altLang="en-US"/>
               <a:t>第五级</a:t>
             </a:r>
-            <a:endParaRPr lang="zh-CN" altLang="en-US"/>
           </a:p>
         </p:txBody>
       </p:sp>
@@ -3929,7 +4037,6 @@
               <a:rPr lang="zh-CN" altLang="en-US" dirty="0"/>
               <a:t>单击此处编辑母版文本样式</a:t>
             </a:r>
-            <a:endParaRPr lang="zh-CN" altLang="en-US" dirty="0"/>
           </a:p>
           <a:p>
             <a:pPr lvl="1"/>
@@ -3937,7 +4044,6 @@
               <a:rPr lang="zh-CN" altLang="en-US" dirty="0"/>
               <a:t>第二级</a:t>
             </a:r>
-            <a:endParaRPr lang="zh-CN" altLang="en-US" dirty="0"/>
           </a:p>
           <a:p>
             <a:pPr lvl="2"/>
@@ -3945,7 +4051,6 @@
               <a:rPr lang="zh-CN" altLang="en-US" dirty="0"/>
               <a:t>第三级</a:t>
             </a:r>
-            <a:endParaRPr lang="zh-CN" altLang="en-US" dirty="0"/>
           </a:p>
           <a:p>
             <a:pPr lvl="3"/>
@@ -3953,7 +4058,6 @@
               <a:rPr lang="zh-CN" altLang="en-US" dirty="0"/>
               <a:t>第四级</a:t>
             </a:r>
-            <a:endParaRPr lang="zh-CN" altLang="en-US" dirty="0"/>
           </a:p>
         </p:txBody>
       </p:sp>
@@ -4015,7 +4119,6 @@
               <a:rPr lang="zh-CN" altLang="en-US" dirty="0"/>
               <a:t>单击此处编辑母版文本样式</a:t>
             </a:r>
-            <a:endParaRPr lang="zh-CN" altLang="en-US" dirty="0"/>
           </a:p>
         </p:txBody>
       </p:sp>
@@ -4076,6 +4179,7 @@
             </a:pPr>
             <a:fld id="{4BCD4F28-99F7-483B-9A2D-5E3B2E8C9EEF}" type="slidenum">
               <a:rPr lang="zh-CN" altLang="zh-CN"/>
+              <a:t>‹#›</a:t>
             </a:fld>
             <a:endParaRPr lang="zh-CN" altLang="zh-CN" sz="3200" b="0"/>
           </a:p>
@@ -4095,7 +4199,7 @@
     <p:bg>
       <p:bgPr>
         <a:blipFill dpi="0" rotWithShape="1">
-          <a:blip r:embed="rId4">
+          <a:blip r:embed="rId5">
             <a:lum/>
           </a:blip>
           <a:srcRect/>
@@ -4149,7 +4253,6 @@
               <a:rPr lang="zh-CN" altLang="en-US"/>
               <a:t>单击此处编辑母版标题样式</a:t>
             </a:r>
-            <a:endParaRPr lang="zh-CN" altLang="en-US"/>
           </a:p>
         </p:txBody>
       </p:sp>
@@ -4183,7 +4286,6 @@
               <a:rPr lang="zh-CN" altLang="en-US"/>
               <a:t>单击此处编辑母版文本样式</a:t>
             </a:r>
-            <a:endParaRPr lang="zh-CN" altLang="en-US"/>
           </a:p>
           <a:p>
             <a:pPr marL="720090" lvl="1" indent="-229870" algn="l" defTabSz="0" rtl="0" eaLnBrk="1" fontAlgn="base" hangingPunct="1">
@@ -4207,7 +4309,6 @@
               <a:rPr lang="zh-CN" altLang="en-US"/>
               <a:t>第二级</a:t>
             </a:r>
-            <a:endParaRPr lang="zh-CN" altLang="en-US"/>
           </a:p>
           <a:p>
             <a:pPr lvl="2"/>
@@ -4215,7 +4316,6 @@
               <a:rPr lang="zh-CN" altLang="en-US"/>
               <a:t>第三级</a:t>
             </a:r>
-            <a:endParaRPr lang="zh-CN" altLang="en-US"/>
           </a:p>
           <a:p>
             <a:pPr lvl="3"/>
@@ -4223,7 +4323,6 @@
               <a:rPr lang="zh-CN" altLang="en-US"/>
               <a:t>第四级</a:t>
             </a:r>
-            <a:endParaRPr lang="zh-CN" altLang="en-US"/>
           </a:p>
           <a:p>
             <a:pPr lvl="4"/>
@@ -4231,7 +4330,6 @@
               <a:rPr lang="zh-CN" altLang="en-US"/>
               <a:t>第五级</a:t>
             </a:r>
-            <a:endParaRPr lang="zh-CN" altLang="en-US"/>
           </a:p>
         </p:txBody>
       </p:sp>
@@ -4244,7 +4342,7 @@
           <p:nvPr userDrawn="1"/>
         </p:nvPicPr>
         <p:blipFill>
-          <a:blip r:embed="rId5">
+          <a:blip r:embed="rId6">
             <a:extLst>
               <a:ext uri="{28A0092B-C50C-407E-A947-70E740481C1C}">
                 <a14:useLocalDpi xmlns:a14="http://schemas.microsoft.com/office/drawing/2010/main" val="0"/>
@@ -4322,7 +4420,7 @@
         <a:buSzPct val="70000"/>
         <a:buFontTx/>
         <a:buBlip>
-          <a:blip r:embed="rId6"/>
+          <a:blip r:embed="rId7"/>
         </a:buBlip>
         <a:defRPr sz="2800" kern="1200">
           <a:solidFill>
@@ -4563,7 +4661,7 @@
     <p:bg bwMode="auto">
       <p:bgPr>
         <a:blipFill dpi="0" rotWithShape="0">
-          <a:blip r:embed="rId4"/>
+          <a:blip r:embed="rId5"/>
           <a:srcRect/>
           <a:stretch>
             <a:fillRect/>
@@ -4626,6 +4724,7 @@
             </a:pPr>
             <a:fld id="{2A4DE254-CAD5-4B8E-9712-9468A839C993}" type="slidenum">
               <a:rPr lang="zh-CN" altLang="zh-CN"/>
+              <a:t>‹#›</a:t>
             </a:fld>
             <a:endParaRPr lang="zh-CN" altLang="zh-CN"/>
           </a:p>
@@ -4640,7 +4739,7 @@
           <p:nvPr/>
         </p:nvPicPr>
         <p:blipFill>
-          <a:blip r:embed="rId5">
+          <a:blip r:embed="rId6">
             <a:extLst>
               <a:ext uri="{28A0092B-C50C-407E-A947-70E740481C1C}">
                 <a14:useLocalDpi xmlns:a14="http://schemas.microsoft.com/office/drawing/2010/main" val="0"/>
@@ -4694,7 +4793,7 @@
           <p:nvPr/>
         </p:nvPicPr>
         <p:blipFill>
-          <a:blip r:embed="rId6">
+          <a:blip r:embed="rId7">
             <a:extLst>
               <a:ext uri="{28A0092B-C50C-407E-A947-70E740481C1C}">
                 <a14:useLocalDpi xmlns:a14="http://schemas.microsoft.com/office/drawing/2010/main" val="0"/>
@@ -5166,7 +5265,7 @@
     <p:bg>
       <p:bgPr>
         <a:blipFill dpi="0" rotWithShape="1">
-          <a:blip r:embed="rId4">
+          <a:blip r:embed="rId5">
             <a:lum/>
           </a:blip>
           <a:srcRect/>
@@ -5220,7 +5319,6 @@
               <a:rPr lang="zh-CN" altLang="en-US"/>
               <a:t>单击此处编辑母版标题样式</a:t>
             </a:r>
-            <a:endParaRPr lang="zh-CN" altLang="en-US"/>
           </a:p>
         </p:txBody>
       </p:sp>
@@ -5254,7 +5352,6 @@
               <a:rPr lang="zh-CN" altLang="en-US"/>
               <a:t>单击此处编辑母版文本样式</a:t>
             </a:r>
-            <a:endParaRPr lang="zh-CN" altLang="en-US"/>
           </a:p>
           <a:p>
             <a:pPr marL="720090" lvl="1" indent="-229870" algn="l" defTabSz="0" rtl="0" eaLnBrk="1" fontAlgn="base" hangingPunct="1">
@@ -5278,7 +5375,6 @@
               <a:rPr lang="zh-CN" altLang="en-US"/>
               <a:t>第二级</a:t>
             </a:r>
-            <a:endParaRPr lang="zh-CN" altLang="en-US"/>
           </a:p>
           <a:p>
             <a:pPr lvl="2"/>
@@ -5286,7 +5382,6 @@
               <a:rPr lang="zh-CN" altLang="en-US"/>
               <a:t>第三级</a:t>
             </a:r>
-            <a:endParaRPr lang="zh-CN" altLang="en-US"/>
           </a:p>
           <a:p>
             <a:pPr lvl="3"/>
@@ -5294,7 +5389,6 @@
               <a:rPr lang="zh-CN" altLang="en-US"/>
               <a:t>第四级</a:t>
             </a:r>
-            <a:endParaRPr lang="zh-CN" altLang="en-US"/>
           </a:p>
           <a:p>
             <a:pPr lvl="4"/>
@@ -5302,7 +5396,6 @@
               <a:rPr lang="zh-CN" altLang="en-US"/>
               <a:t>第五级</a:t>
             </a:r>
-            <a:endParaRPr lang="zh-CN" altLang="en-US"/>
           </a:p>
         </p:txBody>
       </p:sp>
@@ -5315,7 +5408,7 @@
           <p:nvPr userDrawn="1"/>
         </p:nvPicPr>
         <p:blipFill>
-          <a:blip r:embed="rId5">
+          <a:blip r:embed="rId6">
             <a:extLst>
               <a:ext uri="{28A0092B-C50C-407E-A947-70E740481C1C}">
                 <a14:useLocalDpi xmlns:a14="http://schemas.microsoft.com/office/drawing/2010/main" val="0"/>
@@ -5393,7 +5486,7 @@
         <a:buSzPct val="70000"/>
         <a:buFontTx/>
         <a:buBlip>
-          <a:blip r:embed="rId6"/>
+          <a:blip r:embed="rId7"/>
         </a:buBlip>
         <a:defRPr sz="2800" kern="1200">
           <a:solidFill>
@@ -5634,7 +5727,7 @@
     <p:bg>
       <p:bgPr>
         <a:blipFill dpi="0" rotWithShape="1">
-          <a:blip r:embed="rId4">
+          <a:blip r:embed="rId5">
             <a:lum/>
           </a:blip>
           <a:srcRect/>
@@ -5688,7 +5781,6 @@
               <a:rPr lang="zh-CN" altLang="en-US"/>
               <a:t>单击此处编辑母版标题样式</a:t>
             </a:r>
-            <a:endParaRPr lang="zh-CN" altLang="en-US"/>
           </a:p>
         </p:txBody>
       </p:sp>
@@ -5722,7 +5814,6 @@
               <a:rPr lang="zh-CN" altLang="en-US"/>
               <a:t>单击此处编辑母版文本样式</a:t>
             </a:r>
-            <a:endParaRPr lang="zh-CN" altLang="en-US"/>
           </a:p>
           <a:p>
             <a:pPr marL="720090" lvl="1" indent="-229870" algn="l" defTabSz="0" rtl="0" eaLnBrk="1" fontAlgn="base" hangingPunct="1">
@@ -5746,7 +5837,6 @@
               <a:rPr lang="zh-CN" altLang="en-US"/>
               <a:t>第二级</a:t>
             </a:r>
-            <a:endParaRPr lang="zh-CN" altLang="en-US"/>
           </a:p>
           <a:p>
             <a:pPr lvl="2"/>
@@ -5754,7 +5844,6 @@
               <a:rPr lang="zh-CN" altLang="en-US"/>
               <a:t>第三级</a:t>
             </a:r>
-            <a:endParaRPr lang="zh-CN" altLang="en-US"/>
           </a:p>
           <a:p>
             <a:pPr lvl="3"/>
@@ -5762,7 +5851,6 @@
               <a:rPr lang="zh-CN" altLang="en-US"/>
               <a:t>第四级</a:t>
             </a:r>
-            <a:endParaRPr lang="zh-CN" altLang="en-US"/>
           </a:p>
           <a:p>
             <a:pPr lvl="4"/>
@@ -5770,7 +5858,6 @@
               <a:rPr lang="zh-CN" altLang="en-US"/>
               <a:t>第五级</a:t>
             </a:r>
-            <a:endParaRPr lang="zh-CN" altLang="en-US"/>
           </a:p>
         </p:txBody>
       </p:sp>
@@ -5783,7 +5870,7 @@
           <p:nvPr userDrawn="1"/>
         </p:nvPicPr>
         <p:blipFill>
-          <a:blip r:embed="rId5">
+          <a:blip r:embed="rId6">
             <a:extLst>
               <a:ext uri="{28A0092B-C50C-407E-A947-70E740481C1C}">
                 <a14:useLocalDpi xmlns:a14="http://schemas.microsoft.com/office/drawing/2010/main" val="0"/>
@@ -5861,7 +5948,7 @@
         <a:buSzPct val="70000"/>
         <a:buFontTx/>
         <a:buBlip>
-          <a:blip r:embed="rId6"/>
+          <a:blip r:embed="rId7"/>
         </a:buBlip>
         <a:defRPr sz="2800" kern="1200">
           <a:solidFill>
@@ -6102,7 +6189,7 @@
     <p:bg>
       <p:bgPr>
         <a:blipFill dpi="0" rotWithShape="1">
-          <a:blip r:embed="rId4">
+          <a:blip r:embed="rId5">
             <a:lum/>
           </a:blip>
           <a:srcRect/>
@@ -6156,7 +6243,6 @@
               <a:rPr lang="zh-CN" altLang="en-US"/>
               <a:t>单击此处编辑母版标题样式</a:t>
             </a:r>
-            <a:endParaRPr lang="zh-CN" altLang="en-US"/>
           </a:p>
         </p:txBody>
       </p:sp>
@@ -6190,7 +6276,6 @@
               <a:rPr lang="zh-CN" altLang="en-US"/>
               <a:t>单击此处编辑母版文本样式</a:t>
             </a:r>
-            <a:endParaRPr lang="zh-CN" altLang="en-US"/>
           </a:p>
           <a:p>
             <a:pPr marL="720090" lvl="1" indent="-229870" algn="l" defTabSz="0" rtl="0" eaLnBrk="1" fontAlgn="base" hangingPunct="1">
@@ -6214,7 +6299,6 @@
               <a:rPr lang="zh-CN" altLang="en-US"/>
               <a:t>第二级</a:t>
             </a:r>
-            <a:endParaRPr lang="zh-CN" altLang="en-US"/>
           </a:p>
           <a:p>
             <a:pPr lvl="2"/>
@@ -6222,7 +6306,6 @@
               <a:rPr lang="zh-CN" altLang="en-US"/>
               <a:t>第三级</a:t>
             </a:r>
-            <a:endParaRPr lang="zh-CN" altLang="en-US"/>
           </a:p>
           <a:p>
             <a:pPr lvl="3"/>
@@ -6230,7 +6313,6 @@
               <a:rPr lang="zh-CN" altLang="en-US"/>
               <a:t>第四级</a:t>
             </a:r>
-            <a:endParaRPr lang="zh-CN" altLang="en-US"/>
           </a:p>
           <a:p>
             <a:pPr lvl="4"/>
@@ -6238,7 +6320,6 @@
               <a:rPr lang="zh-CN" altLang="en-US"/>
               <a:t>第五级</a:t>
             </a:r>
-            <a:endParaRPr lang="zh-CN" altLang="en-US"/>
           </a:p>
         </p:txBody>
       </p:sp>
@@ -6251,7 +6332,7 @@
           <p:nvPr userDrawn="1"/>
         </p:nvPicPr>
         <p:blipFill>
-          <a:blip r:embed="rId5">
+          <a:blip r:embed="rId6">
             <a:extLst>
               <a:ext uri="{28A0092B-C50C-407E-A947-70E740481C1C}">
                 <a14:useLocalDpi xmlns:a14="http://schemas.microsoft.com/office/drawing/2010/main" val="0"/>
@@ -6329,7 +6410,7 @@
         <a:buSzPct val="70000"/>
         <a:buFontTx/>
         <a:buBlip>
-          <a:blip r:embed="rId6"/>
+          <a:blip r:embed="rId7"/>
         </a:buBlip>
         <a:defRPr sz="2800" kern="1200">
           <a:solidFill>
@@ -6570,7 +6651,7 @@
     <p:bg>
       <p:bgPr>
         <a:blipFill dpi="0" rotWithShape="1">
-          <a:blip r:embed="rId4">
+          <a:blip r:embed="rId5">
             <a:lum/>
           </a:blip>
           <a:srcRect/>
@@ -6624,7 +6705,6 @@
               <a:rPr lang="zh-CN" altLang="en-US"/>
               <a:t>单击此处编辑母版标题样式</a:t>
             </a:r>
-            <a:endParaRPr lang="zh-CN" altLang="en-US"/>
           </a:p>
         </p:txBody>
       </p:sp>
@@ -6658,7 +6738,6 @@
               <a:rPr lang="zh-CN" altLang="en-US"/>
               <a:t>单击此处编辑母版文本样式</a:t>
             </a:r>
-            <a:endParaRPr lang="zh-CN" altLang="en-US"/>
           </a:p>
           <a:p>
             <a:pPr marL="720090" lvl="1" indent="-229870" algn="l" defTabSz="0" rtl="0" eaLnBrk="1" fontAlgn="base" hangingPunct="1">
@@ -6682,7 +6761,6 @@
               <a:rPr lang="zh-CN" altLang="en-US"/>
               <a:t>第二级</a:t>
             </a:r>
-            <a:endParaRPr lang="zh-CN" altLang="en-US"/>
           </a:p>
           <a:p>
             <a:pPr lvl="2"/>
@@ -6690,7 +6768,6 @@
               <a:rPr lang="zh-CN" altLang="en-US"/>
               <a:t>第三级</a:t>
             </a:r>
-            <a:endParaRPr lang="zh-CN" altLang="en-US"/>
           </a:p>
           <a:p>
             <a:pPr lvl="3"/>
@@ -6698,7 +6775,6 @@
               <a:rPr lang="zh-CN" altLang="en-US"/>
               <a:t>第四级</a:t>
             </a:r>
-            <a:endParaRPr lang="zh-CN" altLang="en-US"/>
           </a:p>
           <a:p>
             <a:pPr lvl="4"/>
@@ -6706,7 +6782,6 @@
               <a:rPr lang="zh-CN" altLang="en-US"/>
               <a:t>第五级</a:t>
             </a:r>
-            <a:endParaRPr lang="zh-CN" altLang="en-US"/>
           </a:p>
         </p:txBody>
       </p:sp>
@@ -6719,7 +6794,7 @@
           <p:nvPr userDrawn="1"/>
         </p:nvPicPr>
         <p:blipFill>
-          <a:blip r:embed="rId5">
+          <a:blip r:embed="rId6">
             <a:extLst>
               <a:ext uri="{28A0092B-C50C-407E-A947-70E740481C1C}">
                 <a14:useLocalDpi xmlns:a14="http://schemas.microsoft.com/office/drawing/2010/main" val="0"/>
@@ -6797,7 +6872,7 @@
         <a:buSzPct val="70000"/>
         <a:buFontTx/>
         <a:buBlip>
-          <a:blip r:embed="rId6"/>
+          <a:blip r:embed="rId7"/>
         </a:buBlip>
         <a:defRPr sz="2800" kern="1200">
           <a:solidFill>
@@ -7058,7 +7133,7 @@
           <p:nvPr/>
         </p:nvPicPr>
         <p:blipFill>
-          <a:blip r:embed="rId1">
+          <a:blip r:embed="rId3">
             <a:extLst>
               <a:ext uri="{28A0092B-C50C-407E-A947-70E740481C1C}">
                 <a14:useLocalDpi xmlns:a14="http://schemas.microsoft.com/office/drawing/2010/main" val="0"/>
@@ -7167,13 +7242,6 @@
               </a:rPr>
               <a:t>进阶</a:t>
             </a:r>
-            <a:endParaRPr lang="zh-CN" altLang="en-US" sz="4800" b="1">
-              <a:solidFill>
-                <a:srgbClr val="008469"/>
-              </a:solidFill>
-              <a:latin typeface="微软雅黑" panose="020B0503020204020204" pitchFamily="34" charset="-122"/>
-              <a:ea typeface="微软雅黑" panose="020B0503020204020204" pitchFamily="34" charset="-122"/>
-            </a:endParaRPr>
           </a:p>
         </p:txBody>
       </p:sp>
@@ -7238,7 +7306,7 @@
           <p:nvPr/>
         </p:nvPicPr>
         <p:blipFill>
-          <a:blip r:embed="rId2">
+          <a:blip r:embed="rId4">
             <a:extLst>
               <a:ext uri="{28A0092B-C50C-407E-A947-70E740481C1C}">
                 <a14:useLocalDpi xmlns:a14="http://schemas.microsoft.com/office/drawing/2010/main" val="0"/>
@@ -7301,7 +7369,14 @@
         <p:cNvGrpSpPr/>
         <p:nvPr/>
       </p:nvGrpSpPr>
-      <p:grpSpPr/>
+      <p:grpSpPr>
+        <a:xfrm>
+          <a:off x="0" y="0"/>
+          <a:ext cx="0" cy="0"/>
+          <a:chOff x="0" y="0"/>
+          <a:chExt cx="0" cy="0"/>
+        </a:xfrm>
+      </p:grpSpPr>
       <p:sp>
         <p:nvSpPr>
           <p:cNvPr id="3" name="内容占位符 2"/>
@@ -7315,12 +7390,12 @@
         <p:spPr/>
         <p:txBody>
           <a:bodyPr/>
+          <a:lstStyle/>
           <a:p>
             <a:r>
               <a:rPr lang="zh-CN" altLang="en-US"/>
               <a:t>实例化与内存</a:t>
             </a:r>
-            <a:endParaRPr lang="zh-CN" altLang="en-US"/>
           </a:p>
         </p:txBody>
       </p:sp>
@@ -7331,7 +7406,7 @@
           <p:nvPr/>
         </p:nvGrpSpPr>
         <p:grpSpPr>
-          <a:xfrm rot="0">
+          <a:xfrm>
             <a:off x="1254760" y="1570990"/>
             <a:ext cx="4739640" cy="3512820"/>
             <a:chOff x="9845" y="5104"/>
@@ -7360,12 +7435,12 @@
               </p:cNvPicPr>
               <p:nvPr>
                 <p:custDataLst>
-                  <p:tags r:id="rId1"/>
+                  <p:tags r:id="rId2"/>
                 </p:custDataLst>
               </p:nvPr>
             </p:nvPicPr>
             <p:blipFill>
-              <a:blip r:embed="rId2"/>
+              <a:blip r:embed="rId6"/>
               <a:stretch>
                 <a:fillRect/>
               </a:stretch>
@@ -7393,7 +7468,7 @@
               </p:nvPr>
             </p:nvPicPr>
             <p:blipFill>
-              <a:blip r:embed="rId4"/>
+              <a:blip r:embed="rId7"/>
               <a:stretch>
                 <a:fillRect/>
               </a:stretch>
@@ -7417,12 +7492,12 @@
             </p:cNvPicPr>
             <p:nvPr>
               <p:custDataLst>
-                <p:tags r:id="rId5"/>
+                <p:tags r:id="rId1"/>
               </p:custDataLst>
             </p:nvPr>
           </p:nvPicPr>
           <p:blipFill>
-            <a:blip r:embed="rId4"/>
+            <a:blip r:embed="rId7"/>
             <a:stretch>
               <a:fillRect/>
             </a:stretch>
@@ -7548,6 +7623,7 @@
           </p:spPr>
           <p:txBody>
             <a:bodyPr vert="horz" wrap="square" lIns="91440" tIns="45720" rIns="91440" bIns="45720" numCol="1" anchor="t" anchorCtr="0" compatLnSpc="1"/>
+            <a:lstStyle/>
             <a:p>
               <a:pPr marL="0" marR="0" indent="0" algn="l" defTabSz="914400" rtl="0" eaLnBrk="0" fontAlgn="base" latinLnBrk="0" hangingPunct="0">
                 <a:lnSpc>
@@ -7564,7 +7640,7 @@
                 <a:buFontTx/>
                 <a:buNone/>
               </a:pPr>
-              <a:endParaRPr kumimoji="0" lang="zh-CN" altLang="en-US" sz="3200" b="0" i="0" u="none" strike="noStrike" cap="none" normalizeH="0" baseline="0" smtClean="0">
+              <a:endParaRPr kumimoji="0" lang="zh-CN" altLang="en-US" sz="3200" b="0" i="0" u="none" strike="noStrike" cap="none" normalizeH="0" baseline="0">
                 <a:ln>
                   <a:noFill/>
                 </a:ln>
@@ -7678,7 +7754,14 @@
         <p:cNvGrpSpPr/>
         <p:nvPr/>
       </p:nvGrpSpPr>
-      <p:grpSpPr/>
+      <p:grpSpPr>
+        <a:xfrm>
+          <a:off x="0" y="0"/>
+          <a:ext cx="0" cy="0"/>
+          <a:chOff x="0" y="0"/>
+          <a:chExt cx="0" cy="0"/>
+        </a:xfrm>
+      </p:grpSpPr>
       <p:sp>
         <p:nvSpPr>
           <p:cNvPr id="2" name="内容占位符 1"/>
@@ -7697,6 +7780,7 @@
         </p:spPr>
         <p:txBody>
           <a:bodyPr/>
+          <a:lstStyle/>
           <a:p>
             <a:r>
               <a:rPr lang="en-US" altLang="zh-CN"/>
@@ -7769,12 +7853,6 @@
               </a:rPr>
               <a:t>有 prototype 属性</a:t>
             </a:r>
-            <a:endParaRPr lang="en-US" altLang="zh-CN" sz="2400">
-              <a:solidFill>
-                <a:schemeClr val="tx1"/>
-              </a:solidFill>
-              <a:sym typeface="+mn-ea"/>
-            </a:endParaRPr>
           </a:p>
           <a:p>
             <a:pPr lvl="1"/>
@@ -7832,12 +7910,6 @@
               </a:rPr>
               <a:t>一个函数 fun，JavaScript 引擎会根据一组特定的	</a:t>
             </a:r>
-            <a:endParaRPr lang="en-US" altLang="zh-CN" sz="2400">
-              <a:solidFill>
-                <a:schemeClr val="tx1"/>
-              </a:solidFill>
-              <a:sym typeface="+mn-ea"/>
-            </a:endParaRPr>
           </a:p>
           <a:p>
             <a:pPr marL="168275" lvl="1" indent="0">
@@ -7870,12 +7942,6 @@
               </a:rPr>
               <a:t>初始化有一个属性 constructor	 </a:t>
             </a:r>
-            <a:endParaRPr lang="en-US" altLang="zh-CN">
-              <a:solidFill>
-                <a:schemeClr val="tx1"/>
-              </a:solidFill>
-              <a:sym typeface="+mn-ea"/>
-            </a:endParaRPr>
           </a:p>
           <a:p>
             <a:pPr marL="168275" lvl="1" indent="0">
@@ -7935,12 +8001,6 @@
               </a:rPr>
               <a:t>。</a:t>
             </a:r>
-            <a:endParaRPr lang="zh-CN" altLang="en-US" sz="2400">
-              <a:solidFill>
-                <a:schemeClr val="tx1"/>
-              </a:solidFill>
-              <a:sym typeface="+mn-ea"/>
-            </a:endParaRPr>
           </a:p>
           <a:p>
             <a:pPr lvl="1"/>
@@ -7985,11 +8045,6 @@
               </a:rPr>
               <a:t>prototype 属性使向对象添加属性和方法</a:t>
             </a:r>
-            <a:endParaRPr lang="en-US" altLang="zh-CN" sz="2400">
-              <a:solidFill>
-                <a:schemeClr val="tx1"/>
-              </a:solidFill>
-            </a:endParaRPr>
           </a:p>
           <a:p>
             <a:endParaRPr lang="en-US" altLang="zh-CN" sz="2400">
@@ -8013,6 +8068,7 @@
         <p:spPr/>
         <p:txBody>
           <a:bodyPr/>
+          <a:lstStyle/>
           <a:p>
             <a:r>
               <a:rPr lang="en-US" altLang="zh-CN"/>
@@ -8022,7 +8078,6 @@
               <a:rPr lang="zh-CN" altLang="en-US"/>
               <a:t>属性</a:t>
             </a:r>
-            <a:endParaRPr lang="zh-CN" altLang="en-US"/>
           </a:p>
         </p:txBody>
       </p:sp>
@@ -8031,13 +8086,6 @@
   <p:clrMapOvr>
     <a:masterClrMapping/>
   </p:clrMapOvr>
-  <p:timing>
-    <p:tnLst>
-      <p:par>
-        <p:cTn id="1" dur="indefinite" restart="never" nodeType="tmRoot"/>
-      </p:par>
-    </p:tnLst>
-  </p:timing>
 </p:sld>
 </file>
 
@@ -8050,7 +8098,14 @@
         <p:cNvGrpSpPr/>
         <p:nvPr/>
       </p:nvGrpSpPr>
-      <p:grpSpPr/>
+      <p:grpSpPr>
+        <a:xfrm>
+          <a:off x="0" y="0"/>
+          <a:ext cx="0" cy="0"/>
+          <a:chOff x="0" y="0"/>
+          <a:chExt cx="0" cy="0"/>
+        </a:xfrm>
+      </p:grpSpPr>
       <p:sp>
         <p:nvSpPr>
           <p:cNvPr id="3" name="内容占位符 2"/>
@@ -8064,6 +8119,7 @@
         <p:spPr/>
         <p:txBody>
           <a:bodyPr/>
+          <a:lstStyle/>
           <a:p>
             <a:r>
               <a:rPr lang="en-US" altLang="zh-CN"/>
@@ -8073,7 +8129,6 @@
               <a:rPr lang="zh-CN" altLang="en-US"/>
               <a:t>属性</a:t>
             </a:r>
-            <a:endParaRPr lang="zh-CN" altLang="en-US"/>
           </a:p>
         </p:txBody>
       </p:sp>
@@ -8086,7 +8141,7 @@
           <p:nvPr/>
         </p:nvPicPr>
         <p:blipFill>
-          <a:blip r:embed="rId1"/>
+          <a:blip r:embed="rId3"/>
           <a:stretch>
             <a:fillRect/>
           </a:stretch>
@@ -8108,7 +8163,7 @@
           <p:nvPr/>
         </p:nvGrpSpPr>
         <p:grpSpPr>
-          <a:xfrm rot="0">
+          <a:xfrm>
             <a:off x="2505075" y="1080135"/>
             <a:ext cx="6944995" cy="2209800"/>
             <a:chOff x="4137" y="6837"/>
@@ -8138,7 +8193,7 @@
               <p:nvPr/>
             </p:nvPicPr>
             <p:blipFill>
-              <a:blip r:embed="rId2"/>
+              <a:blip r:embed="rId4"/>
               <a:srcRect l="14900" t="10250" b="29659"/>
               <a:stretch>
                 <a:fillRect/>
@@ -8163,7 +8218,7 @@
               <p:nvPr/>
             </p:nvPicPr>
             <p:blipFill>
-              <a:blip r:embed="rId3"/>
+              <a:blip r:embed="rId5"/>
               <a:stretch>
                 <a:fillRect/>
               </a:stretch>
@@ -8202,7 +8257,7 @@
               <p:nvPr/>
             </p:nvPicPr>
             <p:blipFill>
-              <a:blip r:embed="rId4"/>
+              <a:blip r:embed="rId6"/>
               <a:stretch>
                 <a:fillRect/>
               </a:stretch>
@@ -8237,6 +8292,7 @@
               <a:bodyPr wrap="square" rtlCol="0" anchor="t">
                 <a:spAutoFit/>
               </a:bodyPr>
+              <a:lstStyle/>
               <a:p>
                 <a:pPr algn="ctr"/>
                 <a:r>
@@ -8249,13 +8305,6 @@
                   </a:rPr>
                   <a:t>Fun</a:t>
                 </a:r>
-                <a:endParaRPr lang="en-US" altLang="zh-CN" sz="1500">
-                  <a:solidFill>
-                    <a:srgbClr val="FF0000"/>
-                  </a:solidFill>
-                  <a:latin typeface="Calibri" panose="020F0502020204030204" charset="0"/>
-                  <a:cs typeface="Calibri" panose="020F0502020204030204" charset="0"/>
-                </a:endParaRPr>
               </a:p>
             </p:txBody>
           </p:sp>
@@ -8283,7 +8332,7 @@
               <p:nvPr/>
             </p:nvPicPr>
             <p:blipFill>
-              <a:blip r:embed="rId4"/>
+              <a:blip r:embed="rId6"/>
               <a:stretch>
                 <a:fillRect/>
               </a:stretch>
@@ -8318,6 +8367,7 @@
               <a:bodyPr wrap="square" rtlCol="0" anchor="t">
                 <a:spAutoFit/>
               </a:bodyPr>
+              <a:lstStyle/>
               <a:p>
                 <a:pPr algn="ctr"/>
                 <a:r>
@@ -8330,13 +8380,6 @@
                   </a:rPr>
                   <a:t>Fun</a:t>
                 </a:r>
-                <a:endParaRPr lang="en-US" altLang="zh-CN" sz="1500">
-                  <a:solidFill>
-                    <a:srgbClr val="FF0000"/>
-                  </a:solidFill>
-                  <a:latin typeface="Calibri" panose="020F0502020204030204" charset="0"/>
-                  <a:cs typeface="Calibri" panose="020F0502020204030204" charset="0"/>
-                </a:endParaRPr>
               </a:p>
             </p:txBody>
           </p:sp>
@@ -8351,7 +8394,7 @@
           <p:nvPr/>
         </p:nvPicPr>
         <p:blipFill>
-          <a:blip r:embed="rId5"/>
+          <a:blip r:embed="rId7"/>
           <a:stretch>
             <a:fillRect/>
           </a:stretch>
@@ -8519,7 +8562,14 @@
         <p:cNvGrpSpPr/>
         <p:nvPr/>
       </p:nvGrpSpPr>
-      <p:grpSpPr/>
+      <p:grpSpPr>
+        <a:xfrm>
+          <a:off x="0" y="0"/>
+          <a:ext cx="0" cy="0"/>
+          <a:chOff x="0" y="0"/>
+          <a:chExt cx="0" cy="0"/>
+        </a:xfrm>
+      </p:grpSpPr>
       <p:sp>
         <p:nvSpPr>
           <p:cNvPr id="3" name="内容占位符 2"/>
@@ -8533,6 +8583,7 @@
         <p:spPr/>
         <p:txBody>
           <a:bodyPr/>
+          <a:lstStyle/>
           <a:p>
             <a:r>
               <a:rPr lang="en-US" altLang="zh-CN"/>
@@ -8542,7 +8593,6 @@
               <a:rPr lang="zh-CN" altLang="en-US"/>
               <a:t>属性</a:t>
             </a:r>
-            <a:endParaRPr lang="zh-CN" altLang="en-US"/>
           </a:p>
         </p:txBody>
       </p:sp>
@@ -8566,6 +8616,7 @@
           <a:bodyPr wrap="none" rtlCol="0" anchor="t">
             <a:spAutoFit/>
           </a:bodyPr>
+          <a:lstStyle/>
           <a:p>
             <a:r>
               <a:rPr lang="en-US" altLang="zh-CN">
@@ -8575,11 +8626,6 @@
               </a:rPr>
               <a:t>4.html</a:t>
             </a:r>
-            <a:endParaRPr lang="en-US" altLang="zh-CN">
-              <a:latin typeface="微软雅黑" panose="020B0503020204020204" pitchFamily="34" charset="-122"/>
-              <a:ea typeface="微软雅黑" panose="020B0503020204020204" pitchFamily="34" charset="-122"/>
-              <a:sym typeface="+mn-ea"/>
-            </a:endParaRPr>
           </a:p>
         </p:txBody>
       </p:sp>
@@ -8590,7 +8636,7 @@
           <p:nvPr/>
         </p:nvGrpSpPr>
         <p:grpSpPr>
-          <a:xfrm rot="0">
+          <a:xfrm>
             <a:off x="1009650" y="2668270"/>
             <a:ext cx="4739640" cy="3512820"/>
             <a:chOff x="9845" y="5104"/>
@@ -8619,12 +8665,12 @@
               </p:cNvPicPr>
               <p:nvPr>
                 <p:custDataLst>
-                  <p:tags r:id="rId1"/>
+                  <p:tags r:id="rId4"/>
                 </p:custDataLst>
               </p:nvPr>
             </p:nvPicPr>
             <p:blipFill>
-              <a:blip r:embed="rId2"/>
+              <a:blip r:embed="rId8"/>
               <a:stretch>
                 <a:fillRect/>
               </a:stretch>
@@ -8647,12 +8693,12 @@
               </p:cNvPicPr>
               <p:nvPr>
                 <p:custDataLst>
-                  <p:tags r:id="rId3"/>
+                  <p:tags r:id="rId5"/>
                 </p:custDataLst>
               </p:nvPr>
             </p:nvPicPr>
             <p:blipFill>
-              <a:blip r:embed="rId4"/>
+              <a:blip r:embed="rId9"/>
               <a:stretch>
                 <a:fillRect/>
               </a:stretch>
@@ -8676,12 +8722,12 @@
             </p:cNvPicPr>
             <p:nvPr>
               <p:custDataLst>
-                <p:tags r:id="rId5"/>
+                <p:tags r:id="rId3"/>
               </p:custDataLst>
             </p:nvPr>
           </p:nvPicPr>
           <p:blipFill>
-            <a:blip r:embed="rId4"/>
+            <a:blip r:embed="rId9"/>
             <a:stretch>
               <a:fillRect/>
             </a:stretch>
@@ -8719,12 +8765,12 @@
             </p:cNvPicPr>
             <p:nvPr>
               <p:custDataLst>
-                <p:tags r:id="rId6"/>
+                <p:tags r:id="rId2"/>
               </p:custDataLst>
             </p:nvPr>
           </p:nvPicPr>
           <p:blipFill>
-            <a:blip r:embed="rId7"/>
+            <a:blip r:embed="rId10"/>
             <a:stretch>
               <a:fillRect/>
             </a:stretch>
@@ -8756,7 +8802,7 @@
             <p:nvPr/>
           </p:nvPicPr>
           <p:blipFill>
-            <a:blip r:embed="rId8"/>
+            <a:blip r:embed="rId11"/>
             <a:stretch>
               <a:fillRect/>
             </a:stretch>
@@ -8807,6 +8853,7 @@
         </p:spPr>
         <p:txBody>
           <a:bodyPr vert="horz" wrap="square" lIns="91440" tIns="45720" rIns="91440" bIns="45720" numCol="1" anchor="t" anchorCtr="0" compatLnSpc="1"/>
+          <a:lstStyle/>
           <a:p>
             <a:pPr marL="0" marR="0" indent="0" algn="l" defTabSz="914400" rtl="0" eaLnBrk="0" fontAlgn="t" latinLnBrk="0" hangingPunct="0">
               <a:lnSpc>
@@ -8824,7 +8871,7 @@
               <a:buNone/>
             </a:pPr>
             <a:r>
-              <a:rPr kumimoji="0" lang="en-US" altLang="zh-CN" sz="1200" b="0" i="0" u="none" strike="noStrike" cap="none" normalizeH="0" baseline="0" smtClean="0">
+              <a:rPr kumimoji="0" lang="en-US" altLang="zh-CN" sz="1200" b="0" i="0" u="none" strike="noStrike" cap="none" normalizeH="0" baseline="0">
                 <a:ln>
                   <a:noFill/>
                 </a:ln>
@@ -8836,16 +8883,6 @@
               </a:rPr>
               <a:t>prototype</a:t>
             </a:r>
-            <a:endParaRPr kumimoji="0" lang="en-US" altLang="zh-CN" sz="1200" b="0" i="0" u="none" strike="noStrike" cap="none" normalizeH="0" baseline="0" smtClean="0">
-              <a:ln>
-                <a:noFill/>
-              </a:ln>
-              <a:solidFill>
-                <a:schemeClr val="tx1"/>
-              </a:solidFill>
-              <a:effectLst/>
-              <a:latin typeface="Arial" panose="020B0604020202020204" pitchFamily="34" charset="0"/>
-            </a:endParaRPr>
           </a:p>
         </p:txBody>
       </p:sp>
@@ -8856,7 +8893,7 @@
           <p:nvPr/>
         </p:nvGrpSpPr>
         <p:grpSpPr>
-          <a:xfrm rot="0">
+          <a:xfrm>
             <a:off x="4986655" y="3482340"/>
             <a:ext cx="3443605" cy="1549400"/>
             <a:chOff x="7991" y="3612"/>
@@ -8929,6 +8966,7 @@
           </p:spPr>
           <p:txBody>
             <a:bodyPr vert="horz" wrap="square" lIns="91440" tIns="45720" rIns="91440" bIns="45720" numCol="1" anchor="t" anchorCtr="0" compatLnSpc="1"/>
+            <a:lstStyle/>
             <a:p>
               <a:pPr marL="0" marR="0" indent="0" algn="l" defTabSz="914400" rtl="0" eaLnBrk="0" fontAlgn="base" latinLnBrk="0" hangingPunct="0">
                 <a:lnSpc>
@@ -8945,7 +8983,7 @@
                 <a:buFontTx/>
                 <a:buNone/>
               </a:pPr>
-              <a:endParaRPr kumimoji="0" lang="zh-CN" altLang="en-US" sz="3200" b="0" i="0" u="none" strike="noStrike" cap="none" normalizeH="0" baseline="0" smtClean="0">
+              <a:endParaRPr kumimoji="0" lang="zh-CN" altLang="en-US" sz="3200" b="0" i="0" u="none" strike="noStrike" cap="none" normalizeH="0" baseline="0">
                 <a:ln>
                   <a:noFill/>
                 </a:ln>
@@ -8994,6 +9032,7 @@
         </p:spPr>
         <p:txBody>
           <a:bodyPr vert="horz" wrap="square" lIns="91440" tIns="45720" rIns="91440" bIns="45720" numCol="1" anchor="t" anchorCtr="0" compatLnSpc="1"/>
+          <a:lstStyle/>
           <a:p>
             <a:pPr marL="0" marR="0" indent="0" algn="l" defTabSz="914400" rtl="0" eaLnBrk="0" fontAlgn="t" latinLnBrk="0" hangingPunct="0">
               <a:lnSpc>
@@ -9011,7 +9050,7 @@
               <a:buNone/>
             </a:pPr>
             <a:r>
-              <a:rPr kumimoji="0" lang="en-US" altLang="zh-CN" sz="1100" b="0" i="0" u="none" strike="noStrike" cap="none" normalizeH="0" baseline="0" smtClean="0">
+              <a:rPr kumimoji="0" lang="en-US" altLang="zh-CN" sz="1100" b="0" i="0" u="none" strike="noStrike" cap="none" normalizeH="0" baseline="0">
                 <a:ln>
                   <a:noFill/>
                 </a:ln>
@@ -9023,16 +9062,6 @@
               </a:rPr>
               <a:t>constructor</a:t>
             </a:r>
-            <a:endParaRPr kumimoji="0" lang="en-US" altLang="zh-CN" sz="1100" b="0" i="0" u="none" strike="noStrike" cap="none" normalizeH="0" baseline="0" smtClean="0">
-              <a:ln>
-                <a:noFill/>
-              </a:ln>
-              <a:solidFill>
-                <a:schemeClr val="tx1"/>
-              </a:solidFill>
-              <a:effectLst/>
-              <a:latin typeface="Arial" panose="020B0604020202020204" pitchFamily="34" charset="0"/>
-            </a:endParaRPr>
           </a:p>
         </p:txBody>
       </p:sp>
@@ -9067,6 +9096,7 @@
         </p:spPr>
         <p:txBody>
           <a:bodyPr vert="horz" wrap="square" lIns="91440" tIns="45720" rIns="91440" bIns="45720" numCol="1" anchor="t" anchorCtr="0" compatLnSpc="1"/>
+          <a:lstStyle/>
           <a:p>
             <a:pPr marL="0" marR="0" indent="0" algn="l" defTabSz="914400" rtl="0" eaLnBrk="0" fontAlgn="base" latinLnBrk="0" hangingPunct="0">
               <a:lnSpc>
@@ -9083,7 +9113,7 @@
               <a:buFontTx/>
               <a:buNone/>
             </a:pPr>
-            <a:endParaRPr kumimoji="0" lang="zh-CN" altLang="en-US" sz="3200" b="0" i="0" u="none" strike="noStrike" cap="none" normalizeH="0" baseline="0" smtClean="0">
+            <a:endParaRPr kumimoji="0" lang="zh-CN" altLang="en-US" sz="3200" b="0" i="0" u="none" strike="noStrike" cap="none" normalizeH="0" baseline="0">
               <a:ln>
                 <a:noFill/>
               </a:ln>
@@ -9141,6 +9171,7 @@
           </p:spPr>
           <p:txBody>
             <a:bodyPr vert="horz" wrap="square" lIns="91440" tIns="45720" rIns="91440" bIns="45720" numCol="1" anchor="t" anchorCtr="0" compatLnSpc="1"/>
+            <a:lstStyle/>
             <a:p>
               <a:pPr marL="0" marR="0" indent="0" algn="l" defTabSz="914400" rtl="0" eaLnBrk="0" fontAlgn="base" latinLnBrk="0" hangingPunct="0">
                 <a:lnSpc>
@@ -9157,7 +9188,7 @@
                 <a:buFontTx/>
                 <a:buNone/>
               </a:pPr>
-              <a:endParaRPr kumimoji="0" lang="zh-CN" altLang="en-US" sz="3200" b="0" i="0" u="none" strike="noStrike" cap="none" normalizeH="0" baseline="0" smtClean="0">
+              <a:endParaRPr kumimoji="0" lang="zh-CN" altLang="en-US" sz="3200" b="0" i="0" u="none" strike="noStrike" cap="none" normalizeH="0" baseline="0">
                 <a:ln>
                   <a:noFill/>
                 </a:ln>
@@ -9201,6 +9232,7 @@
           </p:spPr>
           <p:txBody>
             <a:bodyPr vert="horz" wrap="square" lIns="91440" tIns="45720" rIns="91440" bIns="45720" numCol="1" anchor="t" anchorCtr="0" compatLnSpc="1"/>
+            <a:lstStyle/>
             <a:p>
               <a:pPr marL="0" marR="0" indent="0" algn="l" defTabSz="914400" rtl="0" eaLnBrk="0" fontAlgn="base" latinLnBrk="0" hangingPunct="0">
                 <a:lnSpc>
@@ -9217,7 +9249,7 @@
                 <a:buFontTx/>
                 <a:buNone/>
               </a:pPr>
-              <a:endParaRPr kumimoji="0" lang="zh-CN" altLang="en-US" sz="3200" b="0" i="0" u="none" strike="noStrike" cap="none" normalizeH="0" baseline="0" smtClean="0">
+              <a:endParaRPr kumimoji="0" lang="zh-CN" altLang="en-US" sz="3200" b="0" i="0" u="none" strike="noStrike" cap="none" normalizeH="0" baseline="0">
                 <a:ln>
                   <a:noFill/>
                 </a:ln>
@@ -9239,12 +9271,12 @@
           </p:cNvPicPr>
           <p:nvPr>
             <p:custDataLst>
-              <p:tags r:id="rId9"/>
+              <p:tags r:id="rId1"/>
             </p:custDataLst>
           </p:nvPr>
         </p:nvPicPr>
         <p:blipFill>
-          <a:blip r:embed="rId7"/>
+          <a:blip r:embed="rId10"/>
           <a:srcRect t="70376"/>
           <a:stretch>
             <a:fillRect/>
@@ -9302,6 +9334,7 @@
         </p:style>
         <p:txBody>
           <a:bodyPr vert="horz" wrap="square" lIns="91440" tIns="45720" rIns="91440" bIns="45720" numCol="1" anchor="t" anchorCtr="0" compatLnSpc="1"/>
+          <a:lstStyle/>
           <a:p>
             <a:pPr marL="0" marR="0" indent="0" algn="l" defTabSz="914400" rtl="0" eaLnBrk="0" fontAlgn="base" latinLnBrk="0" hangingPunct="0">
               <a:lnSpc>
@@ -9319,7 +9352,7 @@
               <a:buNone/>
             </a:pPr>
             <a:r>
-              <a:rPr kumimoji="0" lang="en-US" altLang="zh-CN" sz="2800" b="0" i="0" u="none" strike="noStrike" cap="none" normalizeH="0" baseline="0" smtClean="0">
+              <a:rPr kumimoji="0" lang="en-US" altLang="zh-CN" sz="2800" b="0" i="0" u="none" strike="noStrike" cap="none" normalizeH="0" baseline="0">
                 <a:ln>
                   <a:noFill/>
                 </a:ln>
@@ -9332,7 +9365,7 @@
               <a:t>boy</a:t>
             </a:r>
             <a:r>
-              <a:rPr kumimoji="0" lang="zh-CN" altLang="en-US" sz="2800" b="0" i="0" u="none" strike="noStrike" cap="none" normalizeH="0" baseline="0" smtClean="0">
+              <a:rPr kumimoji="0" lang="zh-CN" altLang="en-US" sz="2800" b="0" i="0" u="none" strike="noStrike" cap="none" normalizeH="0" baseline="0">
                 <a:ln>
                   <a:noFill/>
                 </a:ln>
@@ -9345,7 +9378,7 @@
               <a:t>、</a:t>
             </a:r>
             <a:r>
-              <a:rPr kumimoji="0" lang="en-US" altLang="zh-CN" sz="2800" b="0" i="0" u="none" strike="noStrike" cap="none" normalizeH="0" baseline="0" smtClean="0">
+              <a:rPr kumimoji="0" lang="en-US" altLang="zh-CN" sz="2800" b="0" i="0" u="none" strike="noStrike" cap="none" normalizeH="0" baseline="0">
                 <a:ln>
                   <a:noFill/>
                 </a:ln>
@@ -9358,7 +9391,7 @@
               <a:t>girl </a:t>
             </a:r>
             <a:r>
-              <a:rPr kumimoji="0" lang="zh-CN" altLang="en-US" sz="2800" b="0" i="0" u="none" strike="noStrike" cap="none" normalizeH="0" baseline="0" smtClean="0">
+              <a:rPr kumimoji="0" lang="zh-CN" altLang="en-US" sz="2800" b="0" i="0" u="none" strike="noStrike" cap="none" normalizeH="0" baseline="0">
                 <a:ln>
                   <a:noFill/>
                 </a:ln>
@@ -9371,7 +9404,7 @@
               <a:t>对象如何访问 </a:t>
             </a:r>
             <a:r>
-              <a:rPr kumimoji="0" lang="en-US" altLang="zh-CN" sz="2800" b="0" i="0" u="none" strike="noStrike" cap="none" normalizeH="0" baseline="0" smtClean="0">
+              <a:rPr kumimoji="0" lang="en-US" altLang="zh-CN" sz="2800" b="0" i="0" u="none" strike="noStrike" cap="none" normalizeH="0" baseline="0">
                 <a:ln>
                   <a:noFill/>
                 </a:ln>
@@ -9384,7 +9417,7 @@
               <a:t>sayHello </a:t>
             </a:r>
             <a:r>
-              <a:rPr kumimoji="0" lang="zh-CN" altLang="en-US" sz="2800" b="0" i="0" u="none" strike="noStrike" cap="none" normalizeH="0" baseline="0" smtClean="0">
+              <a:rPr kumimoji="0" lang="zh-CN" altLang="en-US" sz="2800" b="0" i="0" u="none" strike="noStrike" cap="none" normalizeH="0" baseline="0">
                 <a:ln>
                   <a:noFill/>
                 </a:ln>
@@ -9396,16 +9429,6 @@
               </a:rPr>
               <a:t>呢？</a:t>
             </a:r>
-            <a:endParaRPr kumimoji="0" lang="zh-CN" altLang="en-US" sz="2800" b="0" i="0" u="none" strike="noStrike" cap="none" normalizeH="0" baseline="0" smtClean="0">
-              <a:ln>
-                <a:noFill/>
-              </a:ln>
-              <a:solidFill>
-                <a:schemeClr val="tx1"/>
-              </a:solidFill>
-              <a:effectLst/>
-              <a:latin typeface="Arial" panose="020B0604020202020204" pitchFamily="34" charset="0"/>
-            </a:endParaRPr>
           </a:p>
         </p:txBody>
       </p:sp>
@@ -9444,6 +9467,7 @@
         </p:spPr>
         <p:txBody>
           <a:bodyPr vert="horz" wrap="square" lIns="91440" tIns="45720" rIns="91440" bIns="45720" numCol="1" anchor="t" anchorCtr="0" compatLnSpc="1"/>
+          <a:lstStyle/>
           <a:p>
             <a:pPr marL="0" marR="0" indent="0" algn="l" defTabSz="914400" rtl="0" eaLnBrk="0" fontAlgn="t" latinLnBrk="0" hangingPunct="0">
               <a:lnSpc>
@@ -9461,7 +9485,7 @@
               <a:buNone/>
             </a:pPr>
             <a:r>
-              <a:rPr kumimoji="0" lang="en-US" altLang="zh-CN" sz="1400" b="0" i="0" u="none" strike="noStrike" cap="none" normalizeH="0" baseline="0" smtClean="0">
+              <a:rPr kumimoji="0" lang="en-US" altLang="zh-CN" sz="1400" b="0" i="0" u="none" strike="noStrike" cap="none" normalizeH="0" baseline="0">
                 <a:ln>
                   <a:noFill/>
                 </a:ln>
@@ -9473,16 +9497,6 @@
               </a:rPr>
               <a:t>sayHello</a:t>
             </a:r>
-            <a:endParaRPr kumimoji="0" lang="en-US" altLang="zh-CN" sz="1400" b="0" i="0" u="none" strike="noStrike" cap="none" normalizeH="0" baseline="0" smtClean="0">
-              <a:ln>
-                <a:noFill/>
-              </a:ln>
-              <a:solidFill>
-                <a:schemeClr val="tx1"/>
-              </a:solidFill>
-              <a:effectLst/>
-              <a:latin typeface="Arial" panose="020B0604020202020204" pitchFamily="34" charset="0"/>
-            </a:endParaRPr>
           </a:p>
         </p:txBody>
       </p:sp>
@@ -9803,7 +9817,14 @@
         <p:cNvGrpSpPr/>
         <p:nvPr/>
       </p:nvGrpSpPr>
-      <p:grpSpPr/>
+      <p:grpSpPr>
+        <a:xfrm>
+          <a:off x="0" y="0"/>
+          <a:ext cx="0" cy="0"/>
+          <a:chOff x="0" y="0"/>
+          <a:chExt cx="0" cy="0"/>
+        </a:xfrm>
+      </p:grpSpPr>
       <p:sp>
         <p:nvSpPr>
           <p:cNvPr id="2" name="内容占位符 1"/>
@@ -9825,6 +9846,7 @@
         </p:spPr>
         <p:txBody>
           <a:bodyPr/>
+          <a:lstStyle/>
           <a:p>
             <a:r>
               <a:rPr lang="en-US" altLang="zh-CN"/>
@@ -9842,9 +9864,6 @@
               </a:rPr>
               <a:t>属性</a:t>
             </a:r>
-            <a:endParaRPr lang="zh-CN" altLang="en-US">
-              <a:sym typeface="+mn-ea"/>
-            </a:endParaRPr>
           </a:p>
           <a:p>
             <a:pPr lvl="1"/>
@@ -9866,12 +9885,6 @@
               </a:rPr>
               <a:t>每个实例对象（ object ）都有一个属性 __proto__ 指向它的构造函数的原型对象（prototype ）</a:t>
             </a:r>
-            <a:endParaRPr lang="zh-CN" altLang="en-US" sz="2400">
-              <a:solidFill>
-                <a:schemeClr val="tx1"/>
-              </a:solidFill>
-              <a:sym typeface="+mn-ea"/>
-            </a:endParaRPr>
           </a:p>
           <a:p>
             <a:pPr lvl="1"/>
@@ -9923,6 +9936,7 @@
         <p:spPr/>
         <p:txBody>
           <a:bodyPr/>
+          <a:lstStyle/>
           <a:p>
             <a:r>
               <a:rPr lang="en-US" altLang="zh-CN"/>
@@ -9932,7 +9946,6 @@
               <a:rPr lang="zh-CN" altLang="en-US"/>
               <a:t>属性</a:t>
             </a:r>
-            <a:endParaRPr lang="zh-CN" altLang="en-US"/>
           </a:p>
         </p:txBody>
       </p:sp>
@@ -9973,7 +9986,7 @@
               <p:nvPr/>
             </p:nvPicPr>
             <p:blipFill>
-              <a:blip r:embed="rId1"/>
+              <a:blip r:embed="rId3"/>
               <a:stretch>
                 <a:fillRect/>
               </a:stretch>
@@ -10018,6 +10031,7 @@
             </p:spPr>
             <p:txBody>
               <a:bodyPr vert="horz" wrap="square" lIns="91440" tIns="45720" rIns="91440" bIns="45720" numCol="1" anchor="t" anchorCtr="0" compatLnSpc="1"/>
+              <a:lstStyle/>
               <a:p>
                 <a:pPr marL="0" marR="0" indent="0" algn="l" defTabSz="914400" rtl="0" eaLnBrk="0" fontAlgn="base" latinLnBrk="0" hangingPunct="0">
                   <a:lnSpc>
@@ -10034,7 +10048,7 @@
                   <a:buFontTx/>
                   <a:buNone/>
                 </a:pPr>
-                <a:endParaRPr kumimoji="0" lang="zh-CN" altLang="en-US" sz="3200" b="0" i="0" u="none" strike="noStrike" cap="none" normalizeH="0" baseline="0" smtClean="0">
+                <a:endParaRPr kumimoji="0" lang="zh-CN" altLang="en-US" sz="3200" b="0" i="0" u="none" strike="noStrike" cap="none" normalizeH="0" baseline="0">
                   <a:ln>
                     <a:noFill/>
                   </a:ln>
@@ -10075,6 +10089,7 @@
           </p:spPr>
           <p:txBody>
             <a:bodyPr vert="horz" wrap="square" lIns="91440" tIns="45720" rIns="91440" bIns="45720" numCol="1" anchor="t" anchorCtr="0" compatLnSpc="1"/>
+            <a:lstStyle/>
             <a:p>
               <a:pPr marL="0" marR="0" indent="0" algn="l" defTabSz="914400" rtl="0" eaLnBrk="0" fontAlgn="base" latinLnBrk="0" hangingPunct="0">
                 <a:lnSpc>
@@ -10092,7 +10107,7 @@
                 <a:buNone/>
               </a:pPr>
               <a:r>
-                <a:rPr kumimoji="0" lang="en-US" altLang="zh-CN" sz="1400" b="0" i="0" u="none" strike="noStrike" cap="none" normalizeH="0" baseline="0" smtClean="0">
+                <a:rPr kumimoji="0" lang="en-US" altLang="zh-CN" sz="1400" b="0" i="0" u="none" strike="noStrike" cap="none" normalizeH="0" baseline="0">
                   <a:ln>
                     <a:noFill/>
                   </a:ln>
@@ -10104,16 +10119,6 @@
                 </a:rPr>
                 <a:t>Person</a:t>
               </a:r>
-              <a:endParaRPr kumimoji="0" lang="en-US" altLang="zh-CN" sz="1400" b="0" i="0" u="none" strike="noStrike" cap="none" normalizeH="0" baseline="0" smtClean="0">
-                <a:ln>
-                  <a:noFill/>
-                </a:ln>
-                <a:solidFill>
-                  <a:srgbClr val="FF0000"/>
-                </a:solidFill>
-                <a:effectLst/>
-                <a:latin typeface="Arial" panose="020B0604020202020204" pitchFamily="34" charset="0"/>
-              </a:endParaRPr>
             </a:p>
           </p:txBody>
         </p:sp>
@@ -10144,6 +10149,7 @@
           </p:spPr>
           <p:txBody>
             <a:bodyPr vert="horz" wrap="square" lIns="91440" tIns="45720" rIns="91440" bIns="45720" numCol="1" anchor="t" anchorCtr="0" compatLnSpc="1"/>
+            <a:lstStyle/>
             <a:p>
               <a:pPr marL="0" marR="0" indent="0" algn="l" defTabSz="914400" rtl="0" eaLnBrk="0" fontAlgn="base" latinLnBrk="0" hangingPunct="0">
                 <a:lnSpc>
@@ -10161,7 +10167,7 @@
                 <a:buNone/>
               </a:pPr>
               <a:r>
-                <a:rPr kumimoji="0" lang="en-US" altLang="zh-CN" sz="1400" b="0" i="0" u="none" strike="noStrike" cap="none" normalizeH="0" baseline="0" smtClean="0">
+                <a:rPr kumimoji="0" lang="en-US" altLang="zh-CN" sz="1400" b="0" i="0" u="none" strike="noStrike" cap="none" normalizeH="0" baseline="0">
                   <a:ln>
                     <a:noFill/>
                   </a:ln>
@@ -10173,16 +10179,6 @@
                 </a:rPr>
                 <a:t>boy</a:t>
               </a:r>
-              <a:endParaRPr kumimoji="0" lang="en-US" altLang="zh-CN" sz="1400" b="0" i="0" u="none" strike="noStrike" cap="none" normalizeH="0" baseline="0" smtClean="0">
-                <a:ln>
-                  <a:noFill/>
-                </a:ln>
-                <a:solidFill>
-                  <a:srgbClr val="FF0000"/>
-                </a:solidFill>
-                <a:effectLst/>
-                <a:latin typeface="Arial" panose="020B0604020202020204" pitchFamily="34" charset="0"/>
-              </a:endParaRPr>
             </a:p>
           </p:txBody>
         </p:sp>
@@ -10213,6 +10209,7 @@
           </p:spPr>
           <p:txBody>
             <a:bodyPr vert="horz" wrap="square" lIns="91440" tIns="45720" rIns="91440" bIns="45720" numCol="1" anchor="t" anchorCtr="0" compatLnSpc="1"/>
+            <a:lstStyle/>
             <a:p>
               <a:pPr marL="0" marR="0" indent="0" algn="l" defTabSz="914400" rtl="0" eaLnBrk="0" fontAlgn="base" latinLnBrk="0" hangingPunct="0">
                 <a:lnSpc>
@@ -10230,7 +10227,7 @@
                 <a:buNone/>
               </a:pPr>
               <a:r>
-                <a:rPr kumimoji="0" lang="en-US" altLang="zh-CN" sz="1400" b="0" i="0" u="none" strike="noStrike" cap="none" normalizeH="0" baseline="0" smtClean="0">
+                <a:rPr kumimoji="0" lang="en-US" altLang="zh-CN" sz="1400" b="0" i="0" u="none" strike="noStrike" cap="none" normalizeH="0" baseline="0">
                   <a:ln>
                     <a:noFill/>
                   </a:ln>
@@ -10242,16 +10239,6 @@
                 </a:rPr>
                 <a:t>Person.prototype</a:t>
               </a:r>
-              <a:endParaRPr kumimoji="0" lang="en-US" altLang="zh-CN" sz="1400" b="0" i="0" u="none" strike="noStrike" cap="none" normalizeH="0" baseline="0" smtClean="0">
-                <a:ln>
-                  <a:noFill/>
-                </a:ln>
-                <a:solidFill>
-                  <a:srgbClr val="FF0000"/>
-                </a:solidFill>
-                <a:effectLst/>
-                <a:latin typeface="Arial" panose="020B0604020202020204" pitchFamily="34" charset="0"/>
-              </a:endParaRPr>
             </a:p>
           </p:txBody>
         </p:sp>
@@ -10356,7 +10343,14 @@
         <p:cNvGrpSpPr/>
         <p:nvPr/>
       </p:nvGrpSpPr>
-      <p:grpSpPr/>
+      <p:grpSpPr>
+        <a:xfrm>
+          <a:off x="0" y="0"/>
+          <a:ext cx="0" cy="0"/>
+          <a:chOff x="0" y="0"/>
+          <a:chExt cx="0" cy="0"/>
+        </a:xfrm>
+      </p:grpSpPr>
       <p:sp>
         <p:nvSpPr>
           <p:cNvPr id="3" name="内容占位符 2"/>
@@ -10370,6 +10364,7 @@
         <p:spPr/>
         <p:txBody>
           <a:bodyPr/>
+          <a:lstStyle/>
           <a:p>
             <a:r>
               <a:rPr lang="en-US"/>
@@ -10379,7 +10374,6 @@
               <a:rPr lang="zh-CN" altLang="en-US"/>
               <a:t>属性</a:t>
             </a:r>
-            <a:endParaRPr lang="zh-CN" altLang="en-US"/>
           </a:p>
         </p:txBody>
       </p:sp>
@@ -10404,7 +10398,7 @@
             <p:nvPr/>
           </p:nvGrpSpPr>
           <p:grpSpPr>
-            <a:xfrm rot="0">
+            <a:xfrm>
               <a:off x="1590" y="4198"/>
               <a:ext cx="7464" cy="5532"/>
               <a:chOff x="9845" y="5104"/>
@@ -10433,12 +10427,12 @@
                 </p:cNvPicPr>
                 <p:nvPr>
                   <p:custDataLst>
-                    <p:tags r:id="rId1"/>
+                    <p:tags r:id="rId2"/>
                   </p:custDataLst>
                 </p:nvPr>
               </p:nvPicPr>
               <p:blipFill>
-                <a:blip r:embed="rId2"/>
+                <a:blip r:embed="rId6"/>
                 <a:stretch>
                   <a:fillRect/>
                 </a:stretch>
@@ -10466,7 +10460,7 @@
                 </p:nvPr>
               </p:nvPicPr>
               <p:blipFill>
-                <a:blip r:embed="rId4"/>
+                <a:blip r:embed="rId7"/>
                 <a:stretch>
                   <a:fillRect/>
                 </a:stretch>
@@ -10490,12 +10484,12 @@
               </p:cNvPicPr>
               <p:nvPr>
                 <p:custDataLst>
-                  <p:tags r:id="rId5"/>
+                  <p:tags r:id="rId1"/>
                 </p:custDataLst>
               </p:nvPr>
             </p:nvPicPr>
             <p:blipFill>
-              <a:blip r:embed="rId4"/>
+              <a:blip r:embed="rId7"/>
               <a:stretch>
                 <a:fillRect/>
               </a:stretch>
@@ -10546,6 +10540,7 @@
           </p:spPr>
           <p:txBody>
             <a:bodyPr vert="horz" wrap="square" lIns="91440" tIns="45720" rIns="91440" bIns="45720" numCol="1" anchor="t" anchorCtr="0" compatLnSpc="1"/>
+            <a:lstStyle/>
             <a:p>
               <a:pPr marL="0" marR="0" indent="0" algn="l" defTabSz="914400" rtl="0" eaLnBrk="0" fontAlgn="t" latinLnBrk="0" hangingPunct="0">
                 <a:lnSpc>
@@ -10563,7 +10558,7 @@
                 <a:buNone/>
               </a:pPr>
               <a:r>
-                <a:rPr kumimoji="0" lang="en-US" altLang="zh-CN" sz="1200" b="0" i="0" u="none" strike="noStrike" cap="none" normalizeH="0" baseline="0" smtClean="0">
+                <a:rPr kumimoji="0" lang="en-US" altLang="zh-CN" sz="1200" b="0" i="0" u="none" strike="noStrike" cap="none" normalizeH="0" baseline="0">
                   <a:ln>
                     <a:noFill/>
                   </a:ln>
@@ -10575,16 +10570,6 @@
                 </a:rPr>
                 <a:t>prototype</a:t>
               </a:r>
-              <a:endParaRPr kumimoji="0" lang="en-US" altLang="zh-CN" sz="1200" b="0" i="0" u="none" strike="noStrike" cap="none" normalizeH="0" baseline="0" smtClean="0">
-                <a:ln>
-                  <a:noFill/>
-                </a:ln>
-                <a:solidFill>
-                  <a:schemeClr val="tx1"/>
-                </a:solidFill>
-                <a:effectLst/>
-                <a:latin typeface="Arial" panose="020B0604020202020204" pitchFamily="34" charset="0"/>
-              </a:endParaRPr>
             </a:p>
           </p:txBody>
         </p:sp>
@@ -10595,7 +10580,7 @@
             <p:nvPr/>
           </p:nvGrpSpPr>
           <p:grpSpPr>
-            <a:xfrm rot="0">
+            <a:xfrm>
               <a:off x="7853" y="5484"/>
               <a:ext cx="5423" cy="2440"/>
               <a:chOff x="7991" y="3612"/>
@@ -10668,6 +10653,7 @@
             </p:spPr>
             <p:txBody>
               <a:bodyPr vert="horz" wrap="square" lIns="91440" tIns="45720" rIns="91440" bIns="45720" numCol="1" anchor="t" anchorCtr="0" compatLnSpc="1"/>
+              <a:lstStyle/>
               <a:p>
                 <a:pPr marL="0" marR="0" indent="0" algn="l" defTabSz="914400" rtl="0" eaLnBrk="0" fontAlgn="base" latinLnBrk="0" hangingPunct="0">
                   <a:lnSpc>
@@ -10684,7 +10670,7 @@
                   <a:buFontTx/>
                   <a:buNone/>
                 </a:pPr>
-                <a:endParaRPr kumimoji="0" lang="zh-CN" altLang="en-US" sz="3200" b="0" i="0" u="none" strike="noStrike" cap="none" normalizeH="0" baseline="0" smtClean="0">
+                <a:endParaRPr kumimoji="0" lang="zh-CN" altLang="en-US" sz="3200" b="0" i="0" u="none" strike="noStrike" cap="none" normalizeH="0" baseline="0">
                   <a:ln>
                     <a:noFill/>
                   </a:ln>
@@ -10733,6 +10719,7 @@
           </p:spPr>
           <p:txBody>
             <a:bodyPr vert="horz" wrap="square" lIns="91440" tIns="45720" rIns="91440" bIns="45720" numCol="1" anchor="t" anchorCtr="0" compatLnSpc="1"/>
+            <a:lstStyle/>
             <a:p>
               <a:pPr marL="0" marR="0" indent="0" algn="l" defTabSz="914400" rtl="0" eaLnBrk="0" fontAlgn="t" latinLnBrk="0" hangingPunct="0">
                 <a:lnSpc>
@@ -10750,7 +10737,7 @@
                 <a:buNone/>
               </a:pPr>
               <a:r>
-                <a:rPr kumimoji="0" lang="en-US" altLang="zh-CN" sz="1100" b="0" i="0" u="none" strike="noStrike" cap="none" normalizeH="0" baseline="0" smtClean="0">
+                <a:rPr kumimoji="0" lang="en-US" altLang="zh-CN" sz="1100" b="0" i="0" u="none" strike="noStrike" cap="none" normalizeH="0" baseline="0">
                   <a:ln>
                     <a:noFill/>
                   </a:ln>
@@ -10762,16 +10749,6 @@
                 </a:rPr>
                 <a:t>constructor</a:t>
               </a:r>
-              <a:endParaRPr kumimoji="0" lang="en-US" altLang="zh-CN" sz="1100" b="0" i="0" u="none" strike="noStrike" cap="none" normalizeH="0" baseline="0" smtClean="0">
-                <a:ln>
-                  <a:noFill/>
-                </a:ln>
-                <a:solidFill>
-                  <a:schemeClr val="tx1"/>
-                </a:solidFill>
-                <a:effectLst/>
-                <a:latin typeface="Arial" panose="020B0604020202020204" pitchFamily="34" charset="0"/>
-              </a:endParaRPr>
             </a:p>
           </p:txBody>
         </p:sp>
@@ -10819,6 +10796,7 @@
             </p:spPr>
             <p:txBody>
               <a:bodyPr vert="horz" wrap="square" lIns="91440" tIns="45720" rIns="91440" bIns="45720" numCol="1" anchor="t" anchorCtr="0" compatLnSpc="1"/>
+              <a:lstStyle/>
               <a:p>
                 <a:pPr marL="0" marR="0" indent="0" algn="l" defTabSz="914400" rtl="0" eaLnBrk="0" fontAlgn="base" latinLnBrk="0" hangingPunct="0">
                   <a:lnSpc>
@@ -10835,7 +10813,7 @@
                   <a:buFontTx/>
                   <a:buNone/>
                 </a:pPr>
-                <a:endParaRPr kumimoji="0" lang="zh-CN" altLang="en-US" sz="3200" b="0" i="0" u="none" strike="noStrike" cap="none" normalizeH="0" baseline="0" smtClean="0">
+                <a:endParaRPr kumimoji="0" lang="zh-CN" altLang="en-US" sz="3200" b="0" i="0" u="none" strike="noStrike" cap="none" normalizeH="0" baseline="0">
                   <a:ln>
                     <a:noFill/>
                   </a:ln>
@@ -10878,6 +10856,7 @@
             </p:spPr>
             <p:txBody>
               <a:bodyPr vert="horz" wrap="square" lIns="91440" tIns="45720" rIns="91440" bIns="45720" numCol="1" anchor="t" anchorCtr="0" compatLnSpc="1"/>
+              <a:lstStyle/>
               <a:p>
                 <a:pPr marL="0" marR="0" indent="0" algn="l" defTabSz="914400" rtl="0" eaLnBrk="0" fontAlgn="base" latinLnBrk="0" hangingPunct="0">
                   <a:lnSpc>
@@ -10894,7 +10873,7 @@
                   <a:buFontTx/>
                   <a:buNone/>
                 </a:pPr>
-                <a:endParaRPr kumimoji="0" lang="zh-CN" altLang="en-US" sz="3200" b="0" i="0" u="none" strike="noStrike" cap="none" normalizeH="0" baseline="0" smtClean="0">
+                <a:endParaRPr kumimoji="0" lang="zh-CN" altLang="en-US" sz="3200" b="0" i="0" u="none" strike="noStrike" cap="none" normalizeH="0" baseline="0">
                   <a:ln>
                     <a:noFill/>
                   </a:ln>
@@ -10943,6 +10922,7 @@
           </p:spPr>
           <p:txBody>
             <a:bodyPr vert="horz" wrap="square" lIns="91440" tIns="45720" rIns="91440" bIns="45720" numCol="1" anchor="t" anchorCtr="0" compatLnSpc="1"/>
+            <a:lstStyle/>
             <a:p>
               <a:pPr marL="0" marR="0" indent="0" algn="l" defTabSz="914400" rtl="0" eaLnBrk="0" fontAlgn="t" latinLnBrk="0" hangingPunct="0">
                 <a:lnSpc>
@@ -10960,7 +10940,7 @@
                 <a:buNone/>
               </a:pPr>
               <a:r>
-                <a:rPr kumimoji="0" lang="en-US" altLang="zh-CN" sz="1400" b="0" i="0" u="none" strike="noStrike" cap="none" normalizeH="0" baseline="0" smtClean="0">
+                <a:rPr kumimoji="0" lang="en-US" altLang="zh-CN" sz="1400" b="0" i="0" u="none" strike="noStrike" cap="none" normalizeH="0" baseline="0">
                   <a:ln>
                     <a:noFill/>
                   </a:ln>
@@ -10972,16 +10952,6 @@
                 </a:rPr>
                 <a:t>sayHello</a:t>
               </a:r>
-              <a:endParaRPr kumimoji="0" lang="en-US" altLang="zh-CN" sz="1400" b="0" i="0" u="none" strike="noStrike" cap="none" normalizeH="0" baseline="0" smtClean="0">
-                <a:ln>
-                  <a:noFill/>
-                </a:ln>
-                <a:solidFill>
-                  <a:schemeClr val="tx1"/>
-                </a:solidFill>
-                <a:effectLst/>
-                <a:latin typeface="Arial" panose="020B0604020202020204" pitchFamily="34" charset="0"/>
-              </a:endParaRPr>
             </a:p>
           </p:txBody>
         </p:sp>
@@ -11010,6 +10980,7 @@
           </p:spPr>
           <p:txBody>
             <a:bodyPr vert="horz" wrap="square" lIns="91440" tIns="45720" rIns="91440" bIns="45720" numCol="1" anchor="t" anchorCtr="0" compatLnSpc="1"/>
+            <a:lstStyle/>
             <a:p>
               <a:pPr marL="0" marR="0" indent="0" algn="l" defTabSz="914400" rtl="0" eaLnBrk="0" fontAlgn="t" latinLnBrk="0" hangingPunct="0">
                 <a:lnSpc>
@@ -11027,7 +10998,7 @@
                 <a:buNone/>
               </a:pPr>
               <a:r>
-                <a:rPr kumimoji="0" lang="en-US" altLang="zh-CN" sz="1000" b="1" i="0" u="none" strike="noStrike" cap="none" normalizeH="0" baseline="0" smtClean="0">
+                <a:rPr kumimoji="0" lang="en-US" altLang="zh-CN" sz="1000" b="1" i="0" u="none" strike="noStrike" cap="none" normalizeH="0" baseline="0">
                   <a:ln>
                     <a:noFill/>
                   </a:ln>
@@ -11039,16 +11010,6 @@
                 </a:rPr>
                 <a:t>__proto__</a:t>
               </a:r>
-              <a:endParaRPr kumimoji="0" lang="en-US" altLang="zh-CN" sz="1000" b="1" i="0" u="none" strike="noStrike" cap="none" normalizeH="0" baseline="0" smtClean="0">
-                <a:ln>
-                  <a:noFill/>
-                </a:ln>
-                <a:solidFill>
-                  <a:srgbClr val="C00000"/>
-                </a:solidFill>
-                <a:effectLst/>
-                <a:latin typeface="Arial" panose="020B0604020202020204" pitchFamily="34" charset="0"/>
-              </a:endParaRPr>
             </a:p>
           </p:txBody>
         </p:sp>
@@ -11077,6 +11038,7 @@
           </p:spPr>
           <p:txBody>
             <a:bodyPr vert="horz" wrap="square" lIns="91440" tIns="45720" rIns="91440" bIns="45720" numCol="1" anchor="t" anchorCtr="0" compatLnSpc="1"/>
+            <a:lstStyle/>
             <a:p>
               <a:pPr marL="0" marR="0" indent="0" algn="l" defTabSz="914400" rtl="0" eaLnBrk="0" fontAlgn="t" latinLnBrk="0" hangingPunct="0">
                 <a:lnSpc>
@@ -11094,7 +11056,7 @@
                 <a:buNone/>
               </a:pPr>
               <a:r>
-                <a:rPr kumimoji="0" lang="en-US" altLang="zh-CN" sz="1000" b="1" i="0" u="none" strike="noStrike" cap="none" normalizeH="0" baseline="0" smtClean="0">
+                <a:rPr kumimoji="0" lang="en-US" altLang="zh-CN" sz="1000" b="1" i="0" u="none" strike="noStrike" cap="none" normalizeH="0" baseline="0">
                   <a:ln>
                     <a:noFill/>
                   </a:ln>
@@ -11106,16 +11068,6 @@
                 </a:rPr>
                 <a:t>__proto__</a:t>
               </a:r>
-              <a:endParaRPr kumimoji="0" lang="en-US" altLang="zh-CN" sz="1000" b="1" i="0" u="none" strike="noStrike" cap="none" normalizeH="0" baseline="0" smtClean="0">
-                <a:ln>
-                  <a:noFill/>
-                </a:ln>
-                <a:solidFill>
-                  <a:srgbClr val="C00000"/>
-                </a:solidFill>
-                <a:effectLst/>
-                <a:latin typeface="Arial" panose="020B0604020202020204" pitchFamily="34" charset="0"/>
-              </a:endParaRPr>
             </a:p>
           </p:txBody>
         </p:sp>
@@ -11193,7 +11145,7 @@
           <p:nvPr/>
         </p:nvPicPr>
         <p:blipFill>
-          <a:blip r:embed="rId6"/>
+          <a:blip r:embed="rId8"/>
           <a:stretch>
             <a:fillRect/>
           </a:stretch>
@@ -11221,13 +11173,6 @@
   <p:clrMapOvr>
     <a:masterClrMapping/>
   </p:clrMapOvr>
-  <p:timing>
-    <p:tnLst>
-      <p:par>
-        <p:cTn id="1" dur="indefinite" restart="never" nodeType="tmRoot"/>
-      </p:par>
-    </p:tnLst>
-  </p:timing>
 </p:sld>
 </file>
 
@@ -11240,7 +11185,14 @@
         <p:cNvGrpSpPr/>
         <p:nvPr/>
       </p:nvGrpSpPr>
-      <p:grpSpPr/>
+      <p:grpSpPr>
+        <a:xfrm>
+          <a:off x="0" y="0"/>
+          <a:ext cx="0" cy="0"/>
+          <a:chOff x="0" y="0"/>
+          <a:chExt cx="0" cy="0"/>
+        </a:xfrm>
+      </p:grpSpPr>
       <p:sp>
         <p:nvSpPr>
           <p:cNvPr id="2" name="内容占位符 1"/>
@@ -11262,6 +11214,7 @@
         </p:spPr>
         <p:txBody>
           <a:bodyPr/>
+          <a:lstStyle/>
           <a:p>
             <a:r>
               <a:rPr lang="en-US" altLang="zh-CN"/>
@@ -11271,7 +11224,6 @@
               <a:rPr lang="zh-CN" altLang="en-US"/>
               <a:t>原型对象</a:t>
             </a:r>
-            <a:endParaRPr lang="zh-CN" altLang="en-US"/>
           </a:p>
           <a:p>
             <a:pPr lvl="1"/>
@@ -11319,12 +11271,6 @@
               </a:rPr>
               <a:t>容器</a:t>
             </a:r>
-            <a:endParaRPr lang="zh-CN" altLang="en-US">
-              <a:solidFill>
-                <a:schemeClr val="tx1"/>
-              </a:solidFill>
-              <a:sym typeface="+mn-ea"/>
-            </a:endParaRPr>
           </a:p>
           <a:p>
             <a:pPr lvl="1"/>
@@ -11418,6 +11364,7 @@
         <p:spPr/>
         <p:txBody>
           <a:bodyPr/>
+          <a:lstStyle/>
           <a:p>
             <a:r>
               <a:rPr lang="zh-CN" altLang="en-US">
@@ -11438,7 +11385,7 @@
           <p:nvPr/>
         </p:nvPicPr>
         <p:blipFill>
-          <a:blip r:embed="rId1"/>
+          <a:blip r:embed="rId2"/>
           <a:srcRect t="1888" b="374"/>
           <a:stretch>
             <a:fillRect/>
@@ -11459,13 +11406,6 @@
   <p:clrMapOvr>
     <a:masterClrMapping/>
   </p:clrMapOvr>
-  <p:timing>
-    <p:tnLst>
-      <p:par>
-        <p:cTn id="1" dur="indefinite" restart="never" nodeType="tmRoot"/>
-      </p:par>
-    </p:tnLst>
-  </p:timing>
 </p:sld>
 </file>
 
@@ -11546,10 +11486,6 @@
               </a:rPr>
               <a:t>构造函数三要素</a:t>
             </a:r>
-            <a:endParaRPr lang="zh-CN" altLang="en-US" sz="2800" b="1" dirty="0">
-              <a:latin typeface="微软雅黑" panose="020B0503020204020204" pitchFamily="34" charset="-122"/>
-              <a:ea typeface="微软雅黑" panose="020B0503020204020204" pitchFamily="34" charset="-122"/>
-            </a:endParaRPr>
           </a:p>
           <a:p>
             <a:pPr marL="457200" indent="-457200" algn="l" eaLnBrk="0" hangingPunct="0">
@@ -11572,10 +11508,6 @@
               </a:rPr>
               <a:t>prototype/__proto__</a:t>
             </a:r>
-            <a:endParaRPr lang="en-US" altLang="zh-CN" sz="2800" b="1" dirty="0">
-              <a:latin typeface="微软雅黑" panose="020B0503020204020204" pitchFamily="34" charset="-122"/>
-              <a:ea typeface="微软雅黑" panose="020B0503020204020204" pitchFamily="34" charset="-122"/>
-            </a:endParaRPr>
           </a:p>
           <a:p>
             <a:pPr marL="457200" indent="-457200" algn="l" eaLnBrk="0" hangingPunct="0">
@@ -11857,12 +11789,6 @@
               </a:rPr>
               <a:t>内容提纲</a:t>
             </a:r>
-            <a:endParaRPr lang="zh-CN" altLang="en-US">
-              <a:solidFill>
-                <a:srgbClr val="C00000"/>
-              </a:solidFill>
-              <a:latin typeface="微软雅黑" panose="020B0503020204020204" pitchFamily="34" charset="-122"/>
-            </a:endParaRPr>
           </a:p>
         </p:txBody>
       </p:sp>
@@ -11883,7 +11809,14 @@
         <p:cNvGrpSpPr/>
         <p:nvPr/>
       </p:nvGrpSpPr>
-      <p:grpSpPr/>
+      <p:grpSpPr>
+        <a:xfrm>
+          <a:off x="0" y="0"/>
+          <a:ext cx="0" cy="0"/>
+          <a:chOff x="0" y="0"/>
+          <a:chExt cx="0" cy="0"/>
+        </a:xfrm>
+      </p:grpSpPr>
       <p:grpSp>
         <p:nvGrpSpPr>
           <p:cNvPr id="21" name="组合 20"/>
@@ -11907,7 +11840,7 @@
             <p:nvPr/>
           </p:nvPicPr>
           <p:blipFill>
-            <a:blip r:embed="rId1"/>
+            <a:blip r:embed="rId2"/>
             <a:stretch>
               <a:fillRect/>
             </a:stretch>
@@ -11931,7 +11864,7 @@
             <p:nvPr/>
           </p:nvPicPr>
           <p:blipFill>
-            <a:blip r:embed="rId2"/>
+            <a:blip r:embed="rId3"/>
             <a:stretch>
               <a:fillRect/>
             </a:stretch>
@@ -11960,12 +11893,12 @@
         <p:spPr/>
         <p:txBody>
           <a:bodyPr/>
+          <a:lstStyle/>
           <a:p>
             <a:r>
               <a:rPr lang="zh-CN" altLang="en-US"/>
               <a:t>属性</a:t>
             </a:r>
-            <a:endParaRPr lang="zh-CN" altLang="en-US"/>
           </a:p>
         </p:txBody>
       </p:sp>
@@ -12008,6 +11941,7 @@
             <a:bodyPr wrap="none" rtlCol="0" anchor="t">
               <a:spAutoFit/>
             </a:bodyPr>
+            <a:lstStyle/>
             <a:p>
               <a:r>
                 <a:rPr lang="zh-CN" sz="2800">
@@ -12094,6 +12028,7 @@
             <a:bodyPr wrap="none" rtlCol="0" anchor="t">
               <a:spAutoFit/>
             </a:bodyPr>
+            <a:lstStyle/>
             <a:p>
               <a:r>
                 <a:rPr lang="zh-CN" sz="2800">
@@ -12178,6 +12113,7 @@
             <a:bodyPr wrap="none" rtlCol="0" anchor="t">
               <a:spAutoFit/>
             </a:bodyPr>
+            <a:lstStyle/>
             <a:p>
               <a:r>
                 <a:rPr lang="zh-CN" sz="2800">
@@ -12243,6 +12179,7 @@
           <a:bodyPr wrap="square" rtlCol="0" anchor="t">
             <a:spAutoFit/>
           </a:bodyPr>
+          <a:lstStyle/>
           <a:p>
             <a:pPr fontAlgn="auto">
               <a:lnSpc>
@@ -12284,6 +12221,7 @@
           <a:bodyPr wrap="none" rtlCol="0" anchor="t">
             <a:spAutoFit/>
           </a:bodyPr>
+          <a:lstStyle/>
           <a:p>
             <a:r>
               <a:rPr lang="en-US" altLang="zh-CN">
@@ -12293,11 +12231,6 @@
               </a:rPr>
               <a:t>5.html</a:t>
             </a:r>
-            <a:endParaRPr lang="en-US" altLang="zh-CN">
-              <a:latin typeface="微软雅黑" panose="020B0503020204020204" pitchFamily="34" charset="-122"/>
-              <a:ea typeface="微软雅黑" panose="020B0503020204020204" pitchFamily="34" charset="-122"/>
-              <a:sym typeface="+mn-ea"/>
-            </a:endParaRPr>
           </a:p>
         </p:txBody>
       </p:sp>
@@ -12404,7 +12337,14 @@
         <p:cNvGrpSpPr/>
         <p:nvPr/>
       </p:nvGrpSpPr>
-      <p:grpSpPr/>
+      <p:grpSpPr>
+        <a:xfrm>
+          <a:off x="0" y="0"/>
+          <a:ext cx="0" cy="0"/>
+          <a:chOff x="0" y="0"/>
+          <a:chExt cx="0" cy="0"/>
+        </a:xfrm>
+      </p:grpSpPr>
       <p:sp>
         <p:nvSpPr>
           <p:cNvPr id="2" name="内容占位符 1"/>
@@ -12426,6 +12366,7 @@
         </p:spPr>
         <p:txBody>
           <a:bodyPr/>
+          <a:lstStyle/>
           <a:p>
             <a:r>
               <a:rPr lang="en-US" altLang="zh-CN"/>
@@ -12443,7 +12384,6 @@
               <a:rPr lang="zh-CN" altLang="en-US"/>
               <a:t>的静态属性和原型属性。</a:t>
             </a:r>
-            <a:endParaRPr lang="zh-CN" altLang="en-US"/>
           </a:p>
         </p:txBody>
       </p:sp>
@@ -12460,6 +12400,7 @@
         <p:spPr/>
         <p:txBody>
           <a:bodyPr/>
+          <a:lstStyle/>
           <a:p>
             <a:r>
               <a:rPr lang="zh-CN" altLang="en-US">
@@ -12484,7 +12425,7 @@
           </p:nvPr>
         </p:nvPicPr>
         <p:blipFill>
-          <a:blip r:embed="rId2"/>
+          <a:blip r:embed="rId4"/>
           <a:stretch>
             <a:fillRect/>
           </a:stretch>
@@ -12516,7 +12457,7 @@
           <p:nvPr/>
         </p:nvPicPr>
         <p:blipFill>
-          <a:blip r:embed="rId3"/>
+          <a:blip r:embed="rId5"/>
           <a:srcRect b="10526"/>
           <a:stretch>
             <a:fillRect/>
@@ -12865,10 +12806,6 @@
               </a:rPr>
               <a:t>构造函数三要素</a:t>
             </a:r>
-            <a:endParaRPr lang="zh-CN" altLang="en-US" sz="2800" b="1" dirty="0">
-              <a:latin typeface="微软雅黑" panose="020B0503020204020204" pitchFamily="34" charset="-122"/>
-              <a:ea typeface="微软雅黑" panose="020B0503020204020204" pitchFamily="34" charset="-122"/>
-            </a:endParaRPr>
           </a:p>
           <a:p>
             <a:pPr marL="457200" indent="-457200" algn="l" eaLnBrk="0" hangingPunct="0">
@@ -12891,10 +12828,6 @@
               </a:rPr>
               <a:t>prototype/__proto__</a:t>
             </a:r>
-            <a:endParaRPr lang="en-US" altLang="zh-CN" sz="2800" b="1" dirty="0">
-              <a:latin typeface="微软雅黑" panose="020B0503020204020204" pitchFamily="34" charset="-122"/>
-              <a:ea typeface="微软雅黑" panose="020B0503020204020204" pitchFamily="34" charset="-122"/>
-            </a:endParaRPr>
           </a:p>
           <a:p>
             <a:pPr marL="457200" indent="-457200" algn="l" eaLnBrk="0" hangingPunct="0">
@@ -12945,10 +12878,6 @@
               </a:rPr>
               <a:t>原型属性</a:t>
             </a:r>
-            <a:endParaRPr lang="zh-CN" altLang="en-US" sz="2800" b="1" dirty="0">
-              <a:latin typeface="微软雅黑" panose="020B0503020204020204" pitchFamily="34" charset="-122"/>
-              <a:ea typeface="微软雅黑" panose="020B0503020204020204" pitchFamily="34" charset="-122"/>
-            </a:endParaRPr>
           </a:p>
           <a:p>
             <a:pPr marL="457200" indent="-457200" algn="l" eaLnBrk="0" hangingPunct="0">
@@ -13156,12 +13085,6 @@
               </a:rPr>
               <a:t>内容提纲</a:t>
             </a:r>
-            <a:endParaRPr lang="zh-CN" altLang="en-US">
-              <a:solidFill>
-                <a:srgbClr val="C00000"/>
-              </a:solidFill>
-              <a:latin typeface="微软雅黑" panose="020B0503020204020204" pitchFamily="34" charset="-122"/>
-            </a:endParaRPr>
           </a:p>
         </p:txBody>
       </p:sp>
@@ -13250,10 +13173,6 @@
               </a:rPr>
               <a:t>构造函数三要素</a:t>
             </a:r>
-            <a:endParaRPr lang="zh-CN" altLang="en-US" sz="2800" b="1" dirty="0">
-              <a:latin typeface="微软雅黑" panose="020B0503020204020204" pitchFamily="34" charset="-122"/>
-              <a:ea typeface="微软雅黑" panose="020B0503020204020204" pitchFamily="34" charset="-122"/>
-            </a:endParaRPr>
           </a:p>
           <a:p>
             <a:pPr marL="457200" indent="-457200" algn="l" eaLnBrk="0" hangingPunct="0">
@@ -13276,10 +13195,6 @@
               </a:rPr>
               <a:t>prototype/__proto__</a:t>
             </a:r>
-            <a:endParaRPr lang="en-US" altLang="zh-CN" sz="2800" b="1" dirty="0">
-              <a:latin typeface="微软雅黑" panose="020B0503020204020204" pitchFamily="34" charset="-122"/>
-              <a:ea typeface="微软雅黑" panose="020B0503020204020204" pitchFamily="34" charset="-122"/>
-            </a:endParaRPr>
           </a:p>
           <a:p>
             <a:pPr marL="457200" indent="-457200" algn="l" eaLnBrk="0" hangingPunct="0">
@@ -13343,14 +13258,6 @@
               </a:rPr>
               <a:t>运算符</a:t>
             </a:r>
-            <a:endParaRPr lang="zh-CN" altLang="en-US" sz="2800" b="1" dirty="0">
-              <a:solidFill>
-                <a:srgbClr val="FF0000"/>
-              </a:solidFill>
-              <a:latin typeface="微软雅黑" panose="020B0503020204020204" pitchFamily="34" charset="-122"/>
-              <a:ea typeface="微软雅黑" panose="020B0503020204020204" pitchFamily="34" charset="-122"/>
-              <a:sym typeface="+mn-ea"/>
-            </a:endParaRPr>
           </a:p>
         </p:txBody>
       </p:sp>
@@ -13523,12 +13430,6 @@
               </a:rPr>
               <a:t>内容提纲</a:t>
             </a:r>
-            <a:endParaRPr lang="zh-CN" altLang="en-US">
-              <a:solidFill>
-                <a:srgbClr val="C00000"/>
-              </a:solidFill>
-              <a:latin typeface="微软雅黑" panose="020B0503020204020204" pitchFamily="34" charset="-122"/>
-            </a:endParaRPr>
           </a:p>
         </p:txBody>
       </p:sp>
@@ -13549,7 +13450,14 @@
         <p:cNvGrpSpPr/>
         <p:nvPr/>
       </p:nvGrpSpPr>
-      <p:grpSpPr/>
+      <p:grpSpPr>
+        <a:xfrm>
+          <a:off x="0" y="0"/>
+          <a:ext cx="0" cy="0"/>
+          <a:chOff x="0" y="0"/>
+          <a:chExt cx="0" cy="0"/>
+        </a:xfrm>
+      </p:grpSpPr>
       <p:sp>
         <p:nvSpPr>
           <p:cNvPr id="2" name="内容占位符 1"/>
@@ -13571,6 +13479,7 @@
         </p:spPr>
         <p:txBody>
           <a:bodyPr/>
+          <a:lstStyle/>
           <a:p>
             <a:r>
               <a:rPr lang="en-US" altLang="zh-CN"/>
@@ -13611,13 +13520,6 @@
               </a:rPr>
               <a:t>创建一个空的简单 JavaScript 对象（即 {}）</a:t>
             </a:r>
-            <a:endParaRPr lang="en-US" altLang="zh-CN">
-              <a:solidFill>
-                <a:schemeClr val="tx1"/>
-              </a:solidFill>
-              <a:cs typeface="+mn-ea"/>
-              <a:sym typeface="+mn-ea"/>
-            </a:endParaRPr>
           </a:p>
           <a:p>
             <a:pPr lvl="1"/>
@@ -13765,12 +13667,6 @@
               </a:rPr>
               <a:t>指向的实例对象</a:t>
             </a:r>
-            <a:endParaRPr lang="zh-CN" altLang="en-US">
-              <a:solidFill>
-                <a:schemeClr val="tx1"/>
-              </a:solidFill>
-              <a:sym typeface="+mn-ea"/>
-            </a:endParaRPr>
           </a:p>
           <a:p>
             <a:pPr>
@@ -13793,6 +13689,7 @@
         <p:spPr/>
         <p:txBody>
           <a:bodyPr/>
+          <a:lstStyle/>
           <a:p>
             <a:r>
               <a:rPr lang="en-US" altLang="zh-CN"/>
@@ -13802,7 +13699,6 @@
               <a:rPr lang="zh-CN" altLang="en-US"/>
               <a:t>运算符的作用</a:t>
             </a:r>
-            <a:endParaRPr lang="zh-CN" altLang="en-US"/>
           </a:p>
         </p:txBody>
       </p:sp>
@@ -13823,7 +13719,14 @@
         <p:cNvGrpSpPr/>
         <p:nvPr/>
       </p:nvGrpSpPr>
-      <p:grpSpPr/>
+      <p:grpSpPr>
+        <a:xfrm>
+          <a:off x="0" y="0"/>
+          <a:ext cx="0" cy="0"/>
+          <a:chOff x="0" y="0"/>
+          <a:chExt cx="0" cy="0"/>
+        </a:xfrm>
+      </p:grpSpPr>
       <p:sp>
         <p:nvSpPr>
           <p:cNvPr id="3" name="内容占位符 2"/>
@@ -13837,6 +13740,7 @@
         <p:spPr/>
         <p:txBody>
           <a:bodyPr/>
+          <a:lstStyle/>
           <a:p>
             <a:r>
               <a:rPr lang="en-US" altLang="zh-CN" dirty="0"/>
@@ -13846,7 +13750,6 @@
               <a:rPr lang="zh-CN" altLang="en-US" dirty="0"/>
               <a:t>功能封装</a:t>
             </a:r>
-            <a:endParaRPr lang="zh-CN" altLang="en-US" dirty="0"/>
           </a:p>
           <a:p>
             <a:endParaRPr lang="zh-CN" altLang="en-US"/>
@@ -13873,6 +13776,7 @@
           <a:bodyPr wrap="none" rtlCol="0" anchor="t">
             <a:spAutoFit/>
           </a:bodyPr>
+          <a:lstStyle/>
           <a:p>
             <a:r>
               <a:rPr lang="en-US" altLang="zh-CN">
@@ -13882,11 +13786,6 @@
               </a:rPr>
               <a:t>6.html</a:t>
             </a:r>
-            <a:endParaRPr lang="en-US" altLang="zh-CN">
-              <a:latin typeface="微软雅黑" panose="020B0503020204020204" pitchFamily="34" charset="-122"/>
-              <a:ea typeface="微软雅黑" panose="020B0503020204020204" pitchFamily="34" charset="-122"/>
-              <a:sym typeface="+mn-ea"/>
-            </a:endParaRPr>
           </a:p>
         </p:txBody>
       </p:sp>
@@ -13899,7 +13798,7 @@
           <p:nvPr/>
         </p:nvPicPr>
         <p:blipFill>
-          <a:blip r:embed="rId1"/>
+          <a:blip r:embed="rId3"/>
           <a:stretch>
             <a:fillRect/>
           </a:stretch>
@@ -13939,7 +13838,14 @@
         <p:cNvGrpSpPr/>
         <p:nvPr/>
       </p:nvGrpSpPr>
-      <p:grpSpPr/>
+      <p:grpSpPr>
+        <a:xfrm>
+          <a:off x="0" y="0"/>
+          <a:ext cx="0" cy="0"/>
+          <a:chOff x="0" y="0"/>
+          <a:chExt cx="0" cy="0"/>
+        </a:xfrm>
+      </p:grpSpPr>
       <p:sp>
         <p:nvSpPr>
           <p:cNvPr id="2" name="内容占位符 1"/>
@@ -13958,6 +13864,7 @@
         </p:spPr>
         <p:txBody>
           <a:bodyPr/>
+          <a:lstStyle/>
           <a:p>
             <a:r>
               <a:rPr lang="en-US" altLang="zh-CN"/>
@@ -13967,7 +13874,6 @@
               <a:rPr lang="zh-CN" altLang="en-US"/>
               <a:t>构造函数与普通函数的区别</a:t>
             </a:r>
-            <a:endParaRPr lang="zh-CN" altLang="en-US"/>
           </a:p>
           <a:p>
             <a:pPr lvl="1"/>
@@ -13977,6 +13883,112 @@
                 <a:sym typeface="+mn-ea"/>
               </a:rPr>
               <a:t> 名字  返回值  调用形式</a:t>
+            </a:r>
+          </a:p>
+          <a:p>
+            <a:pPr lvl="0"/>
+            <a:r>
+              <a:rPr lang="zh-CN" altLang="en-US">
+                <a:ea typeface="微软雅黑" panose="020B0503020204020204" pitchFamily="34" charset="-122"/>
+                <a:sym typeface="+mn-ea"/>
+              </a:rPr>
+              <a:t> </a:t>
+            </a:r>
+            <a:r>
+              <a:rPr lang="en-US" altLang="zh-CN">
+                <a:ea typeface="微软雅黑" panose="020B0503020204020204" pitchFamily="34" charset="-122"/>
+                <a:sym typeface="+mn-ea"/>
+              </a:rPr>
+              <a:t>prototype</a:t>
+            </a:r>
+            <a:r>
+              <a:rPr lang="zh-CN" altLang="en-US">
+                <a:ea typeface="微软雅黑" panose="020B0503020204020204" pitchFamily="34" charset="-122"/>
+                <a:sym typeface="+mn-ea"/>
+              </a:rPr>
+              <a:t>、</a:t>
+            </a:r>
+            <a:r>
+              <a:rPr lang="en-US" altLang="zh-CN">
+                <a:ea typeface="微软雅黑" panose="020B0503020204020204" pitchFamily="34" charset="-122"/>
+                <a:sym typeface="+mn-ea"/>
+              </a:rPr>
+              <a:t>__proto__</a:t>
+            </a:r>
+            <a:r>
+              <a:rPr lang="zh-CN" altLang="en-US">
+                <a:ea typeface="微软雅黑" panose="020B0503020204020204" pitchFamily="34" charset="-122"/>
+                <a:sym typeface="+mn-ea"/>
+              </a:rPr>
+              <a:t>、</a:t>
+            </a:r>
+            <a:r>
+              <a:rPr lang="en-US" altLang="zh-CN">
+                <a:ea typeface="微软雅黑" panose="020B0503020204020204" pitchFamily="34" charset="-122"/>
+                <a:sym typeface="+mn-ea"/>
+              </a:rPr>
+              <a:t>constructor</a:t>
+            </a:r>
+            <a:r>
+              <a:rPr lang="zh-CN" altLang="en-US">
+                <a:ea typeface="微软雅黑" panose="020B0503020204020204" pitchFamily="34" charset="-122"/>
+                <a:sym typeface="+mn-ea"/>
+              </a:rPr>
+              <a:t>的含义和关系</a:t>
+            </a:r>
+          </a:p>
+          <a:p>
+            <a:pPr lvl="1"/>
+            <a:r>
+              <a:rPr lang="zh-CN" altLang="en-US">
+                <a:ea typeface="微软雅黑" panose="020B0503020204020204" pitchFamily="34" charset="-122"/>
+                <a:sym typeface="+mn-ea"/>
+              </a:rPr>
+              <a:t> </a:t>
+            </a:r>
+            <a:r>
+              <a:rPr lang="en-US" altLang="zh-CN">
+                <a:ea typeface="微软雅黑" panose="020B0503020204020204" pitchFamily="34" charset="-122"/>
+                <a:sym typeface="+mn-ea"/>
+              </a:rPr>
+              <a:t>Fun.prototype === fun.__proto__</a:t>
+            </a:r>
+          </a:p>
+          <a:p>
+            <a:pPr lvl="1"/>
+            <a:r>
+              <a:rPr lang="en-US" altLang="zh-CN">
+                <a:ea typeface="微软雅黑" panose="020B0503020204020204" pitchFamily="34" charset="-122"/>
+                <a:sym typeface="+mn-ea"/>
+              </a:rPr>
+              <a:t> Fun.prototype.constructor === Fun</a:t>
+            </a:r>
+          </a:p>
+          <a:p>
+            <a:pPr lvl="0"/>
+            <a:r>
+              <a:rPr lang="en-US" altLang="zh-CN">
+                <a:ea typeface="微软雅黑" panose="020B0503020204020204" pitchFamily="34" charset="-122"/>
+                <a:sym typeface="+mn-ea"/>
+              </a:rPr>
+              <a:t> </a:t>
+            </a:r>
+            <a:r>
+              <a:rPr lang="zh-CN" altLang="en-US">
+                <a:ea typeface="微软雅黑" panose="020B0503020204020204" pitchFamily="34" charset="-122"/>
+                <a:sym typeface="+mn-ea"/>
+              </a:rPr>
+              <a:t>属性分类</a:t>
+            </a:r>
+          </a:p>
+          <a:p>
+            <a:pPr lvl="1"/>
+            <a:r>
+              <a:rPr lang="zh-CN" altLang="en-US" sz="2400">
+                <a:ea typeface="微软雅黑" panose="020B0503020204020204" pitchFamily="34" charset="-122"/>
+                <a:sym typeface="+mn-ea"/>
+              </a:rPr>
+              <a:t> 静态属性、实例属性、原型属性</a:t>
             </a:r>
             <a:endParaRPr lang="zh-CN" altLang="en-US">
               <a:ea typeface="微软雅黑" panose="020B0503020204020204" pitchFamily="34" charset="-122"/>
@@ -13997,145 +14009,15 @@
                 <a:ea typeface="微软雅黑" panose="020B0503020204020204" pitchFamily="34" charset="-122"/>
                 <a:sym typeface="+mn-ea"/>
               </a:rPr>
-              <a:t>prototype</a:t>
+              <a:t>new </a:t>
             </a:r>
             <a:r>
               <a:rPr lang="zh-CN" altLang="en-US">
                 <a:ea typeface="微软雅黑" panose="020B0503020204020204" pitchFamily="34" charset="-122"/>
                 <a:sym typeface="+mn-ea"/>
               </a:rPr>
-              <a:t>、</a:t>
-            </a:r>
-            <a:r>
-              <a:rPr lang="en-US" altLang="zh-CN">
-                <a:ea typeface="微软雅黑" panose="020B0503020204020204" pitchFamily="34" charset="-122"/>
-                <a:sym typeface="+mn-ea"/>
-              </a:rPr>
-              <a:t>__proto__</a:t>
-            </a:r>
-            <a:r>
-              <a:rPr lang="zh-CN" altLang="en-US">
-                <a:ea typeface="微软雅黑" panose="020B0503020204020204" pitchFamily="34" charset="-122"/>
-                <a:sym typeface="+mn-ea"/>
-              </a:rPr>
-              <a:t>、</a:t>
-            </a:r>
-            <a:r>
-              <a:rPr lang="en-US" altLang="zh-CN">
-                <a:ea typeface="微软雅黑" panose="020B0503020204020204" pitchFamily="34" charset="-122"/>
-                <a:sym typeface="+mn-ea"/>
-              </a:rPr>
-              <a:t>constructor</a:t>
-            </a:r>
-            <a:r>
-              <a:rPr lang="zh-CN" altLang="en-US">
-                <a:ea typeface="微软雅黑" panose="020B0503020204020204" pitchFamily="34" charset="-122"/>
-                <a:sym typeface="+mn-ea"/>
-              </a:rPr>
-              <a:t>的含义和关系</a:t>
-            </a:r>
-            <a:endParaRPr lang="zh-CN" altLang="en-US">
-              <a:ea typeface="微软雅黑" panose="020B0503020204020204" pitchFamily="34" charset="-122"/>
-              <a:sym typeface="+mn-ea"/>
-            </a:endParaRPr>
-          </a:p>
-          <a:p>
-            <a:pPr lvl="1"/>
-            <a:r>
-              <a:rPr lang="zh-CN" altLang="en-US">
-                <a:ea typeface="微软雅黑" panose="020B0503020204020204" pitchFamily="34" charset="-122"/>
-                <a:sym typeface="+mn-ea"/>
-              </a:rPr>
-              <a:t> </a:t>
-            </a:r>
-            <a:r>
-              <a:rPr lang="en-US" altLang="zh-CN">
-                <a:ea typeface="微软雅黑" panose="020B0503020204020204" pitchFamily="34" charset="-122"/>
-                <a:sym typeface="+mn-ea"/>
-              </a:rPr>
-              <a:t>Fun.prototype === fun.__proto__</a:t>
-            </a:r>
-            <a:endParaRPr lang="en-US" altLang="zh-CN">
-              <a:ea typeface="微软雅黑" panose="020B0503020204020204" pitchFamily="34" charset="-122"/>
-              <a:sym typeface="+mn-ea"/>
-            </a:endParaRPr>
-          </a:p>
-          <a:p>
-            <a:pPr lvl="1"/>
-            <a:r>
-              <a:rPr lang="en-US" altLang="zh-CN">
-                <a:ea typeface="微软雅黑" panose="020B0503020204020204" pitchFamily="34" charset="-122"/>
-                <a:sym typeface="+mn-ea"/>
-              </a:rPr>
-              <a:t> Fun.prototype.constructor === Fun</a:t>
-            </a:r>
-            <a:endParaRPr lang="en-US" altLang="zh-CN">
-              <a:ea typeface="微软雅黑" panose="020B0503020204020204" pitchFamily="34" charset="-122"/>
-              <a:sym typeface="+mn-ea"/>
-            </a:endParaRPr>
-          </a:p>
-          <a:p>
-            <a:pPr lvl="0"/>
-            <a:r>
-              <a:rPr lang="en-US" altLang="zh-CN">
-                <a:ea typeface="微软雅黑" panose="020B0503020204020204" pitchFamily="34" charset="-122"/>
-                <a:sym typeface="+mn-ea"/>
-              </a:rPr>
-              <a:t> </a:t>
-            </a:r>
-            <a:r>
-              <a:rPr lang="zh-CN" altLang="en-US">
-                <a:ea typeface="微软雅黑" panose="020B0503020204020204" pitchFamily="34" charset="-122"/>
-                <a:sym typeface="+mn-ea"/>
-              </a:rPr>
-              <a:t>属性分类</a:t>
-            </a:r>
-            <a:endParaRPr lang="zh-CN" altLang="en-US">
-              <a:ea typeface="微软雅黑" panose="020B0503020204020204" pitchFamily="34" charset="-122"/>
-              <a:sym typeface="+mn-ea"/>
-            </a:endParaRPr>
-          </a:p>
-          <a:p>
-            <a:pPr lvl="1"/>
-            <a:r>
-              <a:rPr lang="zh-CN" altLang="en-US" sz="2400">
-                <a:ea typeface="微软雅黑" panose="020B0503020204020204" pitchFamily="34" charset="-122"/>
-                <a:sym typeface="+mn-ea"/>
-              </a:rPr>
-              <a:t> 静态属性、实例属性、原型属性</a:t>
-            </a:r>
-            <a:endParaRPr lang="zh-CN" altLang="en-US">
-              <a:ea typeface="微软雅黑" panose="020B0503020204020204" pitchFamily="34" charset="-122"/>
-              <a:sym typeface="+mn-ea"/>
-            </a:endParaRPr>
-          </a:p>
-          <a:p>
-            <a:pPr lvl="0"/>
-            <a:r>
-              <a:rPr lang="zh-CN" altLang="en-US">
-                <a:ea typeface="微软雅黑" panose="020B0503020204020204" pitchFamily="34" charset="-122"/>
-                <a:sym typeface="+mn-ea"/>
-              </a:rPr>
-              <a:t> </a:t>
-            </a:r>
-            <a:r>
-              <a:rPr lang="en-US" altLang="zh-CN">
-                <a:ea typeface="微软雅黑" panose="020B0503020204020204" pitchFamily="34" charset="-122"/>
-                <a:sym typeface="+mn-ea"/>
-              </a:rPr>
-              <a:t>new </a:t>
-            </a:r>
-            <a:r>
-              <a:rPr lang="zh-CN" altLang="en-US">
-                <a:ea typeface="微软雅黑" panose="020B0503020204020204" pitchFamily="34" charset="-122"/>
-                <a:sym typeface="+mn-ea"/>
-              </a:rPr>
               <a:t>运算符的功能</a:t>
             </a:r>
-            <a:endParaRPr lang="zh-CN" altLang="en-US">
-              <a:ea typeface="微软雅黑" panose="020B0503020204020204" pitchFamily="34" charset="-122"/>
-              <a:sym typeface="+mn-ea"/>
-            </a:endParaRPr>
           </a:p>
         </p:txBody>
       </p:sp>
@@ -14152,12 +14034,12 @@
         <p:spPr/>
         <p:txBody>
           <a:bodyPr/>
+          <a:lstStyle/>
           <a:p>
             <a:r>
               <a:rPr lang="zh-CN" altLang="en-US"/>
               <a:t>总结</a:t>
             </a:r>
-            <a:endParaRPr lang="zh-CN" altLang="en-US"/>
           </a:p>
         </p:txBody>
       </p:sp>
@@ -14166,13 +14048,6 @@
   <p:clrMapOvr>
     <a:masterClrMapping/>
   </p:clrMapOvr>
-  <p:timing>
-    <p:tnLst>
-      <p:par>
-        <p:cTn id="1" dur="indefinite" restart="never" nodeType="tmRoot"/>
-      </p:par>
-    </p:tnLst>
-  </p:timing>
 </p:sld>
 </file>
 
@@ -14185,7 +14060,14 @@
         <p:cNvGrpSpPr/>
         <p:nvPr/>
       </p:nvGrpSpPr>
-      <p:grpSpPr/>
+      <p:grpSpPr>
+        <a:xfrm>
+          <a:off x="0" y="0"/>
+          <a:ext cx="0" cy="0"/>
+          <a:chOff x="0" y="0"/>
+          <a:chExt cx="0" cy="0"/>
+        </a:xfrm>
+      </p:grpSpPr>
       <p:sp>
         <p:nvSpPr>
           <p:cNvPr id="2" name="内容占位符 1"/>
@@ -14199,6 +14081,7 @@
         <p:spPr/>
         <p:txBody>
           <a:bodyPr/>
+          <a:lstStyle/>
           <a:p>
             <a:r>
               <a:rPr lang="en-US" altLang="zh-CN" sz="2800">
@@ -14250,17 +14133,8 @@
               <a:rPr lang="zh-CN" altLang="en-US">
                 <a:sym typeface="+mn-ea"/>
               </a:rPr>
-              <a:t>章相关内容</a:t>
-            </a:r>
-            <a:r>
-              <a:rPr lang="zh-CN" altLang="en-US">
-                <a:sym typeface="+mn-ea"/>
-              </a:rPr>
-              <a:t> </a:t>
-            </a:r>
-            <a:endParaRPr lang="zh-CN" altLang="en-US">
-              <a:sym typeface="+mn-ea"/>
-            </a:endParaRPr>
+              <a:t>章相关内容 </a:t>
+            </a:r>
           </a:p>
           <a:p>
             <a:pPr lvl="0"/>
@@ -14322,9 +14196,10 @@
         <p:spPr/>
         <p:txBody>
           <a:bodyPr/>
-          <a:p>
-            <a:r>
-              <a:rPr lang="zh-CN" dirty="0" smtClean="0">
+          <a:lstStyle/>
+          <a:p>
+            <a:r>
+              <a:rPr lang="zh-CN" dirty="0">
                 <a:sym typeface="+mn-ea"/>
               </a:rPr>
               <a:t>任务</a:t>
@@ -14370,7 +14245,7 @@
           <p:nvPr/>
         </p:nvPicPr>
         <p:blipFill>
-          <a:blip r:embed="rId1">
+          <a:blip r:embed="rId2">
             <a:extLst>
               <a:ext uri="{28A0092B-C50C-407E-A947-70E740481C1C}">
                 <a14:useLocalDpi xmlns:a14="http://schemas.microsoft.com/office/drawing/2010/main" val="0"/>
@@ -14488,7 +14363,7 @@
           <p:nvPr/>
         </p:nvPicPr>
         <p:blipFill>
-          <a:blip r:embed="rId2">
+          <a:blip r:embed="rId3">
             <a:extLst>
               <a:ext uri="{28A0092B-C50C-407E-A947-70E740481C1C}">
                 <a14:useLocalDpi xmlns:a14="http://schemas.microsoft.com/office/drawing/2010/main" val="0"/>
@@ -14917,12 +14792,6 @@
               </a:rPr>
               <a:t>内容提纲</a:t>
             </a:r>
-            <a:endParaRPr lang="zh-CN" altLang="en-US">
-              <a:solidFill>
-                <a:srgbClr val="C00000"/>
-              </a:solidFill>
-              <a:latin typeface="微软雅黑" panose="020B0503020204020204" pitchFamily="34" charset="-122"/>
-            </a:endParaRPr>
           </a:p>
         </p:txBody>
       </p:sp>
@@ -14943,7 +14812,14 @@
         <p:cNvGrpSpPr/>
         <p:nvPr/>
       </p:nvGrpSpPr>
-      <p:grpSpPr/>
+      <p:grpSpPr>
+        <a:xfrm>
+          <a:off x="0" y="0"/>
+          <a:ext cx="0" cy="0"/>
+          <a:chOff x="0" y="0"/>
+          <a:chExt cx="0" cy="0"/>
+        </a:xfrm>
+      </p:grpSpPr>
       <p:sp>
         <p:nvSpPr>
           <p:cNvPr id="2" name="内容占位符 1"/>
@@ -14957,6 +14833,7 @@
         <p:spPr/>
         <p:txBody>
           <a:bodyPr/>
+          <a:lstStyle/>
           <a:p>
             <a:r>
               <a:rPr lang="en-US" altLang="zh-CN"/>
@@ -14982,11 +14859,6 @@
               </a:rPr>
               <a:t>构造函数的首字母必须大写，用来区分于普通函数</a:t>
             </a:r>
-            <a:endParaRPr lang="en-US" altLang="zh-CN">
-              <a:solidFill>
-                <a:schemeClr val="tx1"/>
-              </a:solidFill>
-            </a:endParaRPr>
           </a:p>
           <a:p>
             <a:pPr lvl="1"/>
@@ -14998,11 +14870,6 @@
               </a:rPr>
               <a:t> 内部使用的 this 对象，来指向即将要生成的实例对象</a:t>
             </a:r>
-            <a:endParaRPr lang="en-US" altLang="zh-CN">
-              <a:solidFill>
-                <a:schemeClr val="tx1"/>
-              </a:solidFill>
-            </a:endParaRPr>
           </a:p>
           <a:p>
             <a:pPr lvl="1"/>
@@ -15043,9 +14910,10 @@
         <p:spPr/>
         <p:txBody>
           <a:bodyPr/>
-          <a:p>
-            <a:r>
-              <a:rPr lang="zh-CN" dirty="0" smtClean="0">
+          <a:lstStyle/>
+          <a:p>
+            <a:r>
+              <a:rPr lang="zh-CN" dirty="0">
                 <a:sym typeface="+mn-ea"/>
               </a:rPr>
               <a:t>构造函数</a:t>
@@ -15063,7 +14931,7 @@
           <p:nvPr/>
         </p:nvPicPr>
         <p:blipFill>
-          <a:blip r:embed="rId1"/>
+          <a:blip r:embed="rId2"/>
           <a:stretch>
             <a:fillRect/>
           </a:stretch>
@@ -15103,7 +14971,14 @@
         <p:cNvGrpSpPr/>
         <p:nvPr/>
       </p:nvGrpSpPr>
-      <p:grpSpPr/>
+      <p:grpSpPr>
+        <a:xfrm>
+          <a:off x="0" y="0"/>
+          <a:ext cx="0" cy="0"/>
+          <a:chOff x="0" y="0"/>
+          <a:chExt cx="0" cy="0"/>
+        </a:xfrm>
+      </p:grpSpPr>
       <p:sp>
         <p:nvSpPr>
           <p:cNvPr id="2" name="内容占位符 1"/>
@@ -15122,6 +14997,7 @@
         </p:spPr>
         <p:txBody>
           <a:bodyPr/>
+          <a:lstStyle/>
           <a:p>
             <a:r>
               <a:rPr lang="en-US" altLang="zh-CN"/>
@@ -15152,12 +15028,6 @@
               </a:rPr>
               <a:t>实例化即创建一个实例对象，分配内存</a:t>
             </a:r>
-            <a:endParaRPr lang="zh-CN" altLang="en-US">
-              <a:solidFill>
-                <a:schemeClr val="tx1"/>
-              </a:solidFill>
-              <a:sym typeface="+mn-ea"/>
-            </a:endParaRPr>
           </a:p>
           <a:p>
             <a:pPr lvl="1"/>
@@ -15168,52 +15038,7 @@
                 </a:solidFill>
                 <a:sym typeface="+mn-ea"/>
               </a:rPr>
-              <a:t> </a:t>
-            </a:r>
-            <a:r>
-              <a:rPr lang="zh-CN" altLang="en-US">
-                <a:solidFill>
-                  <a:schemeClr val="tx1"/>
-                </a:solidFill>
-                <a:sym typeface="+mn-ea"/>
-              </a:rPr>
-              <a:t>执行</a:t>
-            </a:r>
-            <a:r>
-              <a:rPr lang="zh-CN" altLang="en-US">
-                <a:solidFill>
-                  <a:schemeClr val="tx1"/>
-                </a:solidFill>
-                <a:sym typeface="+mn-ea"/>
-              </a:rPr>
-              <a:t>构造函数即对</a:t>
-            </a:r>
-            <a:r>
-              <a:rPr lang="zh-CN" altLang="en-US">
-                <a:solidFill>
-                  <a:schemeClr val="tx1"/>
-                </a:solidFill>
-                <a:sym typeface="+mn-ea"/>
-              </a:rPr>
-              <a:t>分配的内存</a:t>
-            </a:r>
-            <a:r>
-              <a:rPr lang="zh-CN" altLang="en-US">
-                <a:solidFill>
-                  <a:schemeClr val="tx1"/>
-                </a:solidFill>
-                <a:sym typeface="+mn-ea"/>
-              </a:rPr>
-              <a:t>空间</a:t>
-            </a:r>
-            <a:r>
-              <a:rPr lang="zh-CN" altLang="en-US">
-                <a:solidFill>
-                  <a:schemeClr val="tx1"/>
-                </a:solidFill>
-                <a:sym typeface="+mn-ea"/>
-              </a:rPr>
-              <a:t>进行初始化</a:t>
+              <a:t> 执行构造函数即对分配的内存空间进行初始化</a:t>
             </a:r>
             <a:endParaRPr lang="zh-CN" altLang="en-US"/>
           </a:p>
@@ -15235,12 +15060,12 @@
         <p:spPr/>
         <p:txBody>
           <a:bodyPr/>
+          <a:lstStyle/>
           <a:p>
             <a:r>
               <a:rPr lang="zh-CN" altLang="en-US"/>
               <a:t>实例化与内存</a:t>
             </a:r>
-            <a:endParaRPr lang="zh-CN" altLang="en-US"/>
           </a:p>
         </p:txBody>
       </p:sp>
@@ -15253,7 +15078,7 @@
           <p:nvPr/>
         </p:nvPicPr>
         <p:blipFill>
-          <a:blip r:embed="rId1"/>
+          <a:blip r:embed="rId4"/>
           <a:stretch>
             <a:fillRect/>
           </a:stretch>
@@ -15296,6 +15121,7 @@
           <a:bodyPr wrap="none" rtlCol="0" anchor="t">
             <a:spAutoFit/>
           </a:bodyPr>
+          <a:lstStyle/>
           <a:p>
             <a:r>
               <a:rPr lang="en-US" altLang="zh-CN">
@@ -15305,11 +15131,6 @@
               </a:rPr>
               <a:t>1.html</a:t>
             </a:r>
-            <a:endParaRPr lang="en-US" altLang="zh-CN">
-              <a:latin typeface="微软雅黑" panose="020B0503020204020204" pitchFamily="34" charset="-122"/>
-              <a:ea typeface="微软雅黑" panose="020B0503020204020204" pitchFamily="34" charset="-122"/>
-              <a:sym typeface="+mn-ea"/>
-            </a:endParaRPr>
           </a:p>
         </p:txBody>
       </p:sp>
@@ -15321,12 +15142,12 @@
           </p:cNvPicPr>
           <p:nvPr>
             <p:custDataLst>
-              <p:tags r:id="rId2"/>
+              <p:tags r:id="rId1"/>
             </p:custDataLst>
           </p:nvPr>
         </p:nvPicPr>
         <p:blipFill>
-          <a:blip r:embed="rId3"/>
+          <a:blip r:embed="rId5"/>
           <a:stretch>
             <a:fillRect/>
           </a:stretch>
@@ -15364,7 +15185,7 @@
             <p:nvPr/>
           </p:nvPicPr>
           <p:blipFill>
-            <a:blip r:embed="rId4"/>
+            <a:blip r:embed="rId6"/>
             <a:stretch>
               <a:fillRect/>
             </a:stretch>
@@ -15388,7 +15209,7 @@
             <p:nvPr/>
           </p:nvPicPr>
           <p:blipFill>
-            <a:blip r:embed="rId5"/>
+            <a:blip r:embed="rId7"/>
             <a:stretch>
               <a:fillRect/>
             </a:stretch>
@@ -15643,7 +15464,14 @@
         <p:cNvGrpSpPr/>
         <p:nvPr/>
       </p:nvGrpSpPr>
-      <p:grpSpPr/>
+      <p:grpSpPr>
+        <a:xfrm>
+          <a:off x="0" y="0"/>
+          <a:ext cx="0" cy="0"/>
+          <a:chOff x="0" y="0"/>
+          <a:chExt cx="0" cy="0"/>
+        </a:xfrm>
+      </p:grpSpPr>
       <p:sp>
         <p:nvSpPr>
           <p:cNvPr id="2" name="内容占位符 1"/>
@@ -15662,6 +15490,7 @@
         </p:spPr>
         <p:txBody>
           <a:bodyPr/>
+          <a:lstStyle/>
           <a:p>
             <a:r>
               <a:rPr lang="en-US" altLang="zh-CN"/>
@@ -15677,9 +15506,6 @@
               </a:rPr>
               <a:t>函数返回值</a:t>
             </a:r>
-            <a:endParaRPr lang="zh-CN" altLang="en-US">
-              <a:sym typeface="+mn-ea"/>
-            </a:endParaRPr>
           </a:p>
           <a:p>
             <a:endParaRPr lang="zh-CN" altLang="en-US">
@@ -15718,14 +15544,6 @@
               </a:rPr>
               <a:t> 没有 return 语句，默认返回 undefined</a:t>
             </a:r>
-            <a:endParaRPr lang="zh-CN">
-              <a:solidFill>
-                <a:srgbClr val="333333"/>
-              </a:solidFill>
-              <a:latin typeface="微软雅黑" panose="020B0503020204020204" pitchFamily="34" charset="-122"/>
-              <a:cs typeface="微软雅黑" panose="020B0503020204020204" pitchFamily="34" charset="-122"/>
-              <a:sym typeface="+mn-ea"/>
-            </a:endParaRPr>
           </a:p>
           <a:p>
             <a:pPr lvl="1"/>
@@ -15738,18 +15556,7 @@
                 <a:cs typeface="微软雅黑" panose="020B0503020204020204" pitchFamily="34" charset="-122"/>
                 <a:sym typeface="+mn-ea"/>
               </a:rPr>
-              <a:t> 有 return 语句，则</a:t>
-            </a:r>
-            <a:r>
-              <a:rPr lang="zh-CN">
-                <a:solidFill>
-                  <a:srgbClr val="333333"/>
-                </a:solidFill>
-                <a:latin typeface="微软雅黑" panose="020B0503020204020204" pitchFamily="34" charset="-122"/>
-                <a:cs typeface="微软雅黑" panose="020B0503020204020204" pitchFamily="34" charset="-122"/>
-                <a:sym typeface="+mn-ea"/>
-              </a:rPr>
-              <a:t>返回 return 后面表达式的值</a:t>
+              <a:t> 有 return 语句，则返回 return 后面表达式的值</a:t>
             </a:r>
             <a:endParaRPr lang="zh-CN" altLang="en-US"/>
           </a:p>
@@ -15771,6 +15578,7 @@
         <p:spPr/>
         <p:txBody>
           <a:bodyPr/>
+          <a:lstStyle/>
           <a:p>
             <a:r>
               <a:rPr lang="zh-CN" altLang="en-US">
@@ -15805,7 +15613,7 @@
             <p:nvPr/>
           </p:nvPicPr>
           <p:blipFill>
-            <a:blip r:embed="rId1" cstate="print">
+            <a:blip r:embed="rId3" cstate="print">
               <a:extLst>
                 <a:ext uri="{28A0092B-C50C-407E-A947-70E740481C1C}">
                   <a14:useLocalDpi xmlns:a14="http://schemas.microsoft.com/office/drawing/2010/main" val="0"/>
@@ -15841,7 +15649,7 @@
             <p:nvPr/>
           </p:nvPicPr>
           <p:blipFill>
-            <a:blip r:embed="rId2" cstate="print">
+            <a:blip r:embed="rId4" cstate="print">
               <a:extLst>
                 <a:ext uri="{28A0092B-C50C-407E-A947-70E740481C1C}">
                   <a14:useLocalDpi xmlns:a14="http://schemas.microsoft.com/office/drawing/2010/main" val="0"/>
@@ -15877,7 +15685,7 @@
             <p:nvPr/>
           </p:nvPicPr>
           <p:blipFill>
-            <a:blip r:embed="rId3" cstate="print">
+            <a:blip r:embed="rId5" cstate="print">
               <a:extLst>
                 <a:ext uri="{28A0092B-C50C-407E-A947-70E740481C1C}">
                   <a14:useLocalDpi xmlns:a14="http://schemas.microsoft.com/office/drawing/2010/main" val="0"/>
@@ -15910,13 +15718,6 @@
   <p:clrMapOvr>
     <a:masterClrMapping/>
   </p:clrMapOvr>
-  <p:timing>
-    <p:tnLst>
-      <p:par>
-        <p:cTn id="1" dur="indefinite" restart="never" nodeType="tmRoot"/>
-      </p:par>
-    </p:tnLst>
-  </p:timing>
 </p:sld>
 </file>
 
@@ -15929,7 +15730,14 @@
         <p:cNvGrpSpPr/>
         <p:nvPr/>
       </p:nvGrpSpPr>
-      <p:grpSpPr/>
+      <p:grpSpPr>
+        <a:xfrm>
+          <a:off x="0" y="0"/>
+          <a:ext cx="0" cy="0"/>
+          <a:chOff x="0" y="0"/>
+          <a:chExt cx="0" cy="0"/>
+        </a:xfrm>
+      </p:grpSpPr>
       <p:sp>
         <p:nvSpPr>
           <p:cNvPr id="2" name="内容占位符 1"/>
@@ -15948,6 +15756,7 @@
         </p:spPr>
         <p:txBody>
           <a:bodyPr/>
+          <a:lstStyle/>
           <a:p>
             <a:r>
               <a:rPr lang="en-US" altLang="zh-CN">
@@ -16047,14 +15856,6 @@
               </a:rPr>
               <a:t>返回 this，即实例对象</a:t>
             </a:r>
-            <a:endParaRPr lang="zh-CN" sz="2400">
-              <a:solidFill>
-                <a:srgbClr val="333333"/>
-              </a:solidFill>
-              <a:latin typeface="微软雅黑" panose="020B0503020204020204" pitchFamily="34" charset="-122"/>
-              <a:cs typeface="微软雅黑" panose="020B0503020204020204" pitchFamily="34" charset="-122"/>
-              <a:sym typeface="+mn-ea"/>
-            </a:endParaRPr>
           </a:p>
           <a:p>
             <a:pPr lvl="1"/>
@@ -16140,14 +15941,6 @@
               </a:rPr>
               <a:t>return 的值，依然返回 this 对象</a:t>
             </a:r>
-            <a:endParaRPr lang="zh-CN" sz="2400">
-              <a:solidFill>
-                <a:srgbClr val="333333"/>
-              </a:solidFill>
-              <a:latin typeface="微软雅黑" panose="020B0503020204020204" pitchFamily="34" charset="-122"/>
-              <a:cs typeface="微软雅黑" panose="020B0503020204020204" pitchFamily="34" charset="-122"/>
-              <a:sym typeface="+mn-ea"/>
-            </a:endParaRPr>
           </a:p>
           <a:p>
             <a:pPr lvl="1"/>
@@ -16160,18 +15953,7 @@
                 <a:cs typeface="微软雅黑" panose="020B0503020204020204" pitchFamily="34" charset="-122"/>
                 <a:sym typeface="+mn-ea"/>
               </a:rPr>
-              <a:t> </a:t>
-            </a:r>
-            <a:r>
-              <a:rPr lang="zh-CN" sz="2400">
-                <a:solidFill>
-                  <a:srgbClr val="333333"/>
-                </a:solidFill>
-                <a:latin typeface="微软雅黑" panose="020B0503020204020204" pitchFamily="34" charset="-122"/>
-                <a:cs typeface="微软雅黑" panose="020B0503020204020204" pitchFamily="34" charset="-122"/>
-                <a:sym typeface="+mn-ea"/>
-              </a:rPr>
-              <a:t>有 </a:t>
+              <a:t> 有 </a:t>
             </a:r>
             <a:r>
               <a:rPr lang="en-US" sz="2400">
@@ -16272,6 +16054,7 @@
         <p:spPr/>
         <p:txBody>
           <a:bodyPr/>
+          <a:lstStyle/>
           <a:p>
             <a:r>
               <a:rPr lang="zh-CN" altLang="en-US">
@@ -16292,7 +16075,7 @@
           <p:nvPr/>
         </p:nvPicPr>
         <p:blipFill>
-          <a:blip r:embed="rId1"/>
+          <a:blip r:embed="rId3"/>
           <a:srcRect b="19110"/>
           <a:stretch>
             <a:fillRect/>
@@ -16317,7 +16100,7 @@
           <p:nvPr/>
         </p:nvPicPr>
         <p:blipFill>
-          <a:blip r:embed="rId1"/>
+          <a:blip r:embed="rId3"/>
           <a:srcRect t="80263"/>
           <a:stretch>
             <a:fillRect/>
@@ -16353,6 +16136,7 @@
           <a:bodyPr wrap="none" rtlCol="0" anchor="t">
             <a:spAutoFit/>
           </a:bodyPr>
+          <a:lstStyle/>
           <a:p>
             <a:r>
               <a:rPr lang="en-US" altLang="zh-CN">
@@ -16362,11 +16146,6 @@
               </a:rPr>
               <a:t>2.html</a:t>
             </a:r>
-            <a:endParaRPr lang="en-US" altLang="zh-CN">
-              <a:latin typeface="微软雅黑" panose="020B0503020204020204" pitchFamily="34" charset="-122"/>
-              <a:ea typeface="微软雅黑" panose="020B0503020204020204" pitchFamily="34" charset="-122"/>
-              <a:sym typeface="+mn-ea"/>
-            </a:endParaRPr>
           </a:p>
         </p:txBody>
       </p:sp>
@@ -16766,10 +16545,6 @@
               </a:rPr>
               <a:t>构造函数三要素</a:t>
             </a:r>
-            <a:endParaRPr lang="zh-CN" altLang="en-US" sz="2800" b="1" dirty="0">
-              <a:latin typeface="微软雅黑" panose="020B0503020204020204" pitchFamily="34" charset="-122"/>
-              <a:ea typeface="微软雅黑" panose="020B0503020204020204" pitchFamily="34" charset="-122"/>
-            </a:endParaRPr>
           </a:p>
           <a:p>
             <a:pPr marL="457200" indent="-457200" algn="l" eaLnBrk="0" hangingPunct="0">
@@ -16794,6 +16569,36 @@
                 <a:ea typeface="微软雅黑" panose="020B0503020204020204" pitchFamily="34" charset="-122"/>
               </a:rPr>
               <a:t>prototype/__proto__</a:t>
+            </a:r>
+            <a:r>
+              <a:rPr lang="zh-CN" altLang="en-US" sz="2800" b="1" dirty="0">
+                <a:solidFill>
+                  <a:srgbClr val="FF0000"/>
+                </a:solidFill>
+                <a:latin typeface="微软雅黑" panose="020B0503020204020204" pitchFamily="34" charset="-122"/>
+                <a:ea typeface="微软雅黑" panose="020B0503020204020204" pitchFamily="34" charset="-122"/>
+              </a:rPr>
+              <a:t>（</a:t>
+            </a:r>
+            <a:r>
+              <a:rPr lang="zh-CN" altLang="en-US" sz="2800" b="1" dirty="0">
+                <a:solidFill>
+                  <a:srgbClr val="00B0F0"/>
+                </a:solidFill>
+                <a:latin typeface="微软雅黑" panose="020B0503020204020204" pitchFamily="34" charset="-122"/>
+                <a:ea typeface="微软雅黑" panose="020B0503020204020204" pitchFamily="34" charset="-122"/>
+              </a:rPr>
+              <a:t>考试必考，面试比问</a:t>
+            </a:r>
+            <a:r>
+              <a:rPr lang="zh-CN" altLang="en-US" sz="2800" b="1" dirty="0">
+                <a:solidFill>
+                  <a:srgbClr val="FF0000"/>
+                </a:solidFill>
+                <a:latin typeface="微软雅黑" panose="020B0503020204020204" pitchFamily="34" charset="-122"/>
+                <a:ea typeface="微软雅黑" panose="020B0503020204020204" pitchFamily="34" charset="-122"/>
+              </a:rPr>
+              <a:t>）</a:t>
             </a:r>
             <a:endParaRPr lang="zh-CN" altLang="en-US" sz="2800" b="1" dirty="0">
               <a:latin typeface="微软雅黑" panose="020B0503020204020204" pitchFamily="34" charset="-122"/>
@@ -17065,12 +16870,6 @@
               </a:rPr>
               <a:t>内容提纲</a:t>
             </a:r>
-            <a:endParaRPr lang="zh-CN" altLang="en-US">
-              <a:solidFill>
-                <a:srgbClr val="C00000"/>
-              </a:solidFill>
-              <a:latin typeface="微软雅黑" panose="020B0503020204020204" pitchFamily="34" charset="-122"/>
-            </a:endParaRPr>
           </a:p>
         </p:txBody>
       </p:sp>
@@ -17091,7 +16890,14 @@
         <p:cNvGrpSpPr/>
         <p:nvPr/>
       </p:nvGrpSpPr>
-      <p:grpSpPr/>
+      <p:grpSpPr>
+        <a:xfrm>
+          <a:off x="0" y="0"/>
+          <a:ext cx="0" cy="0"/>
+          <a:chOff x="0" y="0"/>
+          <a:chExt cx="0" cy="0"/>
+        </a:xfrm>
+      </p:grpSpPr>
       <p:sp>
         <p:nvSpPr>
           <p:cNvPr id="3" name="内容占位符 2"/>
@@ -17105,12 +16911,12 @@
         <p:spPr/>
         <p:txBody>
           <a:bodyPr/>
+          <a:lstStyle/>
           <a:p>
             <a:r>
               <a:rPr lang="zh-CN" altLang="en-US"/>
               <a:t>实例化与内存</a:t>
             </a:r>
-            <a:endParaRPr lang="zh-CN" altLang="en-US"/>
           </a:p>
         </p:txBody>
       </p:sp>
@@ -17123,7 +16929,7 @@
           <p:nvPr/>
         </p:nvPicPr>
         <p:blipFill>
-          <a:blip r:embed="rId1"/>
+          <a:blip r:embed="rId3"/>
           <a:stretch>
             <a:fillRect/>
           </a:stretch>
@@ -17166,6 +16972,7 @@
           <a:bodyPr wrap="none" rtlCol="0" anchor="t">
             <a:spAutoFit/>
           </a:bodyPr>
+          <a:lstStyle/>
           <a:p>
             <a:r>
               <a:rPr lang="en-US" altLang="zh-CN">
@@ -17175,11 +16982,6 @@
               </a:rPr>
               <a:t>3.html</a:t>
             </a:r>
-            <a:endParaRPr lang="en-US" altLang="zh-CN">
-              <a:latin typeface="微软雅黑" panose="020B0503020204020204" pitchFamily="34" charset="-122"/>
-              <a:ea typeface="微软雅黑" panose="020B0503020204020204" pitchFamily="34" charset="-122"/>
-              <a:sym typeface="+mn-ea"/>
-            </a:endParaRPr>
           </a:p>
         </p:txBody>
       </p:sp>
@@ -17209,6 +17011,7 @@
           <a:bodyPr wrap="square" rtlCol="0" anchor="t">
             <a:spAutoFit/>
           </a:bodyPr>
+          <a:lstStyle/>
           <a:p>
             <a:pPr algn="l"/>
             <a:r>
@@ -17231,13 +17034,6 @@
               </a:rPr>
               <a:t>boy.sayHello === girl.sayHello</a:t>
             </a:r>
-            <a:endParaRPr lang="zh-CN" altLang="en-US" sz="2400">
-              <a:solidFill>
-                <a:srgbClr val="C00000"/>
-              </a:solidFill>
-              <a:latin typeface="Calibri" panose="020F0502020204030204" charset="0"/>
-              <a:cs typeface="Calibri" panose="020F0502020204030204" charset="0"/>
-            </a:endParaRPr>
           </a:p>
         </p:txBody>
       </p:sp>
@@ -17279,6 +17075,7 @@
         </p:style>
         <p:txBody>
           <a:bodyPr vert="horz" wrap="square" lIns="91440" tIns="45720" rIns="91440" bIns="45720" numCol="1" anchor="t" anchorCtr="0" compatLnSpc="1"/>
+          <a:lstStyle/>
           <a:p>
             <a:pPr marL="0" marR="0" indent="0" algn="ctr" defTabSz="914400" rtl="0" eaLnBrk="0" fontAlgn="base" latinLnBrk="0" hangingPunct="0">
               <a:lnSpc>
@@ -17296,7 +17093,7 @@
               <a:buNone/>
             </a:pPr>
             <a:r>
-              <a:rPr kumimoji="0" lang="zh-CN" altLang="en-US" sz="2800" b="0" i="0" u="none" strike="noStrike" cap="none" normalizeH="0" baseline="0" smtClean="0">
+              <a:rPr kumimoji="0" lang="zh-CN" altLang="en-US" sz="2800" b="0" i="0" u="none" strike="noStrike" cap="none" normalizeH="0" baseline="0">
                 <a:ln>
                   <a:noFill/>
                 </a:ln>
@@ -17308,16 +17105,6 @@
               </a:rPr>
               <a:t>对内存有什么影响？</a:t>
             </a:r>
-            <a:endParaRPr kumimoji="0" lang="zh-CN" altLang="en-US" sz="2800" b="0" i="0" u="none" strike="noStrike" cap="none" normalizeH="0" baseline="0" smtClean="0">
-              <a:ln>
-                <a:noFill/>
-              </a:ln>
-              <a:solidFill>
-                <a:schemeClr val="tx1"/>
-              </a:solidFill>
-              <a:effectLst/>
-              <a:latin typeface="Arial" panose="020B0604020202020204" pitchFamily="34" charset="0"/>
-            </a:endParaRPr>
           </a:p>
         </p:txBody>
       </p:sp>
@@ -17341,6 +17128,7 @@
           <a:bodyPr wrap="none" rtlCol="0" anchor="t">
             <a:spAutoFit/>
           </a:bodyPr>
+          <a:lstStyle/>
           <a:p>
             <a:r>
               <a:rPr lang="en-US" altLang="zh-CN" sz="2400">
@@ -17349,10 +17137,6 @@
               </a:rPr>
               <a:t>//false</a:t>
             </a:r>
-            <a:endParaRPr lang="en-US" altLang="zh-CN" sz="2400">
-              <a:latin typeface="Calibri" panose="020F0502020204030204" charset="0"/>
-              <a:cs typeface="Calibri" panose="020F0502020204030204" charset="0"/>
-            </a:endParaRPr>
           </a:p>
         </p:txBody>
       </p:sp>
@@ -17382,6 +17166,7 @@
           <a:bodyPr wrap="none" rtlCol="0" anchor="t">
             <a:spAutoFit/>
           </a:bodyPr>
+          <a:lstStyle/>
           <a:p>
             <a:r>
               <a:rPr lang="zh-CN" altLang="en-US" sz="2400">
@@ -17394,14 +17179,6 @@
               </a:rPr>
               <a:t>浪费内存</a:t>
             </a:r>
-            <a:endParaRPr lang="zh-CN" altLang="en-US" sz="2400">
-              <a:solidFill>
-                <a:srgbClr val="FF0000"/>
-              </a:solidFill>
-              <a:latin typeface="Calibri" panose="020F0502020204030204" charset="0"/>
-              <a:cs typeface="Calibri" panose="020F0502020204030204" charset="0"/>
-              <a:sym typeface="+mn-ea"/>
-            </a:endParaRPr>
           </a:p>
         </p:txBody>
       </p:sp>
@@ -17599,8 +17376,8 @@
       </p:par>
     </p:tnLst>
     <p:bldLst>
+      <p:bldP spid="6" grpId="1" bldLvl="0" animBg="1"/>
       <p:bldP spid="12" grpId="0"/>
-      <p:bldP spid="6" grpId="1" bldLvl="0" animBg="1"/>
       <p:bldP spid="14" grpId="0" bldLvl="0" animBg="1"/>
     </p:bldLst>
   </p:timing>
@@ -17608,89 +17385,89 @@
 </file>
 
 <file path=ppt/tags/tag1.xml><?xml version="1.0" encoding="utf-8"?>
-<p:tagLst xmlns:p="http://schemas.openxmlformats.org/presentationml/2006/main">
-  <p:tag name="KSO_WM_UNIT_PLACING_PICTURE_USER_VIEWPORT" val="{&quot;height&quot;:5532,&quot;width&quot;:7464}"/>
+<p:tagLst xmlns:a="http://schemas.openxmlformats.org/drawingml/2006/main" xmlns:r="http://schemas.openxmlformats.org/officeDocument/2006/relationships" xmlns:p="http://schemas.openxmlformats.org/presentationml/2006/main">
+  <p:tag name="KSO_WM_DOC_GUID" val="{f3103162-0eae-4492-b11d-e273ff5c0afe}"/>
 </p:tagLst>
 </file>
 
 <file path=ppt/tags/tag10.xml><?xml version="1.0" encoding="utf-8"?>
-<p:tagLst xmlns:p="http://schemas.openxmlformats.org/presentationml/2006/main">
-  <p:tag name="KSO_WM_UNIT_PLACING_PICTURE_USER_VIEWPORT" val="{&quot;height&quot;:5532,&quot;width&quot;:7464}"/>
+<p:tagLst xmlns:a="http://schemas.openxmlformats.org/drawingml/2006/main" xmlns:r="http://schemas.openxmlformats.org/officeDocument/2006/relationships" xmlns:p="http://schemas.openxmlformats.org/presentationml/2006/main">
+  <p:tag name="KSO_WM_UNIT_PLACING_PICTURE_USER_VIEWPORT" val="{&quot;height&quot;:888,&quot;width&quot;:1155}"/>
 </p:tagLst>
 </file>
 
 <file path=ppt/tags/tag11.xml><?xml version="1.0" encoding="utf-8"?>
-<p:tagLst xmlns:p="http://schemas.openxmlformats.org/presentationml/2006/main">
+<p:tagLst xmlns:a="http://schemas.openxmlformats.org/drawingml/2006/main" xmlns:r="http://schemas.openxmlformats.org/officeDocument/2006/relationships" xmlns:p="http://schemas.openxmlformats.org/presentationml/2006/main">
   <p:tag name="KSO_WM_UNIT_PLACING_PICTURE_USER_VIEWPORT" val="{&quot;height&quot;:888,&quot;width&quot;:1155}"/>
 </p:tagLst>
 </file>
 
 <file path=ppt/tags/tag12.xml><?xml version="1.0" encoding="utf-8"?>
-<p:tagLst xmlns:p="http://schemas.openxmlformats.org/presentationml/2006/main">
+<p:tagLst xmlns:a="http://schemas.openxmlformats.org/drawingml/2006/main" xmlns:r="http://schemas.openxmlformats.org/officeDocument/2006/relationships" xmlns:p="http://schemas.openxmlformats.org/presentationml/2006/main">
+  <p:tag name="KSO_WM_UNIT_PLACING_PICTURE_USER_VIEWPORT" val="{&quot;height&quot;:5532,&quot;width&quot;:7464}"/>
+</p:tagLst>
+</file>
+
+<file path=ppt/tags/tag13.xml><?xml version="1.0" encoding="utf-8"?>
+<p:tagLst xmlns:a="http://schemas.openxmlformats.org/drawingml/2006/main" xmlns:r="http://schemas.openxmlformats.org/officeDocument/2006/relationships" xmlns:p="http://schemas.openxmlformats.org/presentationml/2006/main">
   <p:tag name="KSO_WM_UNIT_PLACING_PICTURE_USER_VIEWPORT" val="{&quot;height&quot;:888,&quot;width&quot;:1155}"/>
 </p:tagLst>
 </file>
 
-<file path=ppt/tags/tag13.xml><?xml version="1.0" encoding="utf-8"?>
-<p:tagLst xmlns:p="http://schemas.openxmlformats.org/presentationml/2006/main">
+<file path=ppt/tags/tag14.xml><?xml version="1.0" encoding="utf-8"?>
+<p:tagLst xmlns:a="http://schemas.openxmlformats.org/drawingml/2006/main" xmlns:r="http://schemas.openxmlformats.org/officeDocument/2006/relationships" xmlns:p="http://schemas.openxmlformats.org/presentationml/2006/main">
   <p:tag name="REFSHAPE" val="1031758764"/>
   <p:tag name="KSO_WM_UNIT_PLACING_PICTURE_USER_VIEWPORT" val="{&quot;height&quot;:4080,&quot;width&quot;:4944}"/>
 </p:tagLst>
 </file>
 
-<file path=ppt/tags/tag14.xml><?xml version="1.0" encoding="utf-8"?>
-<p:tagLst xmlns:p="http://schemas.openxmlformats.org/presentationml/2006/main">
-  <p:tag name="KSO_WM_DOC_GUID" val="{f3103162-0eae-4492-b11d-e273ff5c0afe}"/>
-</p:tagLst>
-</file>
-
 <file path=ppt/tags/tag2.xml><?xml version="1.0" encoding="utf-8"?>
-<p:tagLst xmlns:p="http://schemas.openxmlformats.org/presentationml/2006/main">
+<p:tagLst xmlns:a="http://schemas.openxmlformats.org/drawingml/2006/main" xmlns:r="http://schemas.openxmlformats.org/officeDocument/2006/relationships" xmlns:p="http://schemas.openxmlformats.org/presentationml/2006/main">
   <p:tag name="KSO_WM_UNIT_PLACING_PICTURE_USER_VIEWPORT" val="{&quot;height&quot;:5532,&quot;width&quot;:7464}"/>
 </p:tagLst>
 </file>
 
 <file path=ppt/tags/tag3.xml><?xml version="1.0" encoding="utf-8"?>
-<p:tagLst xmlns:p="http://schemas.openxmlformats.org/presentationml/2006/main">
+<p:tagLst xmlns:a="http://schemas.openxmlformats.org/drawingml/2006/main" xmlns:r="http://schemas.openxmlformats.org/officeDocument/2006/relationships" xmlns:p="http://schemas.openxmlformats.org/presentationml/2006/main">
   <p:tag name="KSO_WM_UNIT_PLACING_PICTURE_USER_VIEWPORT" val="{&quot;height&quot;:888,&quot;width&quot;:1155}"/>
 </p:tagLst>
 </file>
 
 <file path=ppt/tags/tag4.xml><?xml version="1.0" encoding="utf-8"?>
-<p:tagLst xmlns:p="http://schemas.openxmlformats.org/presentationml/2006/main">
+<p:tagLst xmlns:a="http://schemas.openxmlformats.org/drawingml/2006/main" xmlns:r="http://schemas.openxmlformats.org/officeDocument/2006/relationships" xmlns:p="http://schemas.openxmlformats.org/presentationml/2006/main">
+  <p:tag name="KSO_WM_UNIT_PLACING_PICTURE_USER_VIEWPORT" val="{&quot;height&quot;:5532,&quot;width&quot;:7464}"/>
+</p:tagLst>
+</file>
+
+<file path=ppt/tags/tag5.xml><?xml version="1.0" encoding="utf-8"?>
+<p:tagLst xmlns:a="http://schemas.openxmlformats.org/drawingml/2006/main" xmlns:r="http://schemas.openxmlformats.org/officeDocument/2006/relationships" xmlns:p="http://schemas.openxmlformats.org/presentationml/2006/main">
   <p:tag name="KSO_WM_UNIT_PLACING_PICTURE_USER_VIEWPORT" val="{&quot;height&quot;:888,&quot;width&quot;:1155}"/>
 </p:tagLst>
 </file>
 
-<file path=ppt/tags/tag5.xml><?xml version="1.0" encoding="utf-8"?>
-<p:tagLst xmlns:p="http://schemas.openxmlformats.org/presentationml/2006/main">
-  <p:tag name="KSO_WM_UNIT_PLACING_PICTURE_USER_VIEWPORT" val="{&quot;height&quot;:5532,&quot;width&quot;:7464}"/>
-</p:tagLst>
-</file>
-
 <file path=ppt/tags/tag6.xml><?xml version="1.0" encoding="utf-8"?>
-<p:tagLst xmlns:p="http://schemas.openxmlformats.org/presentationml/2006/main">
-  <p:tag name="KSO_WM_UNIT_PLACING_PICTURE_USER_VIEWPORT" val="{&quot;height&quot;:888,&quot;width&quot;:1155}"/>
-</p:tagLst>
-</file>
-
-<file path=ppt/tags/tag7.xml><?xml version="1.0" encoding="utf-8"?>
-<p:tagLst xmlns:p="http://schemas.openxmlformats.org/presentationml/2006/main">
-  <p:tag name="KSO_WM_UNIT_PLACING_PICTURE_USER_VIEWPORT" val="{&quot;height&quot;:888,&quot;width&quot;:1155}"/>
-</p:tagLst>
-</file>
-
-<file path=ppt/tags/tag8.xml><?xml version="1.0" encoding="utf-8"?>
-<p:tagLst xmlns:p="http://schemas.openxmlformats.org/presentationml/2006/main">
+<p:tagLst xmlns:a="http://schemas.openxmlformats.org/drawingml/2006/main" xmlns:r="http://schemas.openxmlformats.org/officeDocument/2006/relationships" xmlns:p="http://schemas.openxmlformats.org/presentationml/2006/main">
   <p:tag name="REFSHAPE" val="722369052"/>
   <p:tag name="KSO_WM_UNIT_PLACING_PICTURE_USER_VIEWPORT" val="{&quot;height&quot;:6744,&quot;width&quot;:13776}"/>
 </p:tagLst>
 </file>
 
-<file path=ppt/tags/tag9.xml><?xml version="1.0" encoding="utf-8"?>
-<p:tagLst xmlns:p="http://schemas.openxmlformats.org/presentationml/2006/main">
+<file path=ppt/tags/tag7.xml><?xml version="1.0" encoding="utf-8"?>
+<p:tagLst xmlns:a="http://schemas.openxmlformats.org/drawingml/2006/main" xmlns:r="http://schemas.openxmlformats.org/officeDocument/2006/relationships" xmlns:p="http://schemas.openxmlformats.org/presentationml/2006/main">
   <p:tag name="REFSHAPE" val="722369052"/>
   <p:tag name="KSO_WM_UNIT_PLACING_PICTURE_USER_VIEWPORT" val="{&quot;height&quot;:6744,&quot;width&quot;:13776}"/>
+</p:tagLst>
+</file>
+
+<file path=ppt/tags/tag8.xml><?xml version="1.0" encoding="utf-8"?>
+<p:tagLst xmlns:a="http://schemas.openxmlformats.org/drawingml/2006/main" xmlns:r="http://schemas.openxmlformats.org/officeDocument/2006/relationships" xmlns:p="http://schemas.openxmlformats.org/presentationml/2006/main">
+  <p:tag name="KSO_WM_UNIT_PLACING_PICTURE_USER_VIEWPORT" val="{&quot;height&quot;:888,&quot;width&quot;:1155}"/>
+</p:tagLst>
+</file>
+
+<file path=ppt/tags/tag9.xml><?xml version="1.0" encoding="utf-8"?>
+<p:tagLst xmlns:a="http://schemas.openxmlformats.org/drawingml/2006/main" xmlns:r="http://schemas.openxmlformats.org/officeDocument/2006/relationships" xmlns:p="http://schemas.openxmlformats.org/presentationml/2006/main">
+  <p:tag name="KSO_WM_UNIT_PLACING_PICTURE_USER_VIEWPORT" val="{&quot;height&quot;:5532,&quot;width&quot;:7464}"/>
 </p:tagLst>
 </file>
 
@@ -17974,6 +17751,8 @@
       </a:bgFillStyleLst>
     </a:fmtScheme>
   </a:themeElements>
+  <a:objectDefaults/>
+  <a:extraClrSchemeLst/>
   <a:extLst>
     <a:ext uri="{05A4C25C-085E-4340-85A3-A5531E510DB2}">
       <thm15:themeFamily xmlns:thm15="http://schemas.microsoft.com/office/thememl/2012/main" name="Office Theme" id="{62F939B6-93AF-4DB8-9C6B-D6C7DFDC589F}" vid="{4A3C46E8-61CC-4603-A589-7422A47A8E4A}"/>
@@ -18316,6 +18095,7 @@
       </a:lstStyle>
     </a:lnDef>
   </a:objectDefaults>
+  <a:extraClrSchemeLst/>
   <a:extLst>
     <a:ext uri="{05A4C25C-085E-4340-85A3-A5531E510DB2}">
       <thm15:themeFamily xmlns:thm15="http://schemas.microsoft.com/office/thememl/2012/main" name="Office Theme" id="{62F939B6-93AF-4DB8-9C6B-D6C7DFDC589F}" vid="{4A3C46E8-61CC-4603-A589-7422A47A8E4A}"/>
@@ -18604,6 +18384,8 @@
       </a:bgFillStyleLst>
     </a:fmtScheme>
   </a:themeElements>
+  <a:objectDefaults/>
+  <a:extraClrSchemeLst/>
   <a:extLst>
     <a:ext uri="{05A4C25C-085E-4340-85A3-A5531E510DB2}">
       <thm15:themeFamily xmlns:thm15="http://schemas.microsoft.com/office/thememl/2012/main" name="Office Theme" id="{62F939B6-93AF-4DB8-9C6B-D6C7DFDC589F}" vid="{4A3C46E8-61CC-4603-A589-7422A47A8E4A}"/>
@@ -18892,6 +18674,8 @@
       </a:bgFillStyleLst>
     </a:fmtScheme>
   </a:themeElements>
+  <a:objectDefaults/>
+  <a:extraClrSchemeLst/>
   <a:extLst>
     <a:ext uri="{05A4C25C-085E-4340-85A3-A5531E510DB2}">
       <thm15:themeFamily xmlns:thm15="http://schemas.microsoft.com/office/thememl/2012/main" name="Office Theme" id="{62F939B6-93AF-4DB8-9C6B-D6C7DFDC589F}" vid="{4A3C46E8-61CC-4603-A589-7422A47A8E4A}"/>
@@ -19180,6 +18964,8 @@
       </a:bgFillStyleLst>
     </a:fmtScheme>
   </a:themeElements>
+  <a:objectDefaults/>
+  <a:extraClrSchemeLst/>
   <a:extLst>
     <a:ext uri="{05A4C25C-085E-4340-85A3-A5531E510DB2}">
       <thm15:themeFamily xmlns:thm15="http://schemas.microsoft.com/office/thememl/2012/main" name="Office Theme" id="{62F939B6-93AF-4DB8-9C6B-D6C7DFDC589F}" vid="{4A3C46E8-61CC-4603-A589-7422A47A8E4A}"/>
@@ -19468,6 +19254,8 @@
       </a:bgFillStyleLst>
     </a:fmtScheme>
   </a:themeElements>
+  <a:objectDefaults/>
+  <a:extraClrSchemeLst/>
   <a:extLst>
     <a:ext uri="{05A4C25C-085E-4340-85A3-A5531E510DB2}">
       <thm15:themeFamily xmlns:thm15="http://schemas.microsoft.com/office/thememl/2012/main" name="Office Theme" id="{62F939B6-93AF-4DB8-9C6B-D6C7DFDC589F}" vid="{4A3C46E8-61CC-4603-A589-7422A47A8E4A}"/>
@@ -19754,6 +19542,8 @@
       </a:bgFillStyleLst>
     </a:fmtScheme>
   </a:themeElements>
+  <a:objectDefaults/>
+  <a:extraClrSchemeLst/>
   <a:extLst>
     <a:ext uri="{05A4C25C-085E-4340-85A3-A5531E510DB2}">
       <thm15:themeFamily xmlns:thm15="http://schemas.microsoft.com/office/thememl/2012/main" name="Office Theme" id="{62F939B6-93AF-4DB8-9C6B-D6C7DFDC589F}" vid="{4A3C46E8-61CC-4603-A589-7422A47A8E4A}"/>
@@ -20013,6 +19803,8 @@
       </a:bgFillStyleLst>
     </a:fmtScheme>
   </a:themeElements>
+  <a:objectDefaults/>
+  <a:extraClrSchemeLst/>
   <a:extLst>
     <a:ext uri="{05A4C25C-085E-4340-85A3-A5531E510DB2}">
       <thm15:themeFamily xmlns:thm15="http://schemas.microsoft.com/office/thememl/2012/main" name="Office Theme" id="{62F939B6-93AF-4DB8-9C6B-D6C7DFDC589F}" vid="{4A3C46E8-61CC-4603-A589-7422A47A8E4A}"/>
